--- a/l4-2.pptx
+++ b/l4-2.pptx
@@ -5,30 +5,25 @@
     <p:sldMasterId id="2147483648" r:id="rId1"/>
   </p:sldMasterIdLst>
   <p:notesMasterIdLst>
-    <p:notesMasterId r:id="rId23"/>
+    <p:notesMasterId r:id="rId18"/>
   </p:notesMasterIdLst>
   <p:sldIdLst>
     <p:sldId id="263" r:id="rId2"/>
     <p:sldId id="293" r:id="rId3"/>
-    <p:sldId id="362" r:id="rId4"/>
-    <p:sldId id="346" r:id="rId5"/>
-    <p:sldId id="349" r:id="rId6"/>
-    <p:sldId id="355" r:id="rId7"/>
-    <p:sldId id="375" r:id="rId8"/>
-    <p:sldId id="376" r:id="rId9"/>
-    <p:sldId id="357" r:id="rId10"/>
-    <p:sldId id="358" r:id="rId11"/>
-    <p:sldId id="377" r:id="rId12"/>
-    <p:sldId id="372" r:id="rId13"/>
-    <p:sldId id="378" r:id="rId14"/>
-    <p:sldId id="366" r:id="rId15"/>
-    <p:sldId id="360" r:id="rId16"/>
-    <p:sldId id="379" r:id="rId17"/>
-    <p:sldId id="380" r:id="rId18"/>
-    <p:sldId id="381" r:id="rId19"/>
-    <p:sldId id="382" r:id="rId20"/>
-    <p:sldId id="283" r:id="rId21"/>
-    <p:sldId id="374" r:id="rId22"/>
+    <p:sldId id="383" r:id="rId4"/>
+    <p:sldId id="388" r:id="rId5"/>
+    <p:sldId id="346" r:id="rId6"/>
+    <p:sldId id="349" r:id="rId7"/>
+    <p:sldId id="384" r:id="rId8"/>
+    <p:sldId id="355" r:id="rId9"/>
+    <p:sldId id="375" r:id="rId10"/>
+    <p:sldId id="376" r:id="rId11"/>
+    <p:sldId id="385" r:id="rId12"/>
+    <p:sldId id="357" r:id="rId13"/>
+    <p:sldId id="386" r:id="rId14"/>
+    <p:sldId id="387" r:id="rId15"/>
+    <p:sldId id="283" r:id="rId16"/>
+    <p:sldId id="374" r:id="rId17"/>
   </p:sldIdLst>
   <p:sldSz cx="9144000" cy="6858000" type="screen4x3"/>
   <p:notesSz cx="6858000" cy="9144000"/>
@@ -281,6 +276,315 @@
     </p:ext>
   </p:extLst>
 </p:presentation>
+</file>
+
+<file path=ppt/changesInfos/changesInfo1.xml><?xml version="1.0" encoding="utf-8"?>
+<pc:chgInfo xmlns:a="http://schemas.openxmlformats.org/drawingml/2006/main" xmlns:r="http://schemas.openxmlformats.org/officeDocument/2006/relationships" xmlns:ac="http://schemas.microsoft.com/office/drawing/2013/main/command" xmlns:pc="http://schemas.microsoft.com/office/powerpoint/2013/main/command">
+  <pc:docChgLst>
+    <pc:chgData name="Colson, Robert" userId="25586c2a-52f0-4ea1-8d29-b1cb0db384a0" providerId="ADAL" clId="{A650B3CC-4282-4942-ADE7-8302D61F4733}"/>
+    <pc:docChg chg="undo redo custSel addSld modSld">
+      <pc:chgData name="Colson, Robert" userId="25586c2a-52f0-4ea1-8d29-b1cb0db384a0" providerId="ADAL" clId="{A650B3CC-4282-4942-ADE7-8302D61F4733}" dt="2025-03-06T00:15:09.879" v="166" actId="404"/>
+      <pc:docMkLst>
+        <pc:docMk/>
+      </pc:docMkLst>
+      <pc:sldChg chg="delSp modSp mod">
+        <pc:chgData name="Colson, Robert" userId="25586c2a-52f0-4ea1-8d29-b1cb0db384a0" providerId="ADAL" clId="{A650B3CC-4282-4942-ADE7-8302D61F4733}" dt="2025-03-04T15:30:14.336" v="7" actId="1076"/>
+        <pc:sldMkLst>
+          <pc:docMk/>
+          <pc:sldMk cId="1099024985" sldId="263"/>
+        </pc:sldMkLst>
+        <pc:spChg chg="mod">
+          <ac:chgData name="Colson, Robert" userId="25586c2a-52f0-4ea1-8d29-b1cb0db384a0" providerId="ADAL" clId="{A650B3CC-4282-4942-ADE7-8302D61F4733}" dt="2025-03-04T15:30:14.336" v="7" actId="1076"/>
+          <ac:spMkLst>
+            <pc:docMk/>
+            <pc:sldMk cId="1099024985" sldId="263"/>
+            <ac:spMk id="43" creationId="{7DA11C70-43AB-4FEB-267C-D4E84A5047C5}"/>
+          </ac:spMkLst>
+        </pc:spChg>
+        <pc:picChg chg="mod modCrop">
+          <ac:chgData name="Colson, Robert" userId="25586c2a-52f0-4ea1-8d29-b1cb0db384a0" providerId="ADAL" clId="{A650B3CC-4282-4942-ADE7-8302D61F4733}" dt="2025-03-04T15:29:59.088" v="6" actId="732"/>
+          <ac:picMkLst>
+            <pc:docMk/>
+            <pc:sldMk cId="1099024985" sldId="263"/>
+            <ac:picMk id="4" creationId="{98FBF20F-D6D9-722D-EF10-55E4B10870EC}"/>
+          </ac:picMkLst>
+        </pc:picChg>
+      </pc:sldChg>
+      <pc:sldChg chg="delSp modSp mod">
+        <pc:chgData name="Colson, Robert" userId="25586c2a-52f0-4ea1-8d29-b1cb0db384a0" providerId="ADAL" clId="{A650B3CC-4282-4942-ADE7-8302D61F4733}" dt="2025-03-04T15:41:36.061" v="11" actId="20577"/>
+        <pc:sldMkLst>
+          <pc:docMk/>
+          <pc:sldMk cId="1472477715" sldId="293"/>
+        </pc:sldMkLst>
+        <pc:spChg chg="mod">
+          <ac:chgData name="Colson, Robert" userId="25586c2a-52f0-4ea1-8d29-b1cb0db384a0" providerId="ADAL" clId="{A650B3CC-4282-4942-ADE7-8302D61F4733}" dt="2025-03-04T15:41:36.061" v="11" actId="20577"/>
+          <ac:spMkLst>
+            <pc:docMk/>
+            <pc:sldMk cId="1472477715" sldId="293"/>
+            <ac:spMk id="5" creationId="{6E8F0502-F26D-4842-97A7-E6A7B55ABA0B}"/>
+          </ac:spMkLst>
+        </pc:spChg>
+      </pc:sldChg>
+      <pc:sldChg chg="delSp modSp mod">
+        <pc:chgData name="Colson, Robert" userId="25586c2a-52f0-4ea1-8d29-b1cb0db384a0" providerId="ADAL" clId="{A650B3CC-4282-4942-ADE7-8302D61F4733}" dt="2025-03-05T18:59:26.589" v="40" actId="14100"/>
+        <pc:sldMkLst>
+          <pc:docMk/>
+          <pc:sldMk cId="2370629198" sldId="346"/>
+        </pc:sldMkLst>
+        <pc:spChg chg="mod">
+          <ac:chgData name="Colson, Robert" userId="25586c2a-52f0-4ea1-8d29-b1cb0db384a0" providerId="ADAL" clId="{A650B3CC-4282-4942-ADE7-8302D61F4733}" dt="2025-03-05T18:59:22.898" v="39" actId="404"/>
+          <ac:spMkLst>
+            <pc:docMk/>
+            <pc:sldMk cId="2370629198" sldId="346"/>
+            <ac:spMk id="5" creationId="{6E8F0502-F26D-4842-97A7-E6A7B55ABA0B}"/>
+          </ac:spMkLst>
+        </pc:spChg>
+        <pc:spChg chg="del">
+          <ac:chgData name="Colson, Robert" userId="25586c2a-52f0-4ea1-8d29-b1cb0db384a0" providerId="ADAL" clId="{A650B3CC-4282-4942-ADE7-8302D61F4733}" dt="2025-03-05T18:58:15.629" v="20" actId="478"/>
+          <ac:spMkLst>
+            <pc:docMk/>
+            <pc:sldMk cId="2370629198" sldId="346"/>
+            <ac:spMk id="9" creationId="{E7A370C1-14D5-AF43-A796-AF0540DA76D8}"/>
+          </ac:spMkLst>
+        </pc:spChg>
+        <pc:picChg chg="mod modCrop">
+          <ac:chgData name="Colson, Robert" userId="25586c2a-52f0-4ea1-8d29-b1cb0db384a0" providerId="ADAL" clId="{A650B3CC-4282-4942-ADE7-8302D61F4733}" dt="2025-03-05T18:59:17.535" v="33" actId="1076"/>
+          <ac:picMkLst>
+            <pc:docMk/>
+            <pc:sldMk cId="2370629198" sldId="346"/>
+            <ac:picMk id="14" creationId="{23ACD393-78BF-E12C-966D-3791415C1F6F}"/>
+          </ac:picMkLst>
+        </pc:picChg>
+        <pc:picChg chg="mod modCrop">
+          <ac:chgData name="Colson, Robert" userId="25586c2a-52f0-4ea1-8d29-b1cb0db384a0" providerId="ADAL" clId="{A650B3CC-4282-4942-ADE7-8302D61F4733}" dt="2025-03-05T18:59:26.589" v="40" actId="14100"/>
+          <ac:picMkLst>
+            <pc:docMk/>
+            <pc:sldMk cId="2370629198" sldId="346"/>
+            <ac:picMk id="16" creationId="{A7262238-413D-BF4C-7F0F-BE60C4F00E25}"/>
+          </ac:picMkLst>
+        </pc:picChg>
+      </pc:sldChg>
+      <pc:sldChg chg="delSp modSp mod">
+        <pc:chgData name="Colson, Robert" userId="25586c2a-52f0-4ea1-8d29-b1cb0db384a0" providerId="ADAL" clId="{A650B3CC-4282-4942-ADE7-8302D61F4733}" dt="2025-03-05T19:09:08.667" v="124" actId="20577"/>
+        <pc:sldMkLst>
+          <pc:docMk/>
+          <pc:sldMk cId="1039397992" sldId="349"/>
+        </pc:sldMkLst>
+        <pc:spChg chg="mod">
+          <ac:chgData name="Colson, Robert" userId="25586c2a-52f0-4ea1-8d29-b1cb0db384a0" providerId="ADAL" clId="{A650B3CC-4282-4942-ADE7-8302D61F4733}" dt="2025-03-05T19:09:08.667" v="124" actId="20577"/>
+          <ac:spMkLst>
+            <pc:docMk/>
+            <pc:sldMk cId="1039397992" sldId="349"/>
+            <ac:spMk id="15" creationId="{6E8F0502-F26D-4842-97A7-E6A7B55ABA0B}"/>
+          </ac:spMkLst>
+        </pc:spChg>
+        <pc:picChg chg="mod">
+          <ac:chgData name="Colson, Robert" userId="25586c2a-52f0-4ea1-8d29-b1cb0db384a0" providerId="ADAL" clId="{A650B3CC-4282-4942-ADE7-8302D61F4733}" dt="2025-03-05T19:00:03.220" v="46" actId="1076"/>
+          <ac:picMkLst>
+            <pc:docMk/>
+            <pc:sldMk cId="1039397992" sldId="349"/>
+            <ac:picMk id="6" creationId="{384019D7-7337-DB8B-5216-907C20DFF2DF}"/>
+          </ac:picMkLst>
+        </pc:picChg>
+        <pc:picChg chg="del mod">
+          <ac:chgData name="Colson, Robert" userId="25586c2a-52f0-4ea1-8d29-b1cb0db384a0" providerId="ADAL" clId="{A650B3CC-4282-4942-ADE7-8302D61F4733}" dt="2025-03-05T19:09:03.686" v="121" actId="478"/>
+          <ac:picMkLst>
+            <pc:docMk/>
+            <pc:sldMk cId="1039397992" sldId="349"/>
+            <ac:picMk id="9" creationId="{CCF900C9-1F70-5C67-8020-C8357FB9E286}"/>
+          </ac:picMkLst>
+        </pc:picChg>
+      </pc:sldChg>
+      <pc:sldChg chg="modSp mod">
+        <pc:chgData name="Colson, Robert" userId="25586c2a-52f0-4ea1-8d29-b1cb0db384a0" providerId="ADAL" clId="{A650B3CC-4282-4942-ADE7-8302D61F4733}" dt="2025-03-06T00:14:30.738" v="160" actId="20577"/>
+        <pc:sldMkLst>
+          <pc:docMk/>
+          <pc:sldMk cId="2240166599" sldId="355"/>
+        </pc:sldMkLst>
+        <pc:spChg chg="mod">
+          <ac:chgData name="Colson, Robert" userId="25586c2a-52f0-4ea1-8d29-b1cb0db384a0" providerId="ADAL" clId="{A650B3CC-4282-4942-ADE7-8302D61F4733}" dt="2025-03-06T00:14:30.738" v="160" actId="20577"/>
+          <ac:spMkLst>
+            <pc:docMk/>
+            <pc:sldMk cId="2240166599" sldId="355"/>
+            <ac:spMk id="9" creationId="{8B4D9072-65DE-D407-CA83-C2624F3966D2}"/>
+          </ac:spMkLst>
+        </pc:spChg>
+        <pc:spChg chg="mod">
+          <ac:chgData name="Colson, Robert" userId="25586c2a-52f0-4ea1-8d29-b1cb0db384a0" providerId="ADAL" clId="{A650B3CC-4282-4942-ADE7-8302D61F4733}" dt="2025-03-05T19:00:30.940" v="49" actId="20577"/>
+          <ac:spMkLst>
+            <pc:docMk/>
+            <pc:sldMk cId="2240166599" sldId="355"/>
+            <ac:spMk id="18" creationId="{F886122E-2697-C253-2B68-ED8CC75E8FE3}"/>
+          </ac:spMkLst>
+        </pc:spChg>
+        <pc:picChg chg="mod">
+          <ac:chgData name="Colson, Robert" userId="25586c2a-52f0-4ea1-8d29-b1cb0db384a0" providerId="ADAL" clId="{A650B3CC-4282-4942-ADE7-8302D61F4733}" dt="2025-03-05T19:00:37.092" v="51" actId="1076"/>
+          <ac:picMkLst>
+            <pc:docMk/>
+            <pc:sldMk cId="2240166599" sldId="355"/>
+            <ac:picMk id="7" creationId="{386BD156-ED03-6E3F-01B5-2775699815EF}"/>
+          </ac:picMkLst>
+        </pc:picChg>
+      </pc:sldChg>
+      <pc:sldChg chg="modSp mod">
+        <pc:chgData name="Colson, Robert" userId="25586c2a-52f0-4ea1-8d29-b1cb0db384a0" providerId="ADAL" clId="{A650B3CC-4282-4942-ADE7-8302D61F4733}" dt="2025-03-06T00:14:43.251" v="161" actId="14100"/>
+        <pc:sldMkLst>
+          <pc:docMk/>
+          <pc:sldMk cId="518758758" sldId="375"/>
+        </pc:sldMkLst>
+        <pc:spChg chg="mod">
+          <ac:chgData name="Colson, Robert" userId="25586c2a-52f0-4ea1-8d29-b1cb0db384a0" providerId="ADAL" clId="{A650B3CC-4282-4942-ADE7-8302D61F4733}" dt="2025-03-05T19:04:12.305" v="115" actId="6549"/>
+          <ac:spMkLst>
+            <pc:docMk/>
+            <pc:sldMk cId="518758758" sldId="375"/>
+            <ac:spMk id="18" creationId="{F886122E-2697-C253-2B68-ED8CC75E8FE3}"/>
+          </ac:spMkLst>
+        </pc:spChg>
+        <pc:picChg chg="mod">
+          <ac:chgData name="Colson, Robert" userId="25586c2a-52f0-4ea1-8d29-b1cb0db384a0" providerId="ADAL" clId="{A650B3CC-4282-4942-ADE7-8302D61F4733}" dt="2025-03-06T00:14:43.251" v="161" actId="14100"/>
+          <ac:picMkLst>
+            <pc:docMk/>
+            <pc:sldMk cId="518758758" sldId="375"/>
+            <ac:picMk id="5" creationId="{3EA894C1-D6CC-C762-AD65-0F80C1F44E7D}"/>
+          </ac:picMkLst>
+        </pc:picChg>
+      </pc:sldChg>
+      <pc:sldChg chg="modSp mod">
+        <pc:chgData name="Colson, Robert" userId="25586c2a-52f0-4ea1-8d29-b1cb0db384a0" providerId="ADAL" clId="{A650B3CC-4282-4942-ADE7-8302D61F4733}" dt="2025-03-06T00:15:09.879" v="166" actId="404"/>
+        <pc:sldMkLst>
+          <pc:docMk/>
+          <pc:sldMk cId="2019329500" sldId="376"/>
+        </pc:sldMkLst>
+        <pc:spChg chg="mod">
+          <ac:chgData name="Colson, Robert" userId="25586c2a-52f0-4ea1-8d29-b1cb0db384a0" providerId="ADAL" clId="{A650B3CC-4282-4942-ADE7-8302D61F4733}" dt="2025-03-06T00:15:01.047" v="162" actId="14100"/>
+          <ac:spMkLst>
+            <pc:docMk/>
+            <pc:sldMk cId="2019329500" sldId="376"/>
+            <ac:spMk id="4" creationId="{7B6773E5-DD17-5EE5-9D95-732A2DD18303}"/>
+          </ac:spMkLst>
+        </pc:spChg>
+        <pc:spChg chg="mod">
+          <ac:chgData name="Colson, Robert" userId="25586c2a-52f0-4ea1-8d29-b1cb0db384a0" providerId="ADAL" clId="{A650B3CC-4282-4942-ADE7-8302D61F4733}" dt="2025-03-06T00:15:01.047" v="162" actId="14100"/>
+          <ac:spMkLst>
+            <pc:docMk/>
+            <pc:sldMk cId="2019329500" sldId="376"/>
+            <ac:spMk id="6" creationId="{33341DDE-51A7-BB4A-A5D0-B99BDB557C68}"/>
+          </ac:spMkLst>
+        </pc:spChg>
+        <pc:spChg chg="mod">
+          <ac:chgData name="Colson, Robert" userId="25586c2a-52f0-4ea1-8d29-b1cb0db384a0" providerId="ADAL" clId="{A650B3CC-4282-4942-ADE7-8302D61F4733}" dt="2025-03-06T00:15:09.879" v="166" actId="404"/>
+          <ac:spMkLst>
+            <pc:docMk/>
+            <pc:sldMk cId="2019329500" sldId="376"/>
+            <ac:spMk id="9" creationId="{8B4D9072-65DE-D407-CA83-C2624F3966D2}"/>
+          </ac:spMkLst>
+        </pc:spChg>
+        <pc:spChg chg="mod">
+          <ac:chgData name="Colson, Robert" userId="25586c2a-52f0-4ea1-8d29-b1cb0db384a0" providerId="ADAL" clId="{A650B3CC-4282-4942-ADE7-8302D61F4733}" dt="2025-03-06T00:15:01.047" v="162" actId="14100"/>
+          <ac:spMkLst>
+            <pc:docMk/>
+            <pc:sldMk cId="2019329500" sldId="376"/>
+            <ac:spMk id="18" creationId="{F886122E-2697-C253-2B68-ED8CC75E8FE3}"/>
+          </ac:spMkLst>
+        </pc:spChg>
+        <pc:picChg chg="mod">
+          <ac:chgData name="Colson, Robert" userId="25586c2a-52f0-4ea1-8d29-b1cb0db384a0" providerId="ADAL" clId="{A650B3CC-4282-4942-ADE7-8302D61F4733}" dt="2025-03-06T00:15:01.047" v="162" actId="14100"/>
+          <ac:picMkLst>
+            <pc:docMk/>
+            <pc:sldMk cId="2019329500" sldId="376"/>
+            <ac:picMk id="10" creationId="{8CA07B6F-4523-A7F2-B066-39F6BEBC0775}"/>
+          </ac:picMkLst>
+        </pc:picChg>
+        <pc:picChg chg="mod">
+          <ac:chgData name="Colson, Robert" userId="25586c2a-52f0-4ea1-8d29-b1cb0db384a0" providerId="ADAL" clId="{A650B3CC-4282-4942-ADE7-8302D61F4733}" dt="2025-03-06T00:15:01.047" v="162" actId="14100"/>
+          <ac:picMkLst>
+            <pc:docMk/>
+            <pc:sldMk cId="2019329500" sldId="376"/>
+            <ac:picMk id="12" creationId="{D8B30BA7-B696-D4ED-028F-8D33AE8AC369}"/>
+          </ac:picMkLst>
+        </pc:picChg>
+        <pc:picChg chg="mod">
+          <ac:chgData name="Colson, Robert" userId="25586c2a-52f0-4ea1-8d29-b1cb0db384a0" providerId="ADAL" clId="{A650B3CC-4282-4942-ADE7-8302D61F4733}" dt="2025-03-06T00:15:01.047" v="162" actId="14100"/>
+          <ac:picMkLst>
+            <pc:docMk/>
+            <pc:sldMk cId="2019329500" sldId="376"/>
+            <ac:picMk id="14" creationId="{E9B17D9B-ADB1-8F51-370A-13D03CF7293C}"/>
+          </ac:picMkLst>
+        </pc:picChg>
+        <pc:picChg chg="mod">
+          <ac:chgData name="Colson, Robert" userId="25586c2a-52f0-4ea1-8d29-b1cb0db384a0" providerId="ADAL" clId="{A650B3CC-4282-4942-ADE7-8302D61F4733}" dt="2025-03-06T00:15:01.047" v="162" actId="14100"/>
+          <ac:picMkLst>
+            <pc:docMk/>
+            <pc:sldMk cId="2019329500" sldId="376"/>
+            <ac:picMk id="19" creationId="{A031DF4C-1138-4D22-D687-660556BCDB3E}"/>
+          </ac:picMkLst>
+        </pc:picChg>
+        <pc:picChg chg="mod">
+          <ac:chgData name="Colson, Robert" userId="25586c2a-52f0-4ea1-8d29-b1cb0db384a0" providerId="ADAL" clId="{A650B3CC-4282-4942-ADE7-8302D61F4733}" dt="2025-03-06T00:15:01.047" v="162" actId="14100"/>
+          <ac:picMkLst>
+            <pc:docMk/>
+            <pc:sldMk cId="2019329500" sldId="376"/>
+            <ac:picMk id="23" creationId="{3043536F-1FDB-6D08-8EA0-2871F9855731}"/>
+          </ac:picMkLst>
+        </pc:picChg>
+        <pc:picChg chg="mod">
+          <ac:chgData name="Colson, Robert" userId="25586c2a-52f0-4ea1-8d29-b1cb0db384a0" providerId="ADAL" clId="{A650B3CC-4282-4942-ADE7-8302D61F4733}" dt="2025-03-06T00:15:01.047" v="162" actId="14100"/>
+          <ac:picMkLst>
+            <pc:docMk/>
+            <pc:sldMk cId="2019329500" sldId="376"/>
+            <ac:picMk id="27" creationId="{519246A5-2236-D59B-0143-5EF7B8D4BB3B}"/>
+          </ac:picMkLst>
+        </pc:picChg>
+      </pc:sldChg>
+      <pc:sldChg chg="delSp modSp add mod">
+        <pc:chgData name="Colson, Robert" userId="25586c2a-52f0-4ea1-8d29-b1cb0db384a0" providerId="ADAL" clId="{A650B3CC-4282-4942-ADE7-8302D61F4733}" dt="2025-03-04T15:41:49.430" v="18" actId="20577"/>
+        <pc:sldMkLst>
+          <pc:docMk/>
+          <pc:sldMk cId="3629579978" sldId="383"/>
+        </pc:sldMkLst>
+        <pc:spChg chg="mod">
+          <ac:chgData name="Colson, Robert" userId="25586c2a-52f0-4ea1-8d29-b1cb0db384a0" providerId="ADAL" clId="{A650B3CC-4282-4942-ADE7-8302D61F4733}" dt="2025-03-04T15:41:49.430" v="18" actId="20577"/>
+          <ac:spMkLst>
+            <pc:docMk/>
+            <pc:sldMk cId="3629579978" sldId="383"/>
+            <ac:spMk id="5" creationId="{8CDE3D6D-DE1B-BA33-A898-C1BBD1651897}"/>
+          </ac:spMkLst>
+        </pc:spChg>
+      </pc:sldChg>
+      <pc:sldChg chg="delSp modSp add mod">
+        <pc:chgData name="Colson, Robert" userId="25586c2a-52f0-4ea1-8d29-b1cb0db384a0" providerId="ADAL" clId="{A650B3CC-4282-4942-ADE7-8302D61F4733}" dt="2025-03-05T19:11:11.126" v="156" actId="20577"/>
+        <pc:sldMkLst>
+          <pc:docMk/>
+          <pc:sldMk cId="2474971815" sldId="384"/>
+        </pc:sldMkLst>
+        <pc:spChg chg="mod">
+          <ac:chgData name="Colson, Robert" userId="25586c2a-52f0-4ea1-8d29-b1cb0db384a0" providerId="ADAL" clId="{A650B3CC-4282-4942-ADE7-8302D61F4733}" dt="2025-03-05T19:11:11.126" v="156" actId="20577"/>
+          <ac:spMkLst>
+            <pc:docMk/>
+            <pc:sldMk cId="2474971815" sldId="384"/>
+            <ac:spMk id="15" creationId="{C3F96392-9296-5458-C71D-71E61DF32A26}"/>
+          </ac:spMkLst>
+        </pc:spChg>
+        <pc:picChg chg="del">
+          <ac:chgData name="Colson, Robert" userId="25586c2a-52f0-4ea1-8d29-b1cb0db384a0" providerId="ADAL" clId="{A650B3CC-4282-4942-ADE7-8302D61F4733}" dt="2025-03-05T19:09:26.131" v="134" actId="478"/>
+          <ac:picMkLst>
+            <pc:docMk/>
+            <pc:sldMk cId="2474971815" sldId="384"/>
+            <ac:picMk id="6" creationId="{5111CBB2-C958-699D-A19C-32B94B989006}"/>
+          </ac:picMkLst>
+        </pc:picChg>
+        <pc:picChg chg="mod">
+          <ac:chgData name="Colson, Robert" userId="25586c2a-52f0-4ea1-8d29-b1cb0db384a0" providerId="ADAL" clId="{A650B3CC-4282-4942-ADE7-8302D61F4733}" dt="2025-03-05T19:11:07.142" v="153" actId="1076"/>
+          <ac:picMkLst>
+            <pc:docMk/>
+            <pc:sldMk cId="2474971815" sldId="384"/>
+            <ac:picMk id="9" creationId="{0D68D8FD-D695-27EC-E302-45E6799BE086}"/>
+          </ac:picMkLst>
+        </pc:picChg>
+      </pc:sldChg>
+    </pc:docChg>
+  </pc:docChgLst>
+</pc:chgInfo>
 </file>
 
 <file path=ppt/notesMasters/notesMaster1.xml><?xml version="1.0" encoding="utf-8"?>
@@ -1923,7 +2227,13 @@
   <p:cSld>
     <p:spTree>
       <p:nvGrpSpPr>
-        <p:cNvPr id="1" name=""/>
+        <p:cNvPr id="1" name="">
+          <a:extLst>
+            <a:ext uri="{FF2B5EF4-FFF2-40B4-BE49-F238E27FC236}">
+              <a16:creationId xmlns:a16="http://schemas.microsoft.com/office/drawing/2014/main" id="{7AA09099-B536-B3E4-B3DE-D9FAA18BC2C5}"/>
+            </a:ext>
+          </a:extLst>
+        </p:cNvPr>
         <p:cNvGrpSpPr/>
         <p:nvPr/>
       </p:nvGrpSpPr>
@@ -1937,7 +2247,13 @@
       </p:grpSpPr>
       <p:sp>
         <p:nvSpPr>
-          <p:cNvPr id="2" name="Slide Image Placeholder 1"/>
+          <p:cNvPr id="2" name="Slide Image Placeholder 1">
+            <a:extLst>
+              <a:ext uri="{FF2B5EF4-FFF2-40B4-BE49-F238E27FC236}">
+                <a16:creationId xmlns:a16="http://schemas.microsoft.com/office/drawing/2014/main" id="{B6964E65-5636-4FE9-7323-36A98C4A4DB1}"/>
+              </a:ext>
+            </a:extLst>
+          </p:cNvPr>
           <p:cNvSpPr>
             <a:spLocks noGrp="1" noRot="1" noChangeAspect="1"/>
           </p:cNvSpPr>
@@ -1949,7 +2265,13 @@
       </p:sp>
       <p:sp>
         <p:nvSpPr>
-          <p:cNvPr id="3" name="Notes Placeholder 2"/>
+          <p:cNvPr id="3" name="Notes Placeholder 2">
+            <a:extLst>
+              <a:ext uri="{FF2B5EF4-FFF2-40B4-BE49-F238E27FC236}">
+                <a16:creationId xmlns:a16="http://schemas.microsoft.com/office/drawing/2014/main" id="{016CCC64-193F-6E54-5B38-31834D3185D2}"/>
+              </a:ext>
+            </a:extLst>
+          </p:cNvPr>
           <p:cNvSpPr>
             <a:spLocks noGrp="1"/>
           </p:cNvSpPr>
@@ -1968,124 +2290,13 @@
       </p:sp>
       <p:sp>
         <p:nvSpPr>
-          <p:cNvPr id="4" name="Slide Number Placeholder 3"/>
-          <p:cNvSpPr>
-            <a:spLocks noGrp="1"/>
-          </p:cNvSpPr>
-          <p:nvPr>
-            <p:ph type="sldNum" idx="12"/>
-          </p:nvPr>
-        </p:nvSpPr>
-        <p:spPr/>
-        <p:txBody>
-          <a:bodyPr/>
-          <a:lstStyle/>
-          <a:p>
-            <a:pPr marL="0" marR="0" lvl="0" indent="0" algn="r" rtl="0">
-              <a:lnSpc>
-                <a:spcPct val="100000"/>
-              </a:lnSpc>
-              <a:spcBef>
-                <a:spcPts val="0"/>
-              </a:spcBef>
-              <a:spcAft>
-                <a:spcPts val="0"/>
-              </a:spcAft>
-              <a:buClr>
-                <a:srgbClr val="000000"/>
-              </a:buClr>
-              <a:buSzPts val="1200"/>
-              <a:buFont typeface="Arial"/>
-              <a:buNone/>
-            </a:pPr>
-            <a:fld id="{00000000-1234-1234-1234-123412341234}" type="slidenum">
-              <a:rPr lang="en-US" sz="1200" b="0" i="0" u="none" strike="noStrike" cap="none" smtClean="0">
-                <a:solidFill>
-                  <a:schemeClr val="dk1"/>
-                </a:solidFill>
-                <a:latin typeface="Calibri"/>
-                <a:ea typeface="Calibri"/>
-                <a:cs typeface="Calibri"/>
-                <a:sym typeface="Calibri"/>
-              </a:rPr>
-              <a:t>10</a:t>
-            </a:fld>
-            <a:endParaRPr lang="en-US" sz="1200" b="0" i="0" u="none" strike="noStrike" cap="none">
-              <a:solidFill>
-                <a:schemeClr val="dk1"/>
-              </a:solidFill>
-              <a:latin typeface="Calibri"/>
-              <a:ea typeface="Calibri"/>
-              <a:cs typeface="Calibri"/>
-              <a:sym typeface="Calibri"/>
-            </a:endParaRPr>
-          </a:p>
-        </p:txBody>
-      </p:sp>
-    </p:spTree>
-    <p:extLst>
-      <p:ext uri="{BB962C8B-B14F-4D97-AF65-F5344CB8AC3E}">
-        <p14:creationId xmlns:p14="http://schemas.microsoft.com/office/powerpoint/2010/main" val="2522344940"/>
-      </p:ext>
-    </p:extLst>
-  </p:cSld>
-  <p:clrMapOvr>
-    <a:masterClrMapping/>
-  </p:clrMapOvr>
-</p:notes>
-</file>
-
-<file path=ppt/notesSlides/notesSlide11.xml><?xml version="1.0" encoding="utf-8"?>
-<p:notes xmlns:a="http://schemas.openxmlformats.org/drawingml/2006/main" xmlns:r="http://schemas.openxmlformats.org/officeDocument/2006/relationships" xmlns:p="http://schemas.openxmlformats.org/presentationml/2006/main">
-  <p:cSld>
-    <p:spTree>
-      <p:nvGrpSpPr>
-        <p:cNvPr id="1" name=""/>
-        <p:cNvGrpSpPr/>
-        <p:nvPr/>
-      </p:nvGrpSpPr>
-      <p:grpSpPr>
-        <a:xfrm>
-          <a:off x="0" y="0"/>
-          <a:ext cx="0" cy="0"/>
-          <a:chOff x="0" y="0"/>
-          <a:chExt cx="0" cy="0"/>
-        </a:xfrm>
-      </p:grpSpPr>
-      <p:sp>
-        <p:nvSpPr>
-          <p:cNvPr id="2" name="Slide Image Placeholder 1"/>
-          <p:cNvSpPr>
-            <a:spLocks noGrp="1" noRot="1" noChangeAspect="1"/>
-          </p:cNvSpPr>
-          <p:nvPr>
-            <p:ph type="sldImg"/>
-          </p:nvPr>
-        </p:nvSpPr>
-        <p:spPr/>
-      </p:sp>
-      <p:sp>
-        <p:nvSpPr>
-          <p:cNvPr id="3" name="Notes Placeholder 2"/>
-          <p:cNvSpPr>
-            <a:spLocks noGrp="1"/>
-          </p:cNvSpPr>
-          <p:nvPr>
-            <p:ph type="body" idx="1"/>
-          </p:nvPr>
-        </p:nvSpPr>
-        <p:spPr/>
-        <p:txBody>
-          <a:bodyPr/>
-          <a:lstStyle/>
-          <a:p>
-            <a:endParaRPr lang="en-US"/>
-          </a:p>
-        </p:txBody>
-      </p:sp>
-      <p:sp>
-        <p:nvSpPr>
-          <p:cNvPr id="4" name="Slide Number Placeholder 3"/>
+          <p:cNvPr id="4" name="Slide Number Placeholder 3">
+            <a:extLst>
+              <a:ext uri="{FF2B5EF4-FFF2-40B4-BE49-F238E27FC236}">
+                <a16:creationId xmlns:a16="http://schemas.microsoft.com/office/drawing/2014/main" id="{014ADF67-C885-4E13-CA38-36CD8C19E901}"/>
+              </a:ext>
+            </a:extLst>
+          </p:cNvPr>
           <p:cNvSpPr>
             <a:spLocks noGrp="1"/>
           </p:cNvSpPr>
@@ -2142,7 +2353,7 @@
     </p:spTree>
     <p:extLst>
       <p:ext uri="{BB962C8B-B14F-4D97-AF65-F5344CB8AC3E}">
-        <p14:creationId xmlns:p14="http://schemas.microsoft.com/office/powerpoint/2010/main" val="3569327129"/>
+        <p14:creationId xmlns:p14="http://schemas.microsoft.com/office/powerpoint/2010/main" val="1738010680"/>
       </p:ext>
     </p:extLst>
   </p:cSld>
@@ -2152,7 +2363,7 @@
 </p:notes>
 </file>
 
-<file path=ppt/notesSlides/notesSlide12.xml><?xml version="1.0" encoding="utf-8"?>
+<file path=ppt/notesSlides/notesSlide11.xml><?xml version="1.0" encoding="utf-8"?>
 <p:notes xmlns:a="http://schemas.openxmlformats.org/drawingml/2006/main" xmlns:r="http://schemas.openxmlformats.org/officeDocument/2006/relationships" xmlns:p="http://schemas.openxmlformats.org/presentationml/2006/main">
   <p:cSld>
     <p:spTree>
@@ -2269,12 +2480,18 @@
 </p:notes>
 </file>
 
-<file path=ppt/notesSlides/notesSlide13.xml><?xml version="1.0" encoding="utf-8"?>
+<file path=ppt/notesSlides/notesSlide12.xml><?xml version="1.0" encoding="utf-8"?>
 <p:notes xmlns:a="http://schemas.openxmlformats.org/drawingml/2006/main" xmlns:r="http://schemas.openxmlformats.org/officeDocument/2006/relationships" xmlns:p="http://schemas.openxmlformats.org/presentationml/2006/main">
   <p:cSld>
     <p:spTree>
       <p:nvGrpSpPr>
-        <p:cNvPr id="1" name=""/>
+        <p:cNvPr id="1" name="">
+          <a:extLst>
+            <a:ext uri="{FF2B5EF4-FFF2-40B4-BE49-F238E27FC236}">
+              <a16:creationId xmlns:a16="http://schemas.microsoft.com/office/drawing/2014/main" id="{121D922A-805E-B2E1-1B0A-D1C4C66BC8F1}"/>
+            </a:ext>
+          </a:extLst>
+        </p:cNvPr>
         <p:cNvGrpSpPr/>
         <p:nvPr/>
       </p:nvGrpSpPr>
@@ -2288,7 +2505,13 @@
       </p:grpSpPr>
       <p:sp>
         <p:nvSpPr>
-          <p:cNvPr id="2" name="Slide Image Placeholder 1"/>
+          <p:cNvPr id="2" name="Slide Image Placeholder 1">
+            <a:extLst>
+              <a:ext uri="{FF2B5EF4-FFF2-40B4-BE49-F238E27FC236}">
+                <a16:creationId xmlns:a16="http://schemas.microsoft.com/office/drawing/2014/main" id="{DA66E9EE-705B-87BC-491A-82DAAE890920}"/>
+              </a:ext>
+            </a:extLst>
+          </p:cNvPr>
           <p:cNvSpPr>
             <a:spLocks noGrp="1" noRot="1" noChangeAspect="1"/>
           </p:cNvSpPr>
@@ -2300,7 +2523,13 @@
       </p:sp>
       <p:sp>
         <p:nvSpPr>
-          <p:cNvPr id="3" name="Notes Placeholder 2"/>
+          <p:cNvPr id="3" name="Notes Placeholder 2">
+            <a:extLst>
+              <a:ext uri="{FF2B5EF4-FFF2-40B4-BE49-F238E27FC236}">
+                <a16:creationId xmlns:a16="http://schemas.microsoft.com/office/drawing/2014/main" id="{D332984E-B547-BC07-BEE7-B8789E793D35}"/>
+              </a:ext>
+            </a:extLst>
+          </p:cNvPr>
           <p:cNvSpPr>
             <a:spLocks noGrp="1"/>
           </p:cNvSpPr>
@@ -2319,7 +2548,13 @@
       </p:sp>
       <p:sp>
         <p:nvSpPr>
-          <p:cNvPr id="4" name="Slide Number Placeholder 3"/>
+          <p:cNvPr id="4" name="Slide Number Placeholder 3">
+            <a:extLst>
+              <a:ext uri="{FF2B5EF4-FFF2-40B4-BE49-F238E27FC236}">
+                <a16:creationId xmlns:a16="http://schemas.microsoft.com/office/drawing/2014/main" id="{5F089809-B434-2FDC-6954-C33130779106}"/>
+              </a:ext>
+            </a:extLst>
+          </p:cNvPr>
           <p:cNvSpPr>
             <a:spLocks noGrp="1"/>
           </p:cNvSpPr>
@@ -2376,7 +2611,7 @@
     </p:spTree>
     <p:extLst>
       <p:ext uri="{BB962C8B-B14F-4D97-AF65-F5344CB8AC3E}">
-        <p14:creationId xmlns:p14="http://schemas.microsoft.com/office/powerpoint/2010/main" val="2626147005"/>
+        <p14:creationId xmlns:p14="http://schemas.microsoft.com/office/powerpoint/2010/main" val="3747510887"/>
       </p:ext>
     </p:extLst>
   </p:cSld>
@@ -2386,12 +2621,18 @@
 </p:notes>
 </file>
 
-<file path=ppt/notesSlides/notesSlide14.xml><?xml version="1.0" encoding="utf-8"?>
+<file path=ppt/notesSlides/notesSlide13.xml><?xml version="1.0" encoding="utf-8"?>
 <p:notes xmlns:a="http://schemas.openxmlformats.org/drawingml/2006/main" xmlns:r="http://schemas.openxmlformats.org/officeDocument/2006/relationships" xmlns:p="http://schemas.openxmlformats.org/presentationml/2006/main">
   <p:cSld>
     <p:spTree>
       <p:nvGrpSpPr>
-        <p:cNvPr id="1" name=""/>
+        <p:cNvPr id="1" name="">
+          <a:extLst>
+            <a:ext uri="{FF2B5EF4-FFF2-40B4-BE49-F238E27FC236}">
+              <a16:creationId xmlns:a16="http://schemas.microsoft.com/office/drawing/2014/main" id="{63754B7E-4C0C-31EB-0917-BC738BF470FD}"/>
+            </a:ext>
+          </a:extLst>
+        </p:cNvPr>
         <p:cNvGrpSpPr/>
         <p:nvPr/>
       </p:nvGrpSpPr>
@@ -2405,7 +2646,13 @@
       </p:grpSpPr>
       <p:sp>
         <p:nvSpPr>
-          <p:cNvPr id="2" name="Slide Image Placeholder 1"/>
+          <p:cNvPr id="2" name="Slide Image Placeholder 1">
+            <a:extLst>
+              <a:ext uri="{FF2B5EF4-FFF2-40B4-BE49-F238E27FC236}">
+                <a16:creationId xmlns:a16="http://schemas.microsoft.com/office/drawing/2014/main" id="{DF1E5E35-C7A3-83D9-9D19-15136F833F1F}"/>
+              </a:ext>
+            </a:extLst>
+          </p:cNvPr>
           <p:cNvSpPr>
             <a:spLocks noGrp="1" noRot="1" noChangeAspect="1"/>
           </p:cNvSpPr>
@@ -2417,7 +2664,13 @@
       </p:sp>
       <p:sp>
         <p:nvSpPr>
-          <p:cNvPr id="3" name="Notes Placeholder 2"/>
+          <p:cNvPr id="3" name="Notes Placeholder 2">
+            <a:extLst>
+              <a:ext uri="{FF2B5EF4-FFF2-40B4-BE49-F238E27FC236}">
+                <a16:creationId xmlns:a16="http://schemas.microsoft.com/office/drawing/2014/main" id="{D15F2FE6-415F-6002-7DF3-07F35200E482}"/>
+              </a:ext>
+            </a:extLst>
+          </p:cNvPr>
           <p:cNvSpPr>
             <a:spLocks noGrp="1"/>
           </p:cNvSpPr>
@@ -2436,7 +2689,13 @@
       </p:sp>
       <p:sp>
         <p:nvSpPr>
-          <p:cNvPr id="4" name="Slide Number Placeholder 3"/>
+          <p:cNvPr id="4" name="Slide Number Placeholder 3">
+            <a:extLst>
+              <a:ext uri="{FF2B5EF4-FFF2-40B4-BE49-F238E27FC236}">
+                <a16:creationId xmlns:a16="http://schemas.microsoft.com/office/drawing/2014/main" id="{89B7F14C-051D-CA1E-8C42-9E165E1D9E04}"/>
+              </a:ext>
+            </a:extLst>
+          </p:cNvPr>
           <p:cNvSpPr>
             <a:spLocks noGrp="1"/>
           </p:cNvSpPr>
@@ -2493,7 +2752,7 @@
     </p:spTree>
     <p:extLst>
       <p:ext uri="{BB962C8B-B14F-4D97-AF65-F5344CB8AC3E}">
-        <p14:creationId xmlns:p14="http://schemas.microsoft.com/office/powerpoint/2010/main" val="2522344940"/>
+        <p14:creationId xmlns:p14="http://schemas.microsoft.com/office/powerpoint/2010/main" val="2601251444"/>
       </p:ext>
     </p:extLst>
   </p:cSld>
@@ -2503,709 +2762,7 @@
 </p:notes>
 </file>
 
-<file path=ppt/notesSlides/notesSlide15.xml><?xml version="1.0" encoding="utf-8"?>
-<p:notes xmlns:a="http://schemas.openxmlformats.org/drawingml/2006/main" xmlns:r="http://schemas.openxmlformats.org/officeDocument/2006/relationships" xmlns:p="http://schemas.openxmlformats.org/presentationml/2006/main">
-  <p:cSld>
-    <p:spTree>
-      <p:nvGrpSpPr>
-        <p:cNvPr id="1" name=""/>
-        <p:cNvGrpSpPr/>
-        <p:nvPr/>
-      </p:nvGrpSpPr>
-      <p:grpSpPr>
-        <a:xfrm>
-          <a:off x="0" y="0"/>
-          <a:ext cx="0" cy="0"/>
-          <a:chOff x="0" y="0"/>
-          <a:chExt cx="0" cy="0"/>
-        </a:xfrm>
-      </p:grpSpPr>
-      <p:sp>
-        <p:nvSpPr>
-          <p:cNvPr id="2" name="Slide Image Placeholder 1"/>
-          <p:cNvSpPr>
-            <a:spLocks noGrp="1" noRot="1" noChangeAspect="1"/>
-          </p:cNvSpPr>
-          <p:nvPr>
-            <p:ph type="sldImg"/>
-          </p:nvPr>
-        </p:nvSpPr>
-        <p:spPr/>
-      </p:sp>
-      <p:sp>
-        <p:nvSpPr>
-          <p:cNvPr id="3" name="Notes Placeholder 2"/>
-          <p:cNvSpPr>
-            <a:spLocks noGrp="1"/>
-          </p:cNvSpPr>
-          <p:nvPr>
-            <p:ph type="body" idx="1"/>
-          </p:nvPr>
-        </p:nvSpPr>
-        <p:spPr/>
-        <p:txBody>
-          <a:bodyPr/>
-          <a:lstStyle/>
-          <a:p>
-            <a:endParaRPr lang="en-US"/>
-          </a:p>
-        </p:txBody>
-      </p:sp>
-      <p:sp>
-        <p:nvSpPr>
-          <p:cNvPr id="4" name="Slide Number Placeholder 3"/>
-          <p:cNvSpPr>
-            <a:spLocks noGrp="1"/>
-          </p:cNvSpPr>
-          <p:nvPr>
-            <p:ph type="sldNum" idx="12"/>
-          </p:nvPr>
-        </p:nvSpPr>
-        <p:spPr/>
-        <p:txBody>
-          <a:bodyPr/>
-          <a:lstStyle/>
-          <a:p>
-            <a:pPr marL="0" marR="0" lvl="0" indent="0" algn="r" rtl="0">
-              <a:lnSpc>
-                <a:spcPct val="100000"/>
-              </a:lnSpc>
-              <a:spcBef>
-                <a:spcPts val="0"/>
-              </a:spcBef>
-              <a:spcAft>
-                <a:spcPts val="0"/>
-              </a:spcAft>
-              <a:buClr>
-                <a:srgbClr val="000000"/>
-              </a:buClr>
-              <a:buSzPts val="1200"/>
-              <a:buFont typeface="Arial"/>
-              <a:buNone/>
-            </a:pPr>
-            <a:fld id="{00000000-1234-1234-1234-123412341234}" type="slidenum">
-              <a:rPr lang="en-US" sz="1200" b="0" i="0" u="none" strike="noStrike" cap="none" smtClean="0">
-                <a:solidFill>
-                  <a:schemeClr val="dk1"/>
-                </a:solidFill>
-                <a:latin typeface="Calibri"/>
-                <a:ea typeface="Calibri"/>
-                <a:cs typeface="Calibri"/>
-                <a:sym typeface="Calibri"/>
-              </a:rPr>
-              <a:t>15</a:t>
-            </a:fld>
-            <a:endParaRPr lang="en-US" sz="1200" b="0" i="0" u="none" strike="noStrike" cap="none">
-              <a:solidFill>
-                <a:schemeClr val="dk1"/>
-              </a:solidFill>
-              <a:latin typeface="Calibri"/>
-              <a:ea typeface="Calibri"/>
-              <a:cs typeface="Calibri"/>
-              <a:sym typeface="Calibri"/>
-            </a:endParaRPr>
-          </a:p>
-        </p:txBody>
-      </p:sp>
-    </p:spTree>
-    <p:extLst>
-      <p:ext uri="{BB962C8B-B14F-4D97-AF65-F5344CB8AC3E}">
-        <p14:creationId xmlns:p14="http://schemas.microsoft.com/office/powerpoint/2010/main" val="2522344940"/>
-      </p:ext>
-    </p:extLst>
-  </p:cSld>
-  <p:clrMapOvr>
-    <a:masterClrMapping/>
-  </p:clrMapOvr>
-</p:notes>
-</file>
-
-<file path=ppt/notesSlides/notesSlide16.xml><?xml version="1.0" encoding="utf-8"?>
-<p:notes xmlns:a="http://schemas.openxmlformats.org/drawingml/2006/main" xmlns:r="http://schemas.openxmlformats.org/officeDocument/2006/relationships" xmlns:p="http://schemas.openxmlformats.org/presentationml/2006/main">
-  <p:cSld>
-    <p:spTree>
-      <p:nvGrpSpPr>
-        <p:cNvPr id="1" name=""/>
-        <p:cNvGrpSpPr/>
-        <p:nvPr/>
-      </p:nvGrpSpPr>
-      <p:grpSpPr>
-        <a:xfrm>
-          <a:off x="0" y="0"/>
-          <a:ext cx="0" cy="0"/>
-          <a:chOff x="0" y="0"/>
-          <a:chExt cx="0" cy="0"/>
-        </a:xfrm>
-      </p:grpSpPr>
-      <p:sp>
-        <p:nvSpPr>
-          <p:cNvPr id="2" name="Slide Image Placeholder 1"/>
-          <p:cNvSpPr>
-            <a:spLocks noGrp="1" noRot="1" noChangeAspect="1"/>
-          </p:cNvSpPr>
-          <p:nvPr>
-            <p:ph type="sldImg"/>
-          </p:nvPr>
-        </p:nvSpPr>
-        <p:spPr/>
-      </p:sp>
-      <p:sp>
-        <p:nvSpPr>
-          <p:cNvPr id="3" name="Notes Placeholder 2"/>
-          <p:cNvSpPr>
-            <a:spLocks noGrp="1"/>
-          </p:cNvSpPr>
-          <p:nvPr>
-            <p:ph type="body" idx="1"/>
-          </p:nvPr>
-        </p:nvSpPr>
-        <p:spPr/>
-        <p:txBody>
-          <a:bodyPr/>
-          <a:lstStyle/>
-          <a:p>
-            <a:endParaRPr lang="en-US"/>
-          </a:p>
-        </p:txBody>
-      </p:sp>
-      <p:sp>
-        <p:nvSpPr>
-          <p:cNvPr id="4" name="Slide Number Placeholder 3"/>
-          <p:cNvSpPr>
-            <a:spLocks noGrp="1"/>
-          </p:cNvSpPr>
-          <p:nvPr>
-            <p:ph type="sldNum" idx="12"/>
-          </p:nvPr>
-        </p:nvSpPr>
-        <p:spPr/>
-        <p:txBody>
-          <a:bodyPr/>
-          <a:lstStyle/>
-          <a:p>
-            <a:pPr marL="0" marR="0" lvl="0" indent="0" algn="r" rtl="0">
-              <a:lnSpc>
-                <a:spcPct val="100000"/>
-              </a:lnSpc>
-              <a:spcBef>
-                <a:spcPts val="0"/>
-              </a:spcBef>
-              <a:spcAft>
-                <a:spcPts val="0"/>
-              </a:spcAft>
-              <a:buClr>
-                <a:srgbClr val="000000"/>
-              </a:buClr>
-              <a:buSzPts val="1200"/>
-              <a:buFont typeface="Arial"/>
-              <a:buNone/>
-            </a:pPr>
-            <a:fld id="{00000000-1234-1234-1234-123412341234}" type="slidenum">
-              <a:rPr lang="en-US" sz="1200" b="0" i="0" u="none" strike="noStrike" cap="none" smtClean="0">
-                <a:solidFill>
-                  <a:schemeClr val="dk1"/>
-                </a:solidFill>
-                <a:latin typeface="Calibri"/>
-                <a:ea typeface="Calibri"/>
-                <a:cs typeface="Calibri"/>
-                <a:sym typeface="Calibri"/>
-              </a:rPr>
-              <a:t>16</a:t>
-            </a:fld>
-            <a:endParaRPr lang="en-US" sz="1200" b="0" i="0" u="none" strike="noStrike" cap="none">
-              <a:solidFill>
-                <a:schemeClr val="dk1"/>
-              </a:solidFill>
-              <a:latin typeface="Calibri"/>
-              <a:ea typeface="Calibri"/>
-              <a:cs typeface="Calibri"/>
-              <a:sym typeface="Calibri"/>
-            </a:endParaRPr>
-          </a:p>
-        </p:txBody>
-      </p:sp>
-    </p:spTree>
-    <p:extLst>
-      <p:ext uri="{BB962C8B-B14F-4D97-AF65-F5344CB8AC3E}">
-        <p14:creationId xmlns:p14="http://schemas.microsoft.com/office/powerpoint/2010/main" val="991739059"/>
-      </p:ext>
-    </p:extLst>
-  </p:cSld>
-  <p:clrMapOvr>
-    <a:masterClrMapping/>
-  </p:clrMapOvr>
-</p:notes>
-</file>
-
-<file path=ppt/notesSlides/notesSlide17.xml><?xml version="1.0" encoding="utf-8"?>
-<p:notes xmlns:a="http://schemas.openxmlformats.org/drawingml/2006/main" xmlns:r="http://schemas.openxmlformats.org/officeDocument/2006/relationships" xmlns:p="http://schemas.openxmlformats.org/presentationml/2006/main">
-  <p:cSld>
-    <p:spTree>
-      <p:nvGrpSpPr>
-        <p:cNvPr id="1" name=""/>
-        <p:cNvGrpSpPr/>
-        <p:nvPr/>
-      </p:nvGrpSpPr>
-      <p:grpSpPr>
-        <a:xfrm>
-          <a:off x="0" y="0"/>
-          <a:ext cx="0" cy="0"/>
-          <a:chOff x="0" y="0"/>
-          <a:chExt cx="0" cy="0"/>
-        </a:xfrm>
-      </p:grpSpPr>
-      <p:sp>
-        <p:nvSpPr>
-          <p:cNvPr id="2" name="Slide Image Placeholder 1"/>
-          <p:cNvSpPr>
-            <a:spLocks noGrp="1" noRot="1" noChangeAspect="1"/>
-          </p:cNvSpPr>
-          <p:nvPr>
-            <p:ph type="sldImg"/>
-          </p:nvPr>
-        </p:nvSpPr>
-        <p:spPr/>
-      </p:sp>
-      <p:sp>
-        <p:nvSpPr>
-          <p:cNvPr id="3" name="Notes Placeholder 2"/>
-          <p:cNvSpPr>
-            <a:spLocks noGrp="1"/>
-          </p:cNvSpPr>
-          <p:nvPr>
-            <p:ph type="body" idx="1"/>
-          </p:nvPr>
-        </p:nvSpPr>
-        <p:spPr/>
-        <p:txBody>
-          <a:bodyPr/>
-          <a:lstStyle/>
-          <a:p>
-            <a:endParaRPr lang="en-US"/>
-          </a:p>
-        </p:txBody>
-      </p:sp>
-      <p:sp>
-        <p:nvSpPr>
-          <p:cNvPr id="4" name="Slide Number Placeholder 3"/>
-          <p:cNvSpPr>
-            <a:spLocks noGrp="1"/>
-          </p:cNvSpPr>
-          <p:nvPr>
-            <p:ph type="sldNum" idx="12"/>
-          </p:nvPr>
-        </p:nvSpPr>
-        <p:spPr/>
-        <p:txBody>
-          <a:bodyPr/>
-          <a:lstStyle/>
-          <a:p>
-            <a:pPr marL="0" marR="0" lvl="0" indent="0" algn="r" rtl="0">
-              <a:lnSpc>
-                <a:spcPct val="100000"/>
-              </a:lnSpc>
-              <a:spcBef>
-                <a:spcPts val="0"/>
-              </a:spcBef>
-              <a:spcAft>
-                <a:spcPts val="0"/>
-              </a:spcAft>
-              <a:buClr>
-                <a:srgbClr val="000000"/>
-              </a:buClr>
-              <a:buSzPts val="1200"/>
-              <a:buFont typeface="Arial"/>
-              <a:buNone/>
-            </a:pPr>
-            <a:fld id="{00000000-1234-1234-1234-123412341234}" type="slidenum">
-              <a:rPr lang="en-US" sz="1200" b="0" i="0" u="none" strike="noStrike" cap="none" smtClean="0">
-                <a:solidFill>
-                  <a:schemeClr val="dk1"/>
-                </a:solidFill>
-                <a:latin typeface="Calibri"/>
-                <a:ea typeface="Calibri"/>
-                <a:cs typeface="Calibri"/>
-                <a:sym typeface="Calibri"/>
-              </a:rPr>
-              <a:t>17</a:t>
-            </a:fld>
-            <a:endParaRPr lang="en-US" sz="1200" b="0" i="0" u="none" strike="noStrike" cap="none">
-              <a:solidFill>
-                <a:schemeClr val="dk1"/>
-              </a:solidFill>
-              <a:latin typeface="Calibri"/>
-              <a:ea typeface="Calibri"/>
-              <a:cs typeface="Calibri"/>
-              <a:sym typeface="Calibri"/>
-            </a:endParaRPr>
-          </a:p>
-        </p:txBody>
-      </p:sp>
-    </p:spTree>
-    <p:extLst>
-      <p:ext uri="{BB962C8B-B14F-4D97-AF65-F5344CB8AC3E}">
-        <p14:creationId xmlns:p14="http://schemas.microsoft.com/office/powerpoint/2010/main" val="1444765133"/>
-      </p:ext>
-    </p:extLst>
-  </p:cSld>
-  <p:clrMapOvr>
-    <a:masterClrMapping/>
-  </p:clrMapOvr>
-</p:notes>
-</file>
-
-<file path=ppt/notesSlides/notesSlide18.xml><?xml version="1.0" encoding="utf-8"?>
-<p:notes xmlns:a="http://schemas.openxmlformats.org/drawingml/2006/main" xmlns:r="http://schemas.openxmlformats.org/officeDocument/2006/relationships" xmlns:p="http://schemas.openxmlformats.org/presentationml/2006/main">
-  <p:cSld>
-    <p:spTree>
-      <p:nvGrpSpPr>
-        <p:cNvPr id="1" name=""/>
-        <p:cNvGrpSpPr/>
-        <p:nvPr/>
-      </p:nvGrpSpPr>
-      <p:grpSpPr>
-        <a:xfrm>
-          <a:off x="0" y="0"/>
-          <a:ext cx="0" cy="0"/>
-          <a:chOff x="0" y="0"/>
-          <a:chExt cx="0" cy="0"/>
-        </a:xfrm>
-      </p:grpSpPr>
-      <p:sp>
-        <p:nvSpPr>
-          <p:cNvPr id="2" name="Slide Image Placeholder 1"/>
-          <p:cNvSpPr>
-            <a:spLocks noGrp="1" noRot="1" noChangeAspect="1"/>
-          </p:cNvSpPr>
-          <p:nvPr>
-            <p:ph type="sldImg"/>
-          </p:nvPr>
-        </p:nvSpPr>
-        <p:spPr/>
-      </p:sp>
-      <p:sp>
-        <p:nvSpPr>
-          <p:cNvPr id="3" name="Notes Placeholder 2"/>
-          <p:cNvSpPr>
-            <a:spLocks noGrp="1"/>
-          </p:cNvSpPr>
-          <p:nvPr>
-            <p:ph type="body" idx="1"/>
-          </p:nvPr>
-        </p:nvSpPr>
-        <p:spPr/>
-        <p:txBody>
-          <a:bodyPr/>
-          <a:lstStyle/>
-          <a:p>
-            <a:endParaRPr lang="en-US"/>
-          </a:p>
-        </p:txBody>
-      </p:sp>
-      <p:sp>
-        <p:nvSpPr>
-          <p:cNvPr id="4" name="Slide Number Placeholder 3"/>
-          <p:cNvSpPr>
-            <a:spLocks noGrp="1"/>
-          </p:cNvSpPr>
-          <p:nvPr>
-            <p:ph type="sldNum" idx="12"/>
-          </p:nvPr>
-        </p:nvSpPr>
-        <p:spPr/>
-        <p:txBody>
-          <a:bodyPr/>
-          <a:lstStyle/>
-          <a:p>
-            <a:pPr marL="0" marR="0" lvl="0" indent="0" algn="r" rtl="0">
-              <a:lnSpc>
-                <a:spcPct val="100000"/>
-              </a:lnSpc>
-              <a:spcBef>
-                <a:spcPts val="0"/>
-              </a:spcBef>
-              <a:spcAft>
-                <a:spcPts val="0"/>
-              </a:spcAft>
-              <a:buClr>
-                <a:srgbClr val="000000"/>
-              </a:buClr>
-              <a:buSzPts val="1200"/>
-              <a:buFont typeface="Arial"/>
-              <a:buNone/>
-            </a:pPr>
-            <a:fld id="{00000000-1234-1234-1234-123412341234}" type="slidenum">
-              <a:rPr lang="en-US" sz="1200" b="0" i="0" u="none" strike="noStrike" cap="none" smtClean="0">
-                <a:solidFill>
-                  <a:schemeClr val="dk1"/>
-                </a:solidFill>
-                <a:latin typeface="Calibri"/>
-                <a:ea typeface="Calibri"/>
-                <a:cs typeface="Calibri"/>
-                <a:sym typeface="Calibri"/>
-              </a:rPr>
-              <a:t>18</a:t>
-            </a:fld>
-            <a:endParaRPr lang="en-US" sz="1200" b="0" i="0" u="none" strike="noStrike" cap="none">
-              <a:solidFill>
-                <a:schemeClr val="dk1"/>
-              </a:solidFill>
-              <a:latin typeface="Calibri"/>
-              <a:ea typeface="Calibri"/>
-              <a:cs typeface="Calibri"/>
-              <a:sym typeface="Calibri"/>
-            </a:endParaRPr>
-          </a:p>
-        </p:txBody>
-      </p:sp>
-    </p:spTree>
-    <p:extLst>
-      <p:ext uri="{BB962C8B-B14F-4D97-AF65-F5344CB8AC3E}">
-        <p14:creationId xmlns:p14="http://schemas.microsoft.com/office/powerpoint/2010/main" val="3844707475"/>
-      </p:ext>
-    </p:extLst>
-  </p:cSld>
-  <p:clrMapOvr>
-    <a:masterClrMapping/>
-  </p:clrMapOvr>
-</p:notes>
-</file>
-
-<file path=ppt/notesSlides/notesSlide19.xml><?xml version="1.0" encoding="utf-8"?>
-<p:notes xmlns:a="http://schemas.openxmlformats.org/drawingml/2006/main" xmlns:r="http://schemas.openxmlformats.org/officeDocument/2006/relationships" xmlns:p="http://schemas.openxmlformats.org/presentationml/2006/main">
-  <p:cSld>
-    <p:spTree>
-      <p:nvGrpSpPr>
-        <p:cNvPr id="1" name=""/>
-        <p:cNvGrpSpPr/>
-        <p:nvPr/>
-      </p:nvGrpSpPr>
-      <p:grpSpPr>
-        <a:xfrm>
-          <a:off x="0" y="0"/>
-          <a:ext cx="0" cy="0"/>
-          <a:chOff x="0" y="0"/>
-          <a:chExt cx="0" cy="0"/>
-        </a:xfrm>
-      </p:grpSpPr>
-      <p:sp>
-        <p:nvSpPr>
-          <p:cNvPr id="2" name="Slide Image Placeholder 1"/>
-          <p:cNvSpPr>
-            <a:spLocks noGrp="1" noRot="1" noChangeAspect="1"/>
-          </p:cNvSpPr>
-          <p:nvPr>
-            <p:ph type="sldImg"/>
-          </p:nvPr>
-        </p:nvSpPr>
-        <p:spPr/>
-      </p:sp>
-      <p:sp>
-        <p:nvSpPr>
-          <p:cNvPr id="3" name="Notes Placeholder 2"/>
-          <p:cNvSpPr>
-            <a:spLocks noGrp="1"/>
-          </p:cNvSpPr>
-          <p:nvPr>
-            <p:ph type="body" idx="1"/>
-          </p:nvPr>
-        </p:nvSpPr>
-        <p:spPr/>
-        <p:txBody>
-          <a:bodyPr/>
-          <a:lstStyle/>
-          <a:p>
-            <a:endParaRPr lang="en-US"/>
-          </a:p>
-        </p:txBody>
-      </p:sp>
-      <p:sp>
-        <p:nvSpPr>
-          <p:cNvPr id="4" name="Slide Number Placeholder 3"/>
-          <p:cNvSpPr>
-            <a:spLocks noGrp="1"/>
-          </p:cNvSpPr>
-          <p:nvPr>
-            <p:ph type="sldNum" idx="12"/>
-          </p:nvPr>
-        </p:nvSpPr>
-        <p:spPr/>
-        <p:txBody>
-          <a:bodyPr/>
-          <a:lstStyle/>
-          <a:p>
-            <a:pPr marL="0" marR="0" lvl="0" indent="0" algn="r" rtl="0">
-              <a:lnSpc>
-                <a:spcPct val="100000"/>
-              </a:lnSpc>
-              <a:spcBef>
-                <a:spcPts val="0"/>
-              </a:spcBef>
-              <a:spcAft>
-                <a:spcPts val="0"/>
-              </a:spcAft>
-              <a:buClr>
-                <a:srgbClr val="000000"/>
-              </a:buClr>
-              <a:buSzPts val="1200"/>
-              <a:buFont typeface="Arial"/>
-              <a:buNone/>
-            </a:pPr>
-            <a:fld id="{00000000-1234-1234-1234-123412341234}" type="slidenum">
-              <a:rPr lang="en-US" sz="1200" b="0" i="0" u="none" strike="noStrike" cap="none" smtClean="0">
-                <a:solidFill>
-                  <a:schemeClr val="dk1"/>
-                </a:solidFill>
-                <a:latin typeface="Calibri"/>
-                <a:ea typeface="Calibri"/>
-                <a:cs typeface="Calibri"/>
-                <a:sym typeface="Calibri"/>
-              </a:rPr>
-              <a:t>19</a:t>
-            </a:fld>
-            <a:endParaRPr lang="en-US" sz="1200" b="0" i="0" u="none" strike="noStrike" cap="none">
-              <a:solidFill>
-                <a:schemeClr val="dk1"/>
-              </a:solidFill>
-              <a:latin typeface="Calibri"/>
-              <a:ea typeface="Calibri"/>
-              <a:cs typeface="Calibri"/>
-              <a:sym typeface="Calibri"/>
-            </a:endParaRPr>
-          </a:p>
-        </p:txBody>
-      </p:sp>
-    </p:spTree>
-    <p:extLst>
-      <p:ext uri="{BB962C8B-B14F-4D97-AF65-F5344CB8AC3E}">
-        <p14:creationId xmlns:p14="http://schemas.microsoft.com/office/powerpoint/2010/main" val="4115094949"/>
-      </p:ext>
-    </p:extLst>
-  </p:cSld>
-  <p:clrMapOvr>
-    <a:masterClrMapping/>
-  </p:clrMapOvr>
-</p:notes>
-</file>
-
-<file path=ppt/notesSlides/notesSlide2.xml><?xml version="1.0" encoding="utf-8"?>
-<p:notes xmlns:a="http://schemas.openxmlformats.org/drawingml/2006/main" xmlns:r="http://schemas.openxmlformats.org/officeDocument/2006/relationships" xmlns:p="http://schemas.openxmlformats.org/presentationml/2006/main">
-  <p:cSld>
-    <p:spTree>
-      <p:nvGrpSpPr>
-        <p:cNvPr id="1" name=""/>
-        <p:cNvGrpSpPr/>
-        <p:nvPr/>
-      </p:nvGrpSpPr>
-      <p:grpSpPr>
-        <a:xfrm>
-          <a:off x="0" y="0"/>
-          <a:ext cx="0" cy="0"/>
-          <a:chOff x="0" y="0"/>
-          <a:chExt cx="0" cy="0"/>
-        </a:xfrm>
-      </p:grpSpPr>
-      <p:sp>
-        <p:nvSpPr>
-          <p:cNvPr id="2" name="Slide Image Placeholder 1"/>
-          <p:cNvSpPr>
-            <a:spLocks noGrp="1" noRot="1" noChangeAspect="1"/>
-          </p:cNvSpPr>
-          <p:nvPr>
-            <p:ph type="sldImg"/>
-          </p:nvPr>
-        </p:nvSpPr>
-        <p:spPr/>
-      </p:sp>
-      <p:sp>
-        <p:nvSpPr>
-          <p:cNvPr id="3" name="Notes Placeholder 2"/>
-          <p:cNvSpPr>
-            <a:spLocks noGrp="1"/>
-          </p:cNvSpPr>
-          <p:nvPr>
-            <p:ph type="body" idx="1"/>
-          </p:nvPr>
-        </p:nvSpPr>
-        <p:spPr/>
-        <p:txBody>
-          <a:bodyPr/>
-          <a:lstStyle/>
-          <a:p>
-            <a:endParaRPr lang="en-US"/>
-          </a:p>
-        </p:txBody>
-      </p:sp>
-      <p:sp>
-        <p:nvSpPr>
-          <p:cNvPr id="4" name="Slide Number Placeholder 3"/>
-          <p:cNvSpPr>
-            <a:spLocks noGrp="1"/>
-          </p:cNvSpPr>
-          <p:nvPr>
-            <p:ph type="sldNum" idx="12"/>
-          </p:nvPr>
-        </p:nvSpPr>
-        <p:spPr/>
-        <p:txBody>
-          <a:bodyPr/>
-          <a:lstStyle/>
-          <a:p>
-            <a:pPr marL="0" marR="0" lvl="0" indent="0" algn="r" rtl="0">
-              <a:lnSpc>
-                <a:spcPct val="100000"/>
-              </a:lnSpc>
-              <a:spcBef>
-                <a:spcPts val="0"/>
-              </a:spcBef>
-              <a:spcAft>
-                <a:spcPts val="0"/>
-              </a:spcAft>
-              <a:buClr>
-                <a:srgbClr val="000000"/>
-              </a:buClr>
-              <a:buSzPts val="1200"/>
-              <a:buFont typeface="Arial"/>
-              <a:buNone/>
-            </a:pPr>
-            <a:fld id="{00000000-1234-1234-1234-123412341234}" type="slidenum">
-              <a:rPr lang="en-US" sz="1200" b="0" i="0" u="none" strike="noStrike" cap="none" smtClean="0">
-                <a:solidFill>
-                  <a:schemeClr val="dk1"/>
-                </a:solidFill>
-                <a:latin typeface="Calibri"/>
-                <a:ea typeface="Calibri"/>
-                <a:cs typeface="Calibri"/>
-                <a:sym typeface="Calibri"/>
-              </a:rPr>
-              <a:t>2</a:t>
-            </a:fld>
-            <a:endParaRPr lang="en-US" sz="1200" b="0" i="0" u="none" strike="noStrike" cap="none">
-              <a:solidFill>
-                <a:schemeClr val="dk1"/>
-              </a:solidFill>
-              <a:latin typeface="Calibri"/>
-              <a:ea typeface="Calibri"/>
-              <a:cs typeface="Calibri"/>
-              <a:sym typeface="Calibri"/>
-            </a:endParaRPr>
-          </a:p>
-        </p:txBody>
-      </p:sp>
-    </p:spTree>
-    <p:extLst>
-      <p:ext uri="{BB962C8B-B14F-4D97-AF65-F5344CB8AC3E}">
-        <p14:creationId xmlns:p14="http://schemas.microsoft.com/office/powerpoint/2010/main" val="2522344940"/>
-      </p:ext>
-    </p:extLst>
-  </p:cSld>
-  <p:clrMapOvr>
-    <a:masterClrMapping/>
-  </p:clrMapOvr>
-</p:notes>
-</file>
-
-<file path=ppt/notesSlides/notesSlide20.xml><?xml version="1.0" encoding="utf-8"?>
+<file path=ppt/notesSlides/notesSlide14.xml><?xml version="1.0" encoding="utf-8"?>
 <p:notes xmlns:a="http://schemas.openxmlformats.org/drawingml/2006/main" xmlns:r="http://schemas.openxmlformats.org/officeDocument/2006/relationships" xmlns:p="http://schemas.openxmlformats.org/presentationml/2006/main" showMasterSp="0" showMasterPhAnim="0">
   <p:cSld>
     <p:spTree>
@@ -3363,7 +2920,7 @@
             </a:pPr>
             <a:fld id="{00000000-1234-1234-1234-123412341234}" type="slidenum">
               <a:rPr lang="en-US"/>
-              <a:t>20</a:t>
+              <a:t>15</a:t>
             </a:fld>
             <a:endParaRPr/>
           </a:p>
@@ -3382,7 +2939,7 @@
 </p:notes>
 </file>
 
-<file path=ppt/notesSlides/notesSlide21.xml><?xml version="1.0" encoding="utf-8"?>
+<file path=ppt/notesSlides/notesSlide15.xml><?xml version="1.0" encoding="utf-8"?>
 <p:notes xmlns:a="http://schemas.openxmlformats.org/drawingml/2006/main" xmlns:r="http://schemas.openxmlformats.org/officeDocument/2006/relationships" xmlns:p="http://schemas.openxmlformats.org/presentationml/2006/main" showMasterSp="0" showMasterPhAnim="0">
   <p:cSld>
     <p:spTree>
@@ -3540,7 +3097,7 @@
             </a:pPr>
             <a:fld id="{00000000-1234-1234-1234-123412341234}" type="slidenum">
               <a:rPr lang="en-US"/>
-              <a:t>21</a:t>
+              <a:t>16</a:t>
             </a:fld>
             <a:endParaRPr/>
           </a:p>
@@ -3559,7 +3116,7 @@
 </p:notes>
 </file>
 
-<file path=ppt/notesSlides/notesSlide3.xml><?xml version="1.0" encoding="utf-8"?>
+<file path=ppt/notesSlides/notesSlide2.xml><?xml version="1.0" encoding="utf-8"?>
 <p:notes xmlns:a="http://schemas.openxmlformats.org/drawingml/2006/main" xmlns:r="http://schemas.openxmlformats.org/officeDocument/2006/relationships" xmlns:p="http://schemas.openxmlformats.org/presentationml/2006/main">
   <p:cSld>
     <p:spTree>
@@ -3649,6 +3206,147 @@
                 <a:cs typeface="Calibri"/>
                 <a:sym typeface="Calibri"/>
               </a:rPr>
+              <a:t>2</a:t>
+            </a:fld>
+            <a:endParaRPr lang="en-US" sz="1200" b="0" i="0" u="none" strike="noStrike" cap="none">
+              <a:solidFill>
+                <a:schemeClr val="dk1"/>
+              </a:solidFill>
+              <a:latin typeface="Calibri"/>
+              <a:ea typeface="Calibri"/>
+              <a:cs typeface="Calibri"/>
+              <a:sym typeface="Calibri"/>
+            </a:endParaRPr>
+          </a:p>
+        </p:txBody>
+      </p:sp>
+    </p:spTree>
+    <p:extLst>
+      <p:ext uri="{BB962C8B-B14F-4D97-AF65-F5344CB8AC3E}">
+        <p14:creationId xmlns:p14="http://schemas.microsoft.com/office/powerpoint/2010/main" val="2522344940"/>
+      </p:ext>
+    </p:extLst>
+  </p:cSld>
+  <p:clrMapOvr>
+    <a:masterClrMapping/>
+  </p:clrMapOvr>
+</p:notes>
+</file>
+
+<file path=ppt/notesSlides/notesSlide3.xml><?xml version="1.0" encoding="utf-8"?>
+<p:notes xmlns:a="http://schemas.openxmlformats.org/drawingml/2006/main" xmlns:r="http://schemas.openxmlformats.org/officeDocument/2006/relationships" xmlns:p="http://schemas.openxmlformats.org/presentationml/2006/main">
+  <p:cSld>
+    <p:spTree>
+      <p:nvGrpSpPr>
+        <p:cNvPr id="1" name="">
+          <a:extLst>
+            <a:ext uri="{FF2B5EF4-FFF2-40B4-BE49-F238E27FC236}">
+              <a16:creationId xmlns:a16="http://schemas.microsoft.com/office/drawing/2014/main" id="{DFA2ED17-7B7E-D9A7-9676-8FBAC88CAF26}"/>
+            </a:ext>
+          </a:extLst>
+        </p:cNvPr>
+        <p:cNvGrpSpPr/>
+        <p:nvPr/>
+      </p:nvGrpSpPr>
+      <p:grpSpPr>
+        <a:xfrm>
+          <a:off x="0" y="0"/>
+          <a:ext cx="0" cy="0"/>
+          <a:chOff x="0" y="0"/>
+          <a:chExt cx="0" cy="0"/>
+        </a:xfrm>
+      </p:grpSpPr>
+      <p:sp>
+        <p:nvSpPr>
+          <p:cNvPr id="2" name="Slide Image Placeholder 1">
+            <a:extLst>
+              <a:ext uri="{FF2B5EF4-FFF2-40B4-BE49-F238E27FC236}">
+                <a16:creationId xmlns:a16="http://schemas.microsoft.com/office/drawing/2014/main" id="{C8439BED-57A7-BA40-531D-E88211FCA269}"/>
+              </a:ext>
+            </a:extLst>
+          </p:cNvPr>
+          <p:cNvSpPr>
+            <a:spLocks noGrp="1" noRot="1" noChangeAspect="1"/>
+          </p:cNvSpPr>
+          <p:nvPr>
+            <p:ph type="sldImg"/>
+          </p:nvPr>
+        </p:nvSpPr>
+        <p:spPr/>
+      </p:sp>
+      <p:sp>
+        <p:nvSpPr>
+          <p:cNvPr id="3" name="Notes Placeholder 2">
+            <a:extLst>
+              <a:ext uri="{FF2B5EF4-FFF2-40B4-BE49-F238E27FC236}">
+                <a16:creationId xmlns:a16="http://schemas.microsoft.com/office/drawing/2014/main" id="{330CAAD2-2A7D-C7A7-09C2-A5057D957F3A}"/>
+              </a:ext>
+            </a:extLst>
+          </p:cNvPr>
+          <p:cNvSpPr>
+            <a:spLocks noGrp="1"/>
+          </p:cNvSpPr>
+          <p:nvPr>
+            <p:ph type="body" idx="1"/>
+          </p:nvPr>
+        </p:nvSpPr>
+        <p:spPr/>
+        <p:txBody>
+          <a:bodyPr/>
+          <a:lstStyle/>
+          <a:p>
+            <a:endParaRPr lang="en-US"/>
+          </a:p>
+        </p:txBody>
+      </p:sp>
+      <p:sp>
+        <p:nvSpPr>
+          <p:cNvPr id="4" name="Slide Number Placeholder 3">
+            <a:extLst>
+              <a:ext uri="{FF2B5EF4-FFF2-40B4-BE49-F238E27FC236}">
+                <a16:creationId xmlns:a16="http://schemas.microsoft.com/office/drawing/2014/main" id="{A88171FC-FBD1-565C-DFB4-4C6498274D49}"/>
+              </a:ext>
+            </a:extLst>
+          </p:cNvPr>
+          <p:cNvSpPr>
+            <a:spLocks noGrp="1"/>
+          </p:cNvSpPr>
+          <p:nvPr>
+            <p:ph type="sldNum" idx="12"/>
+          </p:nvPr>
+        </p:nvSpPr>
+        <p:spPr/>
+        <p:txBody>
+          <a:bodyPr/>
+          <a:lstStyle/>
+          <a:p>
+            <a:pPr marL="0" marR="0" lvl="0" indent="0" algn="r" rtl="0">
+              <a:lnSpc>
+                <a:spcPct val="100000"/>
+              </a:lnSpc>
+              <a:spcBef>
+                <a:spcPts val="0"/>
+              </a:spcBef>
+              <a:spcAft>
+                <a:spcPts val="0"/>
+              </a:spcAft>
+              <a:buClr>
+                <a:srgbClr val="000000"/>
+              </a:buClr>
+              <a:buSzPts val="1200"/>
+              <a:buFont typeface="Arial"/>
+              <a:buNone/>
+            </a:pPr>
+            <a:fld id="{00000000-1234-1234-1234-123412341234}" type="slidenum">
+              <a:rPr lang="en-US" sz="1200" b="0" i="0" u="none" strike="noStrike" cap="none" smtClean="0">
+                <a:solidFill>
+                  <a:schemeClr val="dk1"/>
+                </a:solidFill>
+                <a:latin typeface="Calibri"/>
+                <a:ea typeface="Calibri"/>
+                <a:cs typeface="Calibri"/>
+                <a:sym typeface="Calibri"/>
+              </a:rPr>
               <a:t>3</a:t>
             </a:fld>
             <a:endParaRPr lang="en-US" sz="1200" b="0" i="0" u="none" strike="noStrike" cap="none">
@@ -3666,7 +3364,7 @@
     </p:spTree>
     <p:extLst>
       <p:ext uri="{BB962C8B-B14F-4D97-AF65-F5344CB8AC3E}">
-        <p14:creationId xmlns:p14="http://schemas.microsoft.com/office/powerpoint/2010/main" val="2522344940"/>
+        <p14:creationId xmlns:p14="http://schemas.microsoft.com/office/powerpoint/2010/main" val="589505893"/>
       </p:ext>
     </p:extLst>
   </p:cSld>
@@ -3766,7 +3464,7 @@
                 <a:cs typeface="Calibri"/>
                 <a:sym typeface="Calibri"/>
               </a:rPr>
-              <a:t>4</a:t>
+              <a:t>5</a:t>
             </a:fld>
             <a:endParaRPr lang="en-US" sz="1200" b="0" i="0" u="none" strike="noStrike" cap="none">
               <a:solidFill>
@@ -3883,7 +3581,7 @@
                 <a:cs typeface="Calibri"/>
                 <a:sym typeface="Calibri"/>
               </a:rPr>
-              <a:t>5</a:t>
+              <a:t>6</a:t>
             </a:fld>
             <a:endParaRPr lang="en-US" sz="1200" b="0" i="0" u="none" strike="noStrike" cap="none">
               <a:solidFill>
@@ -3911,6 +3609,147 @@
 </file>
 
 <file path=ppt/notesSlides/notesSlide6.xml><?xml version="1.0" encoding="utf-8"?>
+<p:notes xmlns:a="http://schemas.openxmlformats.org/drawingml/2006/main" xmlns:r="http://schemas.openxmlformats.org/officeDocument/2006/relationships" xmlns:p="http://schemas.openxmlformats.org/presentationml/2006/main">
+  <p:cSld>
+    <p:spTree>
+      <p:nvGrpSpPr>
+        <p:cNvPr id="1" name="">
+          <a:extLst>
+            <a:ext uri="{FF2B5EF4-FFF2-40B4-BE49-F238E27FC236}">
+              <a16:creationId xmlns:a16="http://schemas.microsoft.com/office/drawing/2014/main" id="{BFFEDB7F-B204-C13C-DDF7-5B3F370AA0FB}"/>
+            </a:ext>
+          </a:extLst>
+        </p:cNvPr>
+        <p:cNvGrpSpPr/>
+        <p:nvPr/>
+      </p:nvGrpSpPr>
+      <p:grpSpPr>
+        <a:xfrm>
+          <a:off x="0" y="0"/>
+          <a:ext cx="0" cy="0"/>
+          <a:chOff x="0" y="0"/>
+          <a:chExt cx="0" cy="0"/>
+        </a:xfrm>
+      </p:grpSpPr>
+      <p:sp>
+        <p:nvSpPr>
+          <p:cNvPr id="2" name="Slide Image Placeholder 1">
+            <a:extLst>
+              <a:ext uri="{FF2B5EF4-FFF2-40B4-BE49-F238E27FC236}">
+                <a16:creationId xmlns:a16="http://schemas.microsoft.com/office/drawing/2014/main" id="{1521F37D-F1A5-B5DF-BE17-C1471C6E7D10}"/>
+              </a:ext>
+            </a:extLst>
+          </p:cNvPr>
+          <p:cNvSpPr>
+            <a:spLocks noGrp="1" noRot="1" noChangeAspect="1"/>
+          </p:cNvSpPr>
+          <p:nvPr>
+            <p:ph type="sldImg"/>
+          </p:nvPr>
+        </p:nvSpPr>
+        <p:spPr/>
+      </p:sp>
+      <p:sp>
+        <p:nvSpPr>
+          <p:cNvPr id="3" name="Notes Placeholder 2">
+            <a:extLst>
+              <a:ext uri="{FF2B5EF4-FFF2-40B4-BE49-F238E27FC236}">
+                <a16:creationId xmlns:a16="http://schemas.microsoft.com/office/drawing/2014/main" id="{61441744-3567-CED0-34B8-F7C8F49437EE}"/>
+              </a:ext>
+            </a:extLst>
+          </p:cNvPr>
+          <p:cNvSpPr>
+            <a:spLocks noGrp="1"/>
+          </p:cNvSpPr>
+          <p:nvPr>
+            <p:ph type="body" idx="1"/>
+          </p:nvPr>
+        </p:nvSpPr>
+        <p:spPr/>
+        <p:txBody>
+          <a:bodyPr/>
+          <a:lstStyle/>
+          <a:p>
+            <a:endParaRPr lang="en-US"/>
+          </a:p>
+        </p:txBody>
+      </p:sp>
+      <p:sp>
+        <p:nvSpPr>
+          <p:cNvPr id="4" name="Slide Number Placeholder 3">
+            <a:extLst>
+              <a:ext uri="{FF2B5EF4-FFF2-40B4-BE49-F238E27FC236}">
+                <a16:creationId xmlns:a16="http://schemas.microsoft.com/office/drawing/2014/main" id="{99353761-0651-7E9A-8F7D-4FC4E4D2BE90}"/>
+              </a:ext>
+            </a:extLst>
+          </p:cNvPr>
+          <p:cNvSpPr>
+            <a:spLocks noGrp="1"/>
+          </p:cNvSpPr>
+          <p:nvPr>
+            <p:ph type="sldNum" idx="12"/>
+          </p:nvPr>
+        </p:nvSpPr>
+        <p:spPr/>
+        <p:txBody>
+          <a:bodyPr/>
+          <a:lstStyle/>
+          <a:p>
+            <a:pPr marL="0" marR="0" lvl="0" indent="0" algn="r" rtl="0">
+              <a:lnSpc>
+                <a:spcPct val="100000"/>
+              </a:lnSpc>
+              <a:spcBef>
+                <a:spcPts val="0"/>
+              </a:spcBef>
+              <a:spcAft>
+                <a:spcPts val="0"/>
+              </a:spcAft>
+              <a:buClr>
+                <a:srgbClr val="000000"/>
+              </a:buClr>
+              <a:buSzPts val="1200"/>
+              <a:buFont typeface="Arial"/>
+              <a:buNone/>
+            </a:pPr>
+            <a:fld id="{00000000-1234-1234-1234-123412341234}" type="slidenum">
+              <a:rPr lang="en-US" sz="1200" b="0" i="0" u="none" strike="noStrike" cap="none" smtClean="0">
+                <a:solidFill>
+                  <a:schemeClr val="dk1"/>
+                </a:solidFill>
+                <a:latin typeface="Calibri"/>
+                <a:ea typeface="Calibri"/>
+                <a:cs typeface="Calibri"/>
+                <a:sym typeface="Calibri"/>
+              </a:rPr>
+              <a:t>7</a:t>
+            </a:fld>
+            <a:endParaRPr lang="en-US" sz="1200" b="0" i="0" u="none" strike="noStrike" cap="none">
+              <a:solidFill>
+                <a:schemeClr val="dk1"/>
+              </a:solidFill>
+              <a:latin typeface="Calibri"/>
+              <a:ea typeface="Calibri"/>
+              <a:cs typeface="Calibri"/>
+              <a:sym typeface="Calibri"/>
+            </a:endParaRPr>
+          </a:p>
+        </p:txBody>
+      </p:sp>
+    </p:spTree>
+    <p:extLst>
+      <p:ext uri="{BB962C8B-B14F-4D97-AF65-F5344CB8AC3E}">
+        <p14:creationId xmlns:p14="http://schemas.microsoft.com/office/powerpoint/2010/main" val="1836919050"/>
+      </p:ext>
+    </p:extLst>
+  </p:cSld>
+  <p:clrMapOvr>
+    <a:masterClrMapping/>
+  </p:clrMapOvr>
+</p:notes>
+</file>
+
+<file path=ppt/notesSlides/notesSlide7.xml><?xml version="1.0" encoding="utf-8"?>
 <p:notes xmlns:a="http://schemas.openxmlformats.org/drawingml/2006/main" xmlns:r="http://schemas.openxmlformats.org/officeDocument/2006/relationships" xmlns:p="http://schemas.openxmlformats.org/presentationml/2006/main">
   <p:cSld>
     <p:spTree>
@@ -4000,7 +3839,7 @@
                 <a:cs typeface="Calibri"/>
                 <a:sym typeface="Calibri"/>
               </a:rPr>
-              <a:t>6</a:t>
+              <a:t>8</a:t>
             </a:fld>
             <a:endParaRPr lang="en-US" sz="1200" b="0" i="0" u="none" strike="noStrike" cap="none">
               <a:solidFill>
@@ -4027,241 +3866,7 @@
 </p:notes>
 </file>
 
-<file path=ppt/notesSlides/notesSlide7.xml><?xml version="1.0" encoding="utf-8"?>
-<p:notes xmlns:a="http://schemas.openxmlformats.org/drawingml/2006/main" xmlns:r="http://schemas.openxmlformats.org/officeDocument/2006/relationships" xmlns:p="http://schemas.openxmlformats.org/presentationml/2006/main">
-  <p:cSld>
-    <p:spTree>
-      <p:nvGrpSpPr>
-        <p:cNvPr id="1" name=""/>
-        <p:cNvGrpSpPr/>
-        <p:nvPr/>
-      </p:nvGrpSpPr>
-      <p:grpSpPr>
-        <a:xfrm>
-          <a:off x="0" y="0"/>
-          <a:ext cx="0" cy="0"/>
-          <a:chOff x="0" y="0"/>
-          <a:chExt cx="0" cy="0"/>
-        </a:xfrm>
-      </p:grpSpPr>
-      <p:sp>
-        <p:nvSpPr>
-          <p:cNvPr id="2" name="Slide Image Placeholder 1"/>
-          <p:cNvSpPr>
-            <a:spLocks noGrp="1" noRot="1" noChangeAspect="1"/>
-          </p:cNvSpPr>
-          <p:nvPr>
-            <p:ph type="sldImg"/>
-          </p:nvPr>
-        </p:nvSpPr>
-        <p:spPr/>
-      </p:sp>
-      <p:sp>
-        <p:nvSpPr>
-          <p:cNvPr id="3" name="Notes Placeholder 2"/>
-          <p:cNvSpPr>
-            <a:spLocks noGrp="1"/>
-          </p:cNvSpPr>
-          <p:nvPr>
-            <p:ph type="body" idx="1"/>
-          </p:nvPr>
-        </p:nvSpPr>
-        <p:spPr/>
-        <p:txBody>
-          <a:bodyPr/>
-          <a:lstStyle/>
-          <a:p>
-            <a:endParaRPr lang="en-US"/>
-          </a:p>
-        </p:txBody>
-      </p:sp>
-      <p:sp>
-        <p:nvSpPr>
-          <p:cNvPr id="4" name="Slide Number Placeholder 3"/>
-          <p:cNvSpPr>
-            <a:spLocks noGrp="1"/>
-          </p:cNvSpPr>
-          <p:nvPr>
-            <p:ph type="sldNum" idx="12"/>
-          </p:nvPr>
-        </p:nvSpPr>
-        <p:spPr/>
-        <p:txBody>
-          <a:bodyPr/>
-          <a:lstStyle/>
-          <a:p>
-            <a:pPr marL="0" marR="0" lvl="0" indent="0" algn="r" rtl="0">
-              <a:lnSpc>
-                <a:spcPct val="100000"/>
-              </a:lnSpc>
-              <a:spcBef>
-                <a:spcPts val="0"/>
-              </a:spcBef>
-              <a:spcAft>
-                <a:spcPts val="0"/>
-              </a:spcAft>
-              <a:buClr>
-                <a:srgbClr val="000000"/>
-              </a:buClr>
-              <a:buSzPts val="1200"/>
-              <a:buFont typeface="Arial"/>
-              <a:buNone/>
-            </a:pPr>
-            <a:fld id="{00000000-1234-1234-1234-123412341234}" type="slidenum">
-              <a:rPr lang="en-US" sz="1200" b="0" i="0" u="none" strike="noStrike" cap="none" smtClean="0">
-                <a:solidFill>
-                  <a:schemeClr val="dk1"/>
-                </a:solidFill>
-                <a:latin typeface="Calibri"/>
-                <a:ea typeface="Calibri"/>
-                <a:cs typeface="Calibri"/>
-                <a:sym typeface="Calibri"/>
-              </a:rPr>
-              <a:t>7</a:t>
-            </a:fld>
-            <a:endParaRPr lang="en-US" sz="1200" b="0" i="0" u="none" strike="noStrike" cap="none">
-              <a:solidFill>
-                <a:schemeClr val="dk1"/>
-              </a:solidFill>
-              <a:latin typeface="Calibri"/>
-              <a:ea typeface="Calibri"/>
-              <a:cs typeface="Calibri"/>
-              <a:sym typeface="Calibri"/>
-            </a:endParaRPr>
-          </a:p>
-        </p:txBody>
-      </p:sp>
-    </p:spTree>
-    <p:extLst>
-      <p:ext uri="{BB962C8B-B14F-4D97-AF65-F5344CB8AC3E}">
-        <p14:creationId xmlns:p14="http://schemas.microsoft.com/office/powerpoint/2010/main" val="3530823336"/>
-      </p:ext>
-    </p:extLst>
-  </p:cSld>
-  <p:clrMapOvr>
-    <a:masterClrMapping/>
-  </p:clrMapOvr>
-</p:notes>
-</file>
-
 <file path=ppt/notesSlides/notesSlide8.xml><?xml version="1.0" encoding="utf-8"?>
-<p:notes xmlns:a="http://schemas.openxmlformats.org/drawingml/2006/main" xmlns:r="http://schemas.openxmlformats.org/officeDocument/2006/relationships" xmlns:p="http://schemas.openxmlformats.org/presentationml/2006/main">
-  <p:cSld>
-    <p:spTree>
-      <p:nvGrpSpPr>
-        <p:cNvPr id="1" name=""/>
-        <p:cNvGrpSpPr/>
-        <p:nvPr/>
-      </p:nvGrpSpPr>
-      <p:grpSpPr>
-        <a:xfrm>
-          <a:off x="0" y="0"/>
-          <a:ext cx="0" cy="0"/>
-          <a:chOff x="0" y="0"/>
-          <a:chExt cx="0" cy="0"/>
-        </a:xfrm>
-      </p:grpSpPr>
-      <p:sp>
-        <p:nvSpPr>
-          <p:cNvPr id="2" name="Slide Image Placeholder 1"/>
-          <p:cNvSpPr>
-            <a:spLocks noGrp="1" noRot="1" noChangeAspect="1"/>
-          </p:cNvSpPr>
-          <p:nvPr>
-            <p:ph type="sldImg"/>
-          </p:nvPr>
-        </p:nvSpPr>
-        <p:spPr/>
-      </p:sp>
-      <p:sp>
-        <p:nvSpPr>
-          <p:cNvPr id="3" name="Notes Placeholder 2"/>
-          <p:cNvSpPr>
-            <a:spLocks noGrp="1"/>
-          </p:cNvSpPr>
-          <p:nvPr>
-            <p:ph type="body" idx="1"/>
-          </p:nvPr>
-        </p:nvSpPr>
-        <p:spPr/>
-        <p:txBody>
-          <a:bodyPr/>
-          <a:lstStyle/>
-          <a:p>
-            <a:endParaRPr lang="en-US"/>
-          </a:p>
-        </p:txBody>
-      </p:sp>
-      <p:sp>
-        <p:nvSpPr>
-          <p:cNvPr id="4" name="Slide Number Placeholder 3"/>
-          <p:cNvSpPr>
-            <a:spLocks noGrp="1"/>
-          </p:cNvSpPr>
-          <p:nvPr>
-            <p:ph type="sldNum" idx="12"/>
-          </p:nvPr>
-        </p:nvSpPr>
-        <p:spPr/>
-        <p:txBody>
-          <a:bodyPr/>
-          <a:lstStyle/>
-          <a:p>
-            <a:pPr marL="0" marR="0" lvl="0" indent="0" algn="r" rtl="0">
-              <a:lnSpc>
-                <a:spcPct val="100000"/>
-              </a:lnSpc>
-              <a:spcBef>
-                <a:spcPts val="0"/>
-              </a:spcBef>
-              <a:spcAft>
-                <a:spcPts val="0"/>
-              </a:spcAft>
-              <a:buClr>
-                <a:srgbClr val="000000"/>
-              </a:buClr>
-              <a:buSzPts val="1200"/>
-              <a:buFont typeface="Arial"/>
-              <a:buNone/>
-            </a:pPr>
-            <a:fld id="{00000000-1234-1234-1234-123412341234}" type="slidenum">
-              <a:rPr lang="en-US" sz="1200" b="0" i="0" u="none" strike="noStrike" cap="none" smtClean="0">
-                <a:solidFill>
-                  <a:schemeClr val="dk1"/>
-                </a:solidFill>
-                <a:latin typeface="Calibri"/>
-                <a:ea typeface="Calibri"/>
-                <a:cs typeface="Calibri"/>
-                <a:sym typeface="Calibri"/>
-              </a:rPr>
-              <a:t>8</a:t>
-            </a:fld>
-            <a:endParaRPr lang="en-US" sz="1200" b="0" i="0" u="none" strike="noStrike" cap="none">
-              <a:solidFill>
-                <a:schemeClr val="dk1"/>
-              </a:solidFill>
-              <a:latin typeface="Calibri"/>
-              <a:ea typeface="Calibri"/>
-              <a:cs typeface="Calibri"/>
-              <a:sym typeface="Calibri"/>
-            </a:endParaRPr>
-          </a:p>
-        </p:txBody>
-      </p:sp>
-    </p:spTree>
-    <p:extLst>
-      <p:ext uri="{BB962C8B-B14F-4D97-AF65-F5344CB8AC3E}">
-        <p14:creationId xmlns:p14="http://schemas.microsoft.com/office/powerpoint/2010/main" val="116270707"/>
-      </p:ext>
-    </p:extLst>
-  </p:cSld>
-  <p:clrMapOvr>
-    <a:masterClrMapping/>
-  </p:clrMapOvr>
-</p:notes>
-</file>
-
-<file path=ppt/notesSlides/notesSlide9.xml><?xml version="1.0" encoding="utf-8"?>
 <p:notes xmlns:a="http://schemas.openxmlformats.org/drawingml/2006/main" xmlns:r="http://schemas.openxmlformats.org/officeDocument/2006/relationships" xmlns:p="http://schemas.openxmlformats.org/presentationml/2006/main">
   <p:cSld>
     <p:spTree>
@@ -4368,7 +3973,124 @@
     </p:spTree>
     <p:extLst>
       <p:ext uri="{BB962C8B-B14F-4D97-AF65-F5344CB8AC3E}">
-        <p14:creationId xmlns:p14="http://schemas.microsoft.com/office/powerpoint/2010/main" val="2522344940"/>
+        <p14:creationId xmlns:p14="http://schemas.microsoft.com/office/powerpoint/2010/main" val="3530823336"/>
+      </p:ext>
+    </p:extLst>
+  </p:cSld>
+  <p:clrMapOvr>
+    <a:masterClrMapping/>
+  </p:clrMapOvr>
+</p:notes>
+</file>
+
+<file path=ppt/notesSlides/notesSlide9.xml><?xml version="1.0" encoding="utf-8"?>
+<p:notes xmlns:a="http://schemas.openxmlformats.org/drawingml/2006/main" xmlns:r="http://schemas.openxmlformats.org/officeDocument/2006/relationships" xmlns:p="http://schemas.openxmlformats.org/presentationml/2006/main">
+  <p:cSld>
+    <p:spTree>
+      <p:nvGrpSpPr>
+        <p:cNvPr id="1" name=""/>
+        <p:cNvGrpSpPr/>
+        <p:nvPr/>
+      </p:nvGrpSpPr>
+      <p:grpSpPr>
+        <a:xfrm>
+          <a:off x="0" y="0"/>
+          <a:ext cx="0" cy="0"/>
+          <a:chOff x="0" y="0"/>
+          <a:chExt cx="0" cy="0"/>
+        </a:xfrm>
+      </p:grpSpPr>
+      <p:sp>
+        <p:nvSpPr>
+          <p:cNvPr id="2" name="Slide Image Placeholder 1"/>
+          <p:cNvSpPr>
+            <a:spLocks noGrp="1" noRot="1" noChangeAspect="1"/>
+          </p:cNvSpPr>
+          <p:nvPr>
+            <p:ph type="sldImg"/>
+          </p:nvPr>
+        </p:nvSpPr>
+        <p:spPr/>
+      </p:sp>
+      <p:sp>
+        <p:nvSpPr>
+          <p:cNvPr id="3" name="Notes Placeholder 2"/>
+          <p:cNvSpPr>
+            <a:spLocks noGrp="1"/>
+          </p:cNvSpPr>
+          <p:nvPr>
+            <p:ph type="body" idx="1"/>
+          </p:nvPr>
+        </p:nvSpPr>
+        <p:spPr/>
+        <p:txBody>
+          <a:bodyPr/>
+          <a:lstStyle/>
+          <a:p>
+            <a:endParaRPr lang="en-US"/>
+          </a:p>
+        </p:txBody>
+      </p:sp>
+      <p:sp>
+        <p:nvSpPr>
+          <p:cNvPr id="4" name="Slide Number Placeholder 3"/>
+          <p:cNvSpPr>
+            <a:spLocks noGrp="1"/>
+          </p:cNvSpPr>
+          <p:nvPr>
+            <p:ph type="sldNum" idx="12"/>
+          </p:nvPr>
+        </p:nvSpPr>
+        <p:spPr/>
+        <p:txBody>
+          <a:bodyPr/>
+          <a:lstStyle/>
+          <a:p>
+            <a:pPr marL="0" marR="0" lvl="0" indent="0" algn="r" rtl="0">
+              <a:lnSpc>
+                <a:spcPct val="100000"/>
+              </a:lnSpc>
+              <a:spcBef>
+                <a:spcPts val="0"/>
+              </a:spcBef>
+              <a:spcAft>
+                <a:spcPts val="0"/>
+              </a:spcAft>
+              <a:buClr>
+                <a:srgbClr val="000000"/>
+              </a:buClr>
+              <a:buSzPts val="1200"/>
+              <a:buFont typeface="Arial"/>
+              <a:buNone/>
+            </a:pPr>
+            <a:fld id="{00000000-1234-1234-1234-123412341234}" type="slidenum">
+              <a:rPr lang="en-US" sz="1200" b="0" i="0" u="none" strike="noStrike" cap="none" smtClean="0">
+                <a:solidFill>
+                  <a:schemeClr val="dk1"/>
+                </a:solidFill>
+                <a:latin typeface="Calibri"/>
+                <a:ea typeface="Calibri"/>
+                <a:cs typeface="Calibri"/>
+                <a:sym typeface="Calibri"/>
+              </a:rPr>
+              <a:t>10</a:t>
+            </a:fld>
+            <a:endParaRPr lang="en-US" sz="1200" b="0" i="0" u="none" strike="noStrike" cap="none">
+              <a:solidFill>
+                <a:schemeClr val="dk1"/>
+              </a:solidFill>
+              <a:latin typeface="Calibri"/>
+              <a:ea typeface="Calibri"/>
+              <a:cs typeface="Calibri"/>
+              <a:sym typeface="Calibri"/>
+            </a:endParaRPr>
+          </a:p>
+        </p:txBody>
+      </p:sp>
+    </p:spTree>
+    <p:extLst>
+      <p:ext uri="{BB962C8B-B14F-4D97-AF65-F5344CB8AC3E}">
+        <p14:creationId xmlns:p14="http://schemas.microsoft.com/office/powerpoint/2010/main" val="116270707"/>
       </p:ext>
     </p:extLst>
   </p:cSld>
@@ -5802,110 +5524,6 @@
           </a:p>
         </p:txBody>
       </p:sp>
-      <p:sp>
-        <p:nvSpPr>
-          <p:cNvPr id="17" name="Rounded Rectangle 16">
-            <a:extLst>
-              <a:ext uri="{FF2B5EF4-FFF2-40B4-BE49-F238E27FC236}">
-                <a16:creationId xmlns:a16="http://schemas.microsoft.com/office/drawing/2014/main" id="{E7A370C1-14D5-AF43-A796-AF0540DA76D8}"/>
-              </a:ext>
-            </a:extLst>
-          </p:cNvPr>
-          <p:cNvSpPr/>
-          <p:nvPr/>
-        </p:nvSpPr>
-        <p:spPr>
-          <a:xfrm>
-            <a:off x="5111531" y="2274860"/>
-            <a:ext cx="3616960" cy="733690"/>
-          </a:xfrm>
-          <a:prstGeom prst="roundRect">
-            <a:avLst/>
-          </a:prstGeom>
-          <a:noFill/>
-          <a:ln w="12700">
-            <a:solidFill>
-              <a:schemeClr val="tx1">
-                <a:lumMod val="50000"/>
-                <a:lumOff val="50000"/>
-              </a:schemeClr>
-            </a:solidFill>
-          </a:ln>
-        </p:spPr>
-        <p:style>
-          <a:lnRef idx="2">
-            <a:schemeClr val="accent1">
-              <a:shade val="50000"/>
-            </a:schemeClr>
-          </a:lnRef>
-          <a:fillRef idx="1">
-            <a:schemeClr val="accent1"/>
-          </a:fillRef>
-          <a:effectRef idx="0">
-            <a:schemeClr val="accent1"/>
-          </a:effectRef>
-          <a:fontRef idx="minor">
-            <a:schemeClr val="lt1"/>
-          </a:fontRef>
-        </p:style>
-        <p:txBody>
-          <a:bodyPr rtlCol="0" anchor="ctr"/>
-          <a:lstStyle/>
-          <a:p>
-            <a:pPr>
-              <a:spcAft>
-                <a:spcPts val="300"/>
-              </a:spcAft>
-            </a:pPr>
-            <a:r>
-              <a:rPr lang="x-none" sz="1200" b="1">
-                <a:solidFill>
-                  <a:srgbClr val="C02B43"/>
-                </a:solidFill>
-              </a:rPr>
-              <a:t>USE STRUCTURE</a:t>
-            </a:r>
-            <a:endParaRPr lang="en-IN" sz="1200" b="1" dirty="0">
-              <a:solidFill>
-                <a:srgbClr val="C02B43"/>
-              </a:solidFill>
-            </a:endParaRPr>
-          </a:p>
-          <a:p>
-            <a:r>
-              <a:rPr lang="en-US" sz="1200" dirty="0">
-                <a:solidFill>
-                  <a:schemeClr val="tx1"/>
-                </a:solidFill>
-              </a:rPr>
-              <a:t>Rewriting </a:t>
-            </a:r>
-            <a:r>
-              <a:rPr lang="en-US" sz="1200" i="1" dirty="0">
-                <a:solidFill>
-                  <a:schemeClr val="tx1"/>
-                </a:solidFill>
-              </a:rPr>
-              <a:t>g</a:t>
-            </a:r>
-            <a:r>
-              <a:rPr lang="en-US" sz="1200" dirty="0">
-                <a:solidFill>
-                  <a:schemeClr val="tx1"/>
-                </a:solidFill>
-              </a:rPr>
-              <a:t> in this way is similar to rewriting an improper fraction as a mixed number.</a:t>
-            </a:r>
-            <a:endParaRPr lang="en-IN" sz="1200" dirty="0">
-              <a:solidFill>
-                <a:schemeClr val="tx1"/>
-              </a:solidFill>
-              <a:latin typeface="Arial" panose="020B0604020202020204" pitchFamily="34" charset="0"/>
-              <a:cs typeface="Arial" panose="020B0604020202020204" pitchFamily="34" charset="0"/>
-            </a:endParaRPr>
-          </a:p>
-        </p:txBody>
-      </p:sp>
       <p:pic>
         <p:nvPicPr>
           <p:cNvPr id="20" name="Picture 19">
@@ -5998,36 +5616,6 @@
       </p:pic>
       <p:pic>
         <p:nvPicPr>
-          <p:cNvPr id="29" name="Picture 28">
-            <a:extLst>
-              <a:ext uri="{FF2B5EF4-FFF2-40B4-BE49-F238E27FC236}">
-                <a16:creationId xmlns:a16="http://schemas.microsoft.com/office/drawing/2014/main" id="{3AA6500C-6731-5D56-3ED8-151BB02BF0B2}"/>
-              </a:ext>
-            </a:extLst>
-          </p:cNvPr>
-          <p:cNvPicPr>
-            <a:picLocks noChangeAspect="1"/>
-          </p:cNvPicPr>
-          <p:nvPr/>
-        </p:nvPicPr>
-        <p:blipFill>
-          <a:blip r:embed="rId6"/>
-          <a:stretch>
-            <a:fillRect/>
-          </a:stretch>
-        </p:blipFill>
-        <p:spPr>
-          <a:xfrm>
-            <a:off x="368631" y="5231851"/>
-            <a:ext cx="3703915" cy="1127655"/>
-          </a:xfrm>
-          <a:prstGeom prst="rect">
-            <a:avLst/>
-          </a:prstGeom>
-        </p:spPr>
-      </p:pic>
-      <p:pic>
-        <p:nvPicPr>
           <p:cNvPr id="4" name="Picture 3">
             <a:extLst>
               <a:ext uri="{FF2B5EF4-FFF2-40B4-BE49-F238E27FC236}">
@@ -6041,15 +5629,14 @@
           <p:nvPr/>
         </p:nvPicPr>
         <p:blipFill>
-          <a:blip r:embed="rId7"/>
-          <a:stretch>
-            <a:fillRect/>
-          </a:stretch>
+          <a:blip r:embed="rId6"/>
+          <a:srcRect l="50791"/>
+          <a:stretch/>
         </p:blipFill>
         <p:spPr>
           <a:xfrm>
-            <a:off x="4105652" y="3155043"/>
-            <a:ext cx="4692318" cy="2983475"/>
+            <a:off x="6488934" y="3155043"/>
+            <a:ext cx="2309035" cy="2983475"/>
           </a:xfrm>
           <a:prstGeom prst="rect">
             <a:avLst/>
@@ -6071,7 +5658,7 @@
           <p:nvPr/>
         </p:nvPicPr>
         <p:blipFill>
-          <a:blip r:embed="rId8"/>
+          <a:blip r:embed="rId7"/>
           <a:stretch>
             <a:fillRect/>
           </a:stretch>
@@ -6101,7 +5688,7 @@
           <p:nvPr/>
         </p:nvPicPr>
         <p:blipFill>
-          <a:blip r:embed="rId9"/>
+          <a:blip r:embed="rId8"/>
           <a:stretch>
             <a:fillRect/>
           </a:stretch>
@@ -6131,7 +5718,7 @@
           <p:nvPr/>
         </p:nvPicPr>
         <p:blipFill>
-          <a:blip r:embed="rId10"/>
+          <a:blip r:embed="rId9"/>
           <a:stretch>
             <a:fillRect/>
           </a:stretch>
@@ -6160,7 +5747,7 @@
         </p:nvSpPr>
         <p:spPr>
           <a:xfrm>
-            <a:off x="355758" y="1336786"/>
+            <a:off x="361353" y="1371396"/>
             <a:ext cx="8310722" cy="3883114"/>
           </a:xfrm>
           <a:prstGeom prst="rect">
@@ -6367,10 +5954,10 @@
       </p:grpSpPr>
       <p:sp>
         <p:nvSpPr>
-          <p:cNvPr id="9" name="Rectangle 8">
+          <p:cNvPr id="6" name="Rectangle 5">
             <a:extLst>
               <a:ext uri="{FF2B5EF4-FFF2-40B4-BE49-F238E27FC236}">
-                <a16:creationId xmlns:a16="http://schemas.microsoft.com/office/drawing/2014/main" id="{881EADAE-7FE3-6195-BFB0-3FAA2BE76B56}"/>
+                <a16:creationId xmlns:a16="http://schemas.microsoft.com/office/drawing/2014/main" id="{33341DDE-51A7-BB4A-A5D0-B99BDB557C68}"/>
               </a:ext>
             </a:extLst>
           </p:cNvPr>
@@ -6379,8 +5966,8 @@
         </p:nvSpPr>
         <p:spPr>
           <a:xfrm>
-            <a:off x="452746" y="414142"/>
-            <a:ext cx="1480557" cy="295175"/>
+            <a:off x="452746" y="779139"/>
+            <a:ext cx="1535743" cy="295175"/>
           </a:xfrm>
           <a:prstGeom prst="rect">
             <a:avLst/>
@@ -6420,18 +6007,137 @@
                   <a:schemeClr val="bg1"/>
                 </a:solidFill>
               </a:rPr>
-              <a:t>Example 4</a:t>
+              <a:t>Example 3</a:t>
             </a:r>
             <a:endParaRPr lang="en-US" sz="1800" cap="all" dirty="0"/>
+          </a:p>
+        </p:txBody>
+      </p:sp>
+      <p:sp>
+        <p:nvSpPr>
+          <p:cNvPr id="4" name="TextBox 3">
+            <a:extLst>
+              <a:ext uri="{FF2B5EF4-FFF2-40B4-BE49-F238E27FC236}">
+                <a16:creationId xmlns:a16="http://schemas.microsoft.com/office/drawing/2014/main" id="{7B6773E5-DD17-5EE5-9D95-732A2DD18303}"/>
+              </a:ext>
+            </a:extLst>
+          </p:cNvPr>
+          <p:cNvSpPr txBox="1"/>
+          <p:nvPr/>
+        </p:nvSpPr>
+        <p:spPr>
+          <a:xfrm>
+            <a:off x="355758" y="351587"/>
+            <a:ext cx="8652349" cy="369332"/>
+          </a:xfrm>
+          <a:prstGeom prst="rect">
+            <a:avLst/>
+          </a:prstGeom>
+          <a:noFill/>
+        </p:spPr>
+        <p:txBody>
+          <a:bodyPr wrap="square" rIns="36000" rtlCol="0">
+            <a:spAutoFit/>
+          </a:bodyPr>
+          <a:lstStyle/>
+          <a:p>
+            <a:r>
+              <a:rPr lang="en-IN" sz="1800" b="1" dirty="0">
+                <a:solidFill>
+                  <a:srgbClr val="137F97"/>
+                </a:solidFill>
+              </a:rPr>
+              <a:t>CONCEPTUAL UNDERSTANDING</a:t>
+            </a:r>
+            <a:endParaRPr lang="en-IN" sz="1800" dirty="0">
+              <a:solidFill>
+                <a:srgbClr val="137F97"/>
+              </a:solidFill>
+            </a:endParaRPr>
+          </a:p>
+        </p:txBody>
+      </p:sp>
+      <p:sp>
+        <p:nvSpPr>
+          <p:cNvPr id="18" name="TextBox 17">
+            <a:extLst>
+              <a:ext uri="{FF2B5EF4-FFF2-40B4-BE49-F238E27FC236}">
+                <a16:creationId xmlns:a16="http://schemas.microsoft.com/office/drawing/2014/main" id="{F886122E-2697-C253-2B68-ED8CC75E8FE3}"/>
+              </a:ext>
+            </a:extLst>
+          </p:cNvPr>
+          <p:cNvSpPr txBox="1"/>
+          <p:nvPr/>
+        </p:nvSpPr>
+        <p:spPr>
+          <a:xfrm>
+            <a:off x="355758" y="728197"/>
+            <a:ext cx="8631371" cy="1354217"/>
+          </a:xfrm>
+          <a:prstGeom prst="rect">
+            <a:avLst/>
+          </a:prstGeom>
+          <a:noFill/>
+        </p:spPr>
+        <p:txBody>
+          <a:bodyPr wrap="square" rIns="36000" rtlCol="0">
+            <a:spAutoFit/>
+          </a:bodyPr>
+          <a:lstStyle/>
+          <a:p>
+            <a:pPr>
+              <a:spcAft>
+                <a:spcPts val="1200"/>
+              </a:spcAft>
+              <a:tabLst>
+                <a:tab pos="1584000" algn="l"/>
+              </a:tabLst>
+            </a:pPr>
+            <a:r>
+              <a:rPr lang="en-IN" sz="1800" b="1" dirty="0">
+                <a:solidFill>
+                  <a:srgbClr val="0078AE"/>
+                </a:solidFill>
+              </a:rPr>
+              <a:t>	</a:t>
+            </a:r>
+            <a:r>
+              <a:rPr lang="en-US" sz="1800" b="1" dirty="0">
+                <a:solidFill>
+                  <a:srgbClr val="58585A"/>
+                </a:solidFill>
+              </a:rPr>
+              <a:t>Find Types of Horizontal Asymptotes</a:t>
+            </a:r>
+            <a:endParaRPr lang="en-IN" sz="1800" b="1" dirty="0">
+              <a:solidFill>
+                <a:srgbClr val="58585A"/>
+              </a:solidFill>
+            </a:endParaRPr>
+          </a:p>
+          <a:p>
+            <a:pPr>
+              <a:spcAft>
+                <a:spcPts val="1200"/>
+              </a:spcAft>
+            </a:pPr>
+            <a:r>
+              <a:rPr lang="en-US" sz="1800" b="1" dirty="0"/>
+              <a:t>Case 3; </a:t>
+            </a:r>
+            <a:r>
+              <a:rPr lang="en-US" sz="1800" dirty="0"/>
+              <a:t>When the degree of the numerator is equal to the degree of the denominator, the horizontal asymptote is at           where     is the ratio of the leading coefficients.</a:t>
+            </a:r>
           </a:p>
         </p:txBody>
       </p:sp>
       <p:pic>
         <p:nvPicPr>
-          <p:cNvPr id="24" name="Picture 23">
+          <p:cNvPr id="10" name="Picture 9">
             <a:extLst>
               <a:ext uri="{FF2B5EF4-FFF2-40B4-BE49-F238E27FC236}">
-                <a16:creationId xmlns:a16="http://schemas.microsoft.com/office/drawing/2014/main" id="{15BD2807-34C3-99D7-D043-18DF9440FC94}"/>
+                <a16:creationId xmlns:a16="http://schemas.microsoft.com/office/drawing/2014/main" id="{8CA07B6F-4523-A7F2-B066-39F6BEBC0775}"/>
               </a:ext>
             </a:extLst>
           </p:cNvPr>
@@ -6448,99 +6154,20 @@
         </p:blipFill>
         <p:spPr>
           <a:xfrm>
-            <a:off x="3653459" y="910011"/>
-            <a:ext cx="1277353" cy="449681"/>
+            <a:off x="4958556" y="1453146"/>
+            <a:ext cx="550139" cy="364549"/>
           </a:xfrm>
           <a:prstGeom prst="rect">
             <a:avLst/>
           </a:prstGeom>
         </p:spPr>
       </p:pic>
-      <p:sp>
-        <p:nvSpPr>
-          <p:cNvPr id="25" name="TextBox 24">
+      <p:pic>
+        <p:nvPicPr>
+          <p:cNvPr id="12" name="Picture 11">
             <a:extLst>
               <a:ext uri="{FF2B5EF4-FFF2-40B4-BE49-F238E27FC236}">
-                <a16:creationId xmlns:a16="http://schemas.microsoft.com/office/drawing/2014/main" id="{2286C9FA-2F41-C2AB-F250-11ED973BA4A5}"/>
-              </a:ext>
-            </a:extLst>
-          </p:cNvPr>
-          <p:cNvSpPr txBox="1"/>
-          <p:nvPr/>
-        </p:nvSpPr>
-        <p:spPr>
-          <a:xfrm>
-            <a:off x="355758" y="371581"/>
-            <a:ext cx="8306461" cy="897682"/>
-          </a:xfrm>
-          <a:prstGeom prst="rect">
-            <a:avLst/>
-          </a:prstGeom>
-          <a:noFill/>
-        </p:spPr>
-        <p:txBody>
-          <a:bodyPr wrap="square" rIns="36000" rtlCol="0">
-            <a:spAutoFit/>
-          </a:bodyPr>
-          <a:lstStyle/>
-          <a:p>
-            <a:pPr>
-              <a:spcAft>
-                <a:spcPts val="2200"/>
-              </a:spcAft>
-              <a:tabLst>
-                <a:tab pos="1584000" algn="l"/>
-              </a:tabLst>
-            </a:pPr>
-            <a:r>
-              <a:rPr lang="en-IN" sz="1800" b="1" dirty="0">
-                <a:solidFill>
-                  <a:srgbClr val="0078AE"/>
-                </a:solidFill>
-              </a:rPr>
-              <a:t>	</a:t>
-            </a:r>
-            <a:r>
-              <a:rPr lang="en-US" sz="1800" b="1" dirty="0">
-                <a:solidFill>
-                  <a:srgbClr val="58585A"/>
-                </a:solidFill>
-              </a:rPr>
-              <a:t>Graph a Function of the Form</a:t>
-            </a:r>
-            <a:endParaRPr lang="en-IN" sz="1800" b="1" dirty="0">
-              <a:solidFill>
-                <a:srgbClr val="58585A"/>
-              </a:solidFill>
-            </a:endParaRPr>
-          </a:p>
-          <a:p>
-            <a:pPr>
-              <a:spcAft>
-                <a:spcPts val="1200"/>
-              </a:spcAft>
-            </a:pPr>
-            <a:r>
-              <a:rPr lang="en-IN" sz="1600" b="1" dirty="0">
-                <a:solidFill>
-                  <a:schemeClr val="tx1"/>
-                </a:solidFill>
-              </a:rPr>
-              <a:t>​</a:t>
-            </a:r>
-            <a:r>
-              <a:rPr lang="en-US" sz="1600" b="1" dirty="0"/>
-              <a:t>What is the graph of the function</a:t>
-            </a:r>
-          </a:p>
-        </p:txBody>
-      </p:sp>
-      <p:pic>
-        <p:nvPicPr>
-          <p:cNvPr id="28" name="Picture 27">
-            <a:extLst>
-              <a:ext uri="{FF2B5EF4-FFF2-40B4-BE49-F238E27FC236}">
-                <a16:creationId xmlns:a16="http://schemas.microsoft.com/office/drawing/2014/main" id="{44A6CA60-844C-31A3-D7E1-51AAE0121975}"/>
+                <a16:creationId xmlns:a16="http://schemas.microsoft.com/office/drawing/2014/main" id="{D8B30BA7-B696-D4ED-028F-8D33AE8AC369}"/>
               </a:ext>
             </a:extLst>
           </p:cNvPr>
@@ -6557,8 +6184,8 @@
         </p:blipFill>
         <p:spPr>
           <a:xfrm>
-            <a:off x="406557" y="1383226"/>
-            <a:ext cx="6245475" cy="2403664"/>
+            <a:off x="6188985" y="1448849"/>
+            <a:ext cx="192216" cy="377806"/>
           </a:xfrm>
           <a:prstGeom prst="rect">
             <a:avLst/>
@@ -6567,10 +6194,10 @@
       </p:pic>
       <p:pic>
         <p:nvPicPr>
-          <p:cNvPr id="30" name="Picture 29">
+          <p:cNvPr id="16" name="Picture 15">
             <a:extLst>
               <a:ext uri="{FF2B5EF4-FFF2-40B4-BE49-F238E27FC236}">
-                <a16:creationId xmlns:a16="http://schemas.microsoft.com/office/drawing/2014/main" id="{03AB9936-6753-1071-B6BA-FA3D2F7429D6}"/>
+                <a16:creationId xmlns:a16="http://schemas.microsoft.com/office/drawing/2014/main" id="{C9BE4EB8-5DB9-846E-9040-604A490760D3}"/>
               </a:ext>
             </a:extLst>
           </p:cNvPr>
@@ -6587,149 +6214,20 @@
         </p:blipFill>
         <p:spPr>
           <a:xfrm>
-            <a:off x="411596" y="3900015"/>
-            <a:ext cx="5677705" cy="2400065"/>
+            <a:off x="847489" y="2335564"/>
+            <a:ext cx="2724180" cy="2982679"/>
           </a:xfrm>
           <a:prstGeom prst="rect">
             <a:avLst/>
           </a:prstGeom>
         </p:spPr>
       </p:pic>
-      <p:sp>
-        <p:nvSpPr>
-          <p:cNvPr id="31" name="Rounded Rectangle 30">
+      <p:pic>
+        <p:nvPicPr>
+          <p:cNvPr id="19" name="Picture 18">
             <a:extLst>
               <a:ext uri="{FF2B5EF4-FFF2-40B4-BE49-F238E27FC236}">
-                <a16:creationId xmlns:a16="http://schemas.microsoft.com/office/drawing/2014/main" id="{77991C2F-040F-4461-7FB1-51472D99BCCD}"/>
-              </a:ext>
-            </a:extLst>
-          </p:cNvPr>
-          <p:cNvSpPr/>
-          <p:nvPr/>
-        </p:nvSpPr>
-        <p:spPr>
-          <a:xfrm>
-            <a:off x="6216305" y="3156155"/>
-            <a:ext cx="2445915" cy="3016100"/>
-          </a:xfrm>
-          <a:prstGeom prst="roundRect">
-            <a:avLst/>
-          </a:prstGeom>
-          <a:noFill/>
-          <a:ln w="12700">
-            <a:solidFill>
-              <a:schemeClr val="tx1">
-                <a:lumMod val="50000"/>
-                <a:lumOff val="50000"/>
-              </a:schemeClr>
-            </a:solidFill>
-          </a:ln>
-        </p:spPr>
-        <p:style>
-          <a:lnRef idx="2">
-            <a:schemeClr val="accent1">
-              <a:shade val="50000"/>
-            </a:schemeClr>
-          </a:lnRef>
-          <a:fillRef idx="1">
-            <a:schemeClr val="accent1"/>
-          </a:fillRef>
-          <a:effectRef idx="0">
-            <a:schemeClr val="accent1"/>
-          </a:effectRef>
-          <a:fontRef idx="minor">
-            <a:schemeClr val="lt1"/>
-          </a:fontRef>
-        </p:style>
-        <p:txBody>
-          <a:bodyPr rtlCol="0" anchor="ctr"/>
-          <a:lstStyle/>
-          <a:p>
-            <a:pPr>
-              <a:spcAft>
-                <a:spcPts val="300"/>
-              </a:spcAft>
-            </a:pPr>
-            <a:r>
-              <a:rPr lang="en-US" sz="1200" b="1" dirty="0">
-                <a:solidFill>
-                  <a:srgbClr val="C02B43"/>
-                </a:solidFill>
-              </a:rPr>
-              <a:t>REASON</a:t>
-            </a:r>
-            <a:endParaRPr lang="en-IN" sz="1200" b="1" dirty="0">
-              <a:solidFill>
-                <a:srgbClr val="C02B43"/>
-              </a:solidFill>
-            </a:endParaRPr>
-          </a:p>
-          <a:p>
-            <a:r>
-              <a:rPr lang="en-US" sz="1200" dirty="0">
-                <a:solidFill>
-                  <a:schemeClr val="tx1"/>
-                </a:solidFill>
-              </a:rPr>
-              <a:t>Consider time =          </a:t>
-            </a:r>
-            <a:r>
-              <a:rPr lang="en-US" sz="800" dirty="0">
-                <a:solidFill>
-                  <a:schemeClr val="tx1"/>
-                </a:solidFill>
-              </a:rPr>
-              <a:t> </a:t>
-            </a:r>
-            <a:r>
-              <a:rPr lang="en-US" sz="1200" dirty="0">
-                <a:solidFill>
-                  <a:schemeClr val="tx1"/>
-                </a:solidFill>
-              </a:rPr>
-              <a:t> . Fix a</a:t>
-            </a:r>
-          </a:p>
-          <a:p>
-            <a:r>
-              <a:rPr lang="en-US" sz="1200" dirty="0">
-                <a:solidFill>
-                  <a:schemeClr val="tx1"/>
-                </a:solidFill>
-              </a:rPr>
-              <a:t>distance and let the rate vary. This represents a reciprocal function. As you travel faster</a:t>
-            </a:r>
-            <a:br>
-              <a:rPr lang="en-US" sz="1200" dirty="0">
-                <a:solidFill>
-                  <a:schemeClr val="tx1"/>
-                </a:solidFill>
-              </a:rPr>
-            </a:br>
-            <a:r>
-              <a:rPr lang="en-US" sz="1200" dirty="0">
-                <a:solidFill>
-                  <a:schemeClr val="tx1"/>
-                </a:solidFill>
-              </a:rPr>
-              <a:t>and faster, it takes less time to reach the set distance. But because you have a fixed distance to travel, it will always take some small amount of time to travel it. This represents the horizontal asymptote. Now consider going slower and slower. What does this represent?</a:t>
-            </a:r>
-            <a:endParaRPr lang="en-IN" sz="1200" dirty="0">
-              <a:solidFill>
-                <a:schemeClr val="tx1"/>
-              </a:solidFill>
-              <a:latin typeface="Arial" panose="020B0604020202020204" pitchFamily="34" charset="0"/>
-              <a:cs typeface="Arial" panose="020B0604020202020204" pitchFamily="34" charset="0"/>
-            </a:endParaRPr>
-          </a:p>
-        </p:txBody>
-      </p:sp>
-      <p:pic>
-        <p:nvPicPr>
-          <p:cNvPr id="3" name="Picture 2">
-            <a:extLst>
-              <a:ext uri="{FF2B5EF4-FFF2-40B4-BE49-F238E27FC236}">
-                <a16:creationId xmlns:a16="http://schemas.microsoft.com/office/drawing/2014/main" id="{E94D1F52-5216-8CED-1208-25338754F82A}"/>
+                <a16:creationId xmlns:a16="http://schemas.microsoft.com/office/drawing/2014/main" id="{A031DF4C-1138-4D22-D687-660556BCDB3E}"/>
               </a:ext>
             </a:extLst>
           </p:cNvPr>
@@ -6746,8 +6244,8 @@
         </p:blipFill>
         <p:spPr>
           <a:xfrm>
-            <a:off x="5307596" y="363420"/>
-            <a:ext cx="692148" cy="466342"/>
+            <a:off x="3676882" y="2334506"/>
+            <a:ext cx="2588304" cy="2588304"/>
           </a:xfrm>
           <a:prstGeom prst="rect">
             <a:avLst/>
@@ -6756,10 +6254,10 @@
       </p:pic>
       <p:pic>
         <p:nvPicPr>
-          <p:cNvPr id="5" name="Picture 4">
+          <p:cNvPr id="23" name="Picture 22">
             <a:extLst>
               <a:ext uri="{FF2B5EF4-FFF2-40B4-BE49-F238E27FC236}">
-                <a16:creationId xmlns:a16="http://schemas.microsoft.com/office/drawing/2014/main" id="{367D028D-44E8-B7E5-5018-D54497E3401B}"/>
+                <a16:creationId xmlns:a16="http://schemas.microsoft.com/office/drawing/2014/main" id="{3043536F-1FDB-6D08-8EA0-2871F9855731}"/>
               </a:ext>
             </a:extLst>
           </p:cNvPr>
@@ -6776,8 +6274,8 @@
         </p:blipFill>
         <p:spPr>
           <a:xfrm>
-            <a:off x="7523631" y="3449098"/>
-            <a:ext cx="479452" cy="280294"/>
+            <a:off x="2304872" y="5577407"/>
+            <a:ext cx="3884113" cy="371178"/>
           </a:xfrm>
           <a:prstGeom prst="rect">
             <a:avLst/>
@@ -6787,7 +6285,7 @@
     </p:spTree>
     <p:extLst>
       <p:ext uri="{BB962C8B-B14F-4D97-AF65-F5344CB8AC3E}">
-        <p14:creationId xmlns:p14="http://schemas.microsoft.com/office/powerpoint/2010/main" val="1522227569"/>
+        <p14:creationId xmlns:p14="http://schemas.microsoft.com/office/powerpoint/2010/main" val="2019329500"/>
       </p:ext>
     </p:extLst>
   </p:cSld>
@@ -6802,7 +6300,13 @@
   <p:cSld>
     <p:spTree>
       <p:nvGrpSpPr>
-        <p:cNvPr id="1" name="Shape 173"/>
+        <p:cNvPr id="1" name="Shape 173">
+          <a:extLst>
+            <a:ext uri="{FF2B5EF4-FFF2-40B4-BE49-F238E27FC236}">
+              <a16:creationId xmlns:a16="http://schemas.microsoft.com/office/drawing/2014/main" id="{0CCFCBDD-DFB9-44A7-D515-76A36B018539}"/>
+            </a:ext>
+          </a:extLst>
+        </p:cNvPr>
         <p:cNvGrpSpPr/>
         <p:nvPr/>
       </p:nvGrpSpPr>
@@ -6816,10 +6320,10 @@
       </p:grpSpPr>
       <p:sp>
         <p:nvSpPr>
-          <p:cNvPr id="9" name="Rectangle 8">
+          <p:cNvPr id="6" name="Rectangle 5">
             <a:extLst>
               <a:ext uri="{FF2B5EF4-FFF2-40B4-BE49-F238E27FC236}">
-                <a16:creationId xmlns:a16="http://schemas.microsoft.com/office/drawing/2014/main" id="{881EADAE-7FE3-6195-BFB0-3FAA2BE76B56}"/>
+                <a16:creationId xmlns:a16="http://schemas.microsoft.com/office/drawing/2014/main" id="{081A0B4A-8330-8578-00A6-E25B13BCCF6B}"/>
               </a:ext>
             </a:extLst>
           </p:cNvPr>
@@ -6828,8 +6332,8 @@
         </p:nvSpPr>
         <p:spPr>
           <a:xfrm>
-            <a:off x="452746" y="414142"/>
-            <a:ext cx="1480557" cy="295175"/>
+            <a:off x="452746" y="779139"/>
+            <a:ext cx="1535743" cy="295175"/>
           </a:xfrm>
           <a:prstGeom prst="rect">
             <a:avLst/>
@@ -6869,18 +6373,141 @@
                   <a:schemeClr val="bg1"/>
                 </a:solidFill>
               </a:rPr>
-              <a:t>Example 4</a:t>
+              <a:t>Example 3</a:t>
             </a:r>
             <a:endParaRPr lang="en-US" sz="1800" cap="all" dirty="0"/>
+          </a:p>
+        </p:txBody>
+      </p:sp>
+      <p:sp>
+        <p:nvSpPr>
+          <p:cNvPr id="4" name="TextBox 3">
+            <a:extLst>
+              <a:ext uri="{FF2B5EF4-FFF2-40B4-BE49-F238E27FC236}">
+                <a16:creationId xmlns:a16="http://schemas.microsoft.com/office/drawing/2014/main" id="{7AFC338C-384F-67C9-933E-014709E56CB2}"/>
+              </a:ext>
+            </a:extLst>
+          </p:cNvPr>
+          <p:cNvSpPr txBox="1"/>
+          <p:nvPr/>
+        </p:nvSpPr>
+        <p:spPr>
+          <a:xfrm>
+            <a:off x="355758" y="351587"/>
+            <a:ext cx="8652349" cy="369332"/>
+          </a:xfrm>
+          <a:prstGeom prst="rect">
+            <a:avLst/>
+          </a:prstGeom>
+          <a:noFill/>
+        </p:spPr>
+        <p:txBody>
+          <a:bodyPr wrap="square" rIns="36000" rtlCol="0">
+            <a:spAutoFit/>
+          </a:bodyPr>
+          <a:lstStyle/>
+          <a:p>
+            <a:r>
+              <a:rPr lang="en-IN" sz="1800" b="1" dirty="0">
+                <a:solidFill>
+                  <a:srgbClr val="137F97"/>
+                </a:solidFill>
+              </a:rPr>
+              <a:t>CONCEPTUAL UNDERSTANDING</a:t>
+            </a:r>
+            <a:endParaRPr lang="en-IN" sz="1800" dirty="0">
+              <a:solidFill>
+                <a:srgbClr val="137F97"/>
+              </a:solidFill>
+            </a:endParaRPr>
+          </a:p>
+        </p:txBody>
+      </p:sp>
+      <p:sp>
+        <p:nvSpPr>
+          <p:cNvPr id="18" name="TextBox 17">
+            <a:extLst>
+              <a:ext uri="{FF2B5EF4-FFF2-40B4-BE49-F238E27FC236}">
+                <a16:creationId xmlns:a16="http://schemas.microsoft.com/office/drawing/2014/main" id="{7DA171C3-E233-DE1A-2FBB-33FF9D006478}"/>
+              </a:ext>
+            </a:extLst>
+          </p:cNvPr>
+          <p:cNvSpPr txBox="1"/>
+          <p:nvPr/>
+        </p:nvSpPr>
+        <p:spPr>
+          <a:xfrm>
+            <a:off x="355758" y="728197"/>
+            <a:ext cx="8631371" cy="769441"/>
+          </a:xfrm>
+          <a:prstGeom prst="rect">
+            <a:avLst/>
+          </a:prstGeom>
+          <a:noFill/>
+        </p:spPr>
+        <p:txBody>
+          <a:bodyPr wrap="square" rIns="36000" rtlCol="0">
+            <a:spAutoFit/>
+          </a:bodyPr>
+          <a:lstStyle/>
+          <a:p>
+            <a:pPr>
+              <a:spcAft>
+                <a:spcPts val="1200"/>
+              </a:spcAft>
+              <a:tabLst>
+                <a:tab pos="1584000" algn="l"/>
+              </a:tabLst>
+            </a:pPr>
+            <a:r>
+              <a:rPr lang="en-IN" sz="1800" b="1" dirty="0">
+                <a:solidFill>
+                  <a:srgbClr val="0078AE"/>
+                </a:solidFill>
+              </a:rPr>
+              <a:t>	</a:t>
+            </a:r>
+            <a:r>
+              <a:rPr lang="en-US" sz="1800" b="1" dirty="0">
+                <a:solidFill>
+                  <a:srgbClr val="58585A"/>
+                </a:solidFill>
+              </a:rPr>
+              <a:t>Find Types of Horizontal Asymptotes</a:t>
+            </a:r>
+            <a:endParaRPr lang="en-IN" sz="1800" b="1" dirty="0">
+              <a:solidFill>
+                <a:srgbClr val="58585A"/>
+              </a:solidFill>
+            </a:endParaRPr>
+          </a:p>
+          <a:p>
+            <a:pPr>
+              <a:spcAft>
+                <a:spcPts val="1200"/>
+              </a:spcAft>
+            </a:pPr>
+            <a:r>
+              <a:rPr lang="en-IN" sz="1600" b="1" dirty="0">
+                <a:solidFill>
+                  <a:schemeClr val="tx1"/>
+                </a:solidFill>
+              </a:rPr>
+              <a:t>​</a:t>
+            </a:r>
+            <a:r>
+              <a:rPr lang="en-US" sz="1600" b="1" dirty="0"/>
+              <a:t>What are the horizontal asymptotes for the graph</a:t>
+            </a:r>
           </a:p>
         </p:txBody>
       </p:sp>
       <p:pic>
         <p:nvPicPr>
-          <p:cNvPr id="24" name="Picture 23">
+          <p:cNvPr id="25" name="Picture 24">
             <a:extLst>
               <a:ext uri="{FF2B5EF4-FFF2-40B4-BE49-F238E27FC236}">
-                <a16:creationId xmlns:a16="http://schemas.microsoft.com/office/drawing/2014/main" id="{15BD2807-34C3-99D7-D043-18DF9440FC94}"/>
+                <a16:creationId xmlns:a16="http://schemas.microsoft.com/office/drawing/2014/main" id="{F0E3C248-8B46-C524-A712-E7DA020B2082}"/>
               </a:ext>
             </a:extLst>
           </p:cNvPr>
@@ -6897,99 +6524,20 @@
         </p:blipFill>
         <p:spPr>
           <a:xfrm>
-            <a:off x="3653459" y="910011"/>
-            <a:ext cx="1277353" cy="449681"/>
+            <a:off x="564976" y="2340206"/>
+            <a:ext cx="6351913" cy="685757"/>
           </a:xfrm>
           <a:prstGeom prst="rect">
             <a:avLst/>
           </a:prstGeom>
         </p:spPr>
       </p:pic>
-      <p:sp>
-        <p:nvSpPr>
-          <p:cNvPr id="25" name="TextBox 24">
+      <p:pic>
+        <p:nvPicPr>
+          <p:cNvPr id="27" name="Picture 26">
             <a:extLst>
               <a:ext uri="{FF2B5EF4-FFF2-40B4-BE49-F238E27FC236}">
-                <a16:creationId xmlns:a16="http://schemas.microsoft.com/office/drawing/2014/main" id="{2286C9FA-2F41-C2AB-F250-11ED973BA4A5}"/>
-              </a:ext>
-            </a:extLst>
-          </p:cNvPr>
-          <p:cNvSpPr txBox="1"/>
-          <p:nvPr/>
-        </p:nvSpPr>
-        <p:spPr>
-          <a:xfrm>
-            <a:off x="355758" y="391245"/>
-            <a:ext cx="8335495" cy="897682"/>
-          </a:xfrm>
-          <a:prstGeom prst="rect">
-            <a:avLst/>
-          </a:prstGeom>
-          <a:noFill/>
-        </p:spPr>
-        <p:txBody>
-          <a:bodyPr wrap="square" rIns="36000" rtlCol="0">
-            <a:spAutoFit/>
-          </a:bodyPr>
-          <a:lstStyle/>
-          <a:p>
-            <a:pPr>
-              <a:spcAft>
-                <a:spcPts val="2200"/>
-              </a:spcAft>
-              <a:tabLst>
-                <a:tab pos="1584000" algn="l"/>
-              </a:tabLst>
-            </a:pPr>
-            <a:r>
-              <a:rPr lang="en-IN" sz="1800" b="1" dirty="0">
-                <a:solidFill>
-                  <a:srgbClr val="0078AE"/>
-                </a:solidFill>
-              </a:rPr>
-              <a:t>	</a:t>
-            </a:r>
-            <a:r>
-              <a:rPr lang="en-US" sz="1800" b="1" dirty="0">
-                <a:solidFill>
-                  <a:srgbClr val="58585A"/>
-                </a:solidFill>
-              </a:rPr>
-              <a:t>Graph a Function of the Form</a:t>
-            </a:r>
-            <a:endParaRPr lang="en-IN" sz="1800" b="1" dirty="0">
-              <a:solidFill>
-                <a:srgbClr val="58585A"/>
-              </a:solidFill>
-            </a:endParaRPr>
-          </a:p>
-          <a:p>
-            <a:pPr>
-              <a:spcAft>
-                <a:spcPts val="1200"/>
-              </a:spcAft>
-            </a:pPr>
-            <a:r>
-              <a:rPr lang="en-IN" sz="1600" b="1" dirty="0">
-                <a:solidFill>
-                  <a:schemeClr val="tx1"/>
-                </a:solidFill>
-              </a:rPr>
-              <a:t>​</a:t>
-            </a:r>
-            <a:r>
-              <a:rPr lang="en-US" sz="1600" b="1" dirty="0"/>
-              <a:t>What is the graph of the function</a:t>
-            </a:r>
-          </a:p>
-        </p:txBody>
-      </p:sp>
-      <p:pic>
-        <p:nvPicPr>
-          <p:cNvPr id="6" name="Picture 5">
-            <a:extLst>
-              <a:ext uri="{FF2B5EF4-FFF2-40B4-BE49-F238E27FC236}">
-                <a16:creationId xmlns:a16="http://schemas.microsoft.com/office/drawing/2014/main" id="{C6F61FEE-FE00-7F8B-2065-5AFCA69F90CB}"/>
+                <a16:creationId xmlns:a16="http://schemas.microsoft.com/office/drawing/2014/main" id="{E614445A-C805-8336-D4CA-50C04593A49C}"/>
               </a:ext>
             </a:extLst>
           </p:cNvPr>
@@ -7006,8 +6554,8 @@
         </p:blipFill>
         <p:spPr>
           <a:xfrm>
-            <a:off x="2722575" y="3705745"/>
-            <a:ext cx="2956397" cy="2553522"/>
+            <a:off x="564976" y="3530517"/>
+            <a:ext cx="3658748" cy="278383"/>
           </a:xfrm>
           <a:prstGeom prst="rect">
             <a:avLst/>
@@ -7016,10 +6564,10 @@
       </p:pic>
       <p:pic>
         <p:nvPicPr>
-          <p:cNvPr id="5" name="Picture 4">
+          <p:cNvPr id="14" name="Picture 13">
             <a:extLst>
               <a:ext uri="{FF2B5EF4-FFF2-40B4-BE49-F238E27FC236}">
-                <a16:creationId xmlns:a16="http://schemas.microsoft.com/office/drawing/2014/main" id="{900058D5-99CF-06FB-2288-8004963AC096}"/>
+                <a16:creationId xmlns:a16="http://schemas.microsoft.com/office/drawing/2014/main" id="{634051EC-15E4-144D-8C7D-C01611CA149E}"/>
               </a:ext>
             </a:extLst>
           </p:cNvPr>
@@ -7036,68 +6584,8 @@
         </p:blipFill>
         <p:spPr>
           <a:xfrm>
-            <a:off x="378859" y="1416364"/>
-            <a:ext cx="2645946" cy="273719"/>
-          </a:xfrm>
-          <a:prstGeom prst="rect">
-            <a:avLst/>
-          </a:prstGeom>
-        </p:spPr>
-      </p:pic>
-      <p:pic>
-        <p:nvPicPr>
-          <p:cNvPr id="8" name="Picture 7">
-            <a:extLst>
-              <a:ext uri="{FF2B5EF4-FFF2-40B4-BE49-F238E27FC236}">
-                <a16:creationId xmlns:a16="http://schemas.microsoft.com/office/drawing/2014/main" id="{C6CE16C0-20CC-22FB-5AD9-AF9891B70FEE}"/>
-              </a:ext>
-            </a:extLst>
-          </p:cNvPr>
-          <p:cNvPicPr>
-            <a:picLocks noChangeAspect="1"/>
-          </p:cNvPicPr>
-          <p:nvPr/>
-        </p:nvPicPr>
-        <p:blipFill>
-          <a:blip r:embed="rId6"/>
-          <a:stretch>
-            <a:fillRect/>
-          </a:stretch>
-        </p:blipFill>
-        <p:spPr>
-          <a:xfrm>
-            <a:off x="1097165" y="1755973"/>
-            <a:ext cx="6870023" cy="1814338"/>
-          </a:xfrm>
-          <a:prstGeom prst="rect">
-            <a:avLst/>
-          </a:prstGeom>
-        </p:spPr>
-      </p:pic>
-      <p:pic>
-        <p:nvPicPr>
-          <p:cNvPr id="10" name="Picture 9">
-            <a:extLst>
-              <a:ext uri="{FF2B5EF4-FFF2-40B4-BE49-F238E27FC236}">
-                <a16:creationId xmlns:a16="http://schemas.microsoft.com/office/drawing/2014/main" id="{9EC2DC3B-7D88-7BCB-6BC8-C98DEB876058}"/>
-              </a:ext>
-            </a:extLst>
-          </p:cNvPr>
-          <p:cNvPicPr>
-            <a:picLocks noChangeAspect="1"/>
-          </p:cNvPicPr>
-          <p:nvPr/>
-        </p:nvPicPr>
-        <p:blipFill>
-          <a:blip r:embed="rId7"/>
-          <a:stretch>
-            <a:fillRect/>
-          </a:stretch>
-        </p:blipFill>
-        <p:spPr>
-          <a:xfrm>
-            <a:off x="5307596" y="363420"/>
-            <a:ext cx="692148" cy="466342"/>
+            <a:off x="5235798" y="1110993"/>
+            <a:ext cx="2213546" cy="585467"/>
           </a:xfrm>
           <a:prstGeom prst="rect">
             <a:avLst/>
@@ -7107,7 +6595,7 @@
     </p:spTree>
     <p:extLst>
       <p:ext uri="{BB962C8B-B14F-4D97-AF65-F5344CB8AC3E}">
-        <p14:creationId xmlns:p14="http://schemas.microsoft.com/office/powerpoint/2010/main" val="4103303635"/>
+        <p14:creationId xmlns:p14="http://schemas.microsoft.com/office/powerpoint/2010/main" val="1109496077"/>
       </p:ext>
     </p:extLst>
   </p:cSld>
@@ -7118,1211 +6606,6 @@
 </file>
 
 <file path=ppt/slides/slide12.xml><?xml version="1.0" encoding="utf-8"?>
-<p:sld xmlns:a="http://schemas.openxmlformats.org/drawingml/2006/main" xmlns:r="http://schemas.openxmlformats.org/officeDocument/2006/relationships" xmlns:p="http://schemas.openxmlformats.org/presentationml/2006/main">
-  <p:cSld>
-    <p:spTree>
-      <p:nvGrpSpPr>
-        <p:cNvPr id="1" name="Shape 173"/>
-        <p:cNvGrpSpPr/>
-        <p:nvPr/>
-      </p:nvGrpSpPr>
-      <p:grpSpPr>
-        <a:xfrm>
-          <a:off x="0" y="0"/>
-          <a:ext cx="0" cy="0"/>
-          <a:chOff x="0" y="0"/>
-          <a:chExt cx="0" cy="0"/>
-        </a:xfrm>
-      </p:grpSpPr>
-      <p:sp>
-        <p:nvSpPr>
-          <p:cNvPr id="3" name="TextBox 2">
-            <a:extLst>
-              <a:ext uri="{FF2B5EF4-FFF2-40B4-BE49-F238E27FC236}">
-                <a16:creationId xmlns:a16="http://schemas.microsoft.com/office/drawing/2014/main" id="{5AA54056-256D-20D1-2B09-35BBEF677351}"/>
-              </a:ext>
-            </a:extLst>
-          </p:cNvPr>
-          <p:cNvSpPr txBox="1"/>
-          <p:nvPr/>
-        </p:nvSpPr>
-        <p:spPr>
-          <a:xfrm>
-            <a:off x="355759" y="430002"/>
-            <a:ext cx="8304028" cy="2282676"/>
-          </a:xfrm>
-          <a:prstGeom prst="rect">
-            <a:avLst/>
-          </a:prstGeom>
-          <a:noFill/>
-        </p:spPr>
-        <p:txBody>
-          <a:bodyPr wrap="square" rIns="36000" rtlCol="0">
-            <a:spAutoFit/>
-          </a:bodyPr>
-          <a:lstStyle/>
-          <a:p>
-            <a:pPr>
-              <a:spcAft>
-                <a:spcPts val="2000"/>
-              </a:spcAft>
-              <a:tabLst>
-                <a:tab pos="1584000" algn="l"/>
-              </a:tabLst>
-            </a:pPr>
-            <a:r>
-              <a:rPr lang="en-IN" sz="1800" b="1" dirty="0">
-                <a:solidFill>
-                  <a:srgbClr val="0078AE"/>
-                </a:solidFill>
-              </a:rPr>
-              <a:t>	</a:t>
-            </a:r>
-            <a:r>
-              <a:rPr lang="en-US" sz="1800" b="1" dirty="0">
-                <a:solidFill>
-                  <a:srgbClr val="58585A"/>
-                </a:solidFill>
-              </a:rPr>
-              <a:t>Graph a Function of the Form</a:t>
-            </a:r>
-            <a:endParaRPr lang="en-IN" sz="1800" b="1" dirty="0">
-              <a:solidFill>
-                <a:srgbClr val="58585A"/>
-              </a:solidFill>
-            </a:endParaRPr>
-          </a:p>
-          <a:p>
-            <a:pPr marL="1476375" indent="-1466850">
-              <a:spcAft>
-                <a:spcPts val="600"/>
-              </a:spcAft>
-              <a:tabLst>
-                <a:tab pos="1062038" algn="l"/>
-                <a:tab pos="1465263" algn="l"/>
-              </a:tabLst>
-            </a:pPr>
-            <a:r>
-              <a:rPr lang="en-IN" sz="1800" b="1" dirty="0">
-                <a:solidFill>
-                  <a:srgbClr val="D92B31"/>
-                </a:solidFill>
-              </a:rPr>
-              <a:t>Try It!</a:t>
-            </a:r>
-            <a:endParaRPr lang="en-IN" sz="1800" b="1" dirty="0">
-              <a:solidFill>
-                <a:schemeClr val="tx1"/>
-              </a:solidFill>
-            </a:endParaRPr>
-          </a:p>
-          <a:p>
-            <a:pPr marL="342900" indent="-342900">
-              <a:spcAft>
-                <a:spcPts val="1200"/>
-              </a:spcAft>
-              <a:buFont typeface="+mj-lt"/>
-              <a:buAutoNum type="arabicPeriod" startAt="4"/>
-            </a:pPr>
-            <a:r>
-              <a:rPr lang="en-IN" sz="1600" b="1" dirty="0"/>
-              <a:t>​</a:t>
-            </a:r>
-            <a:r>
-              <a:rPr lang="en-US" sz="1600" dirty="0"/>
-              <a:t>Graph each function.</a:t>
-            </a:r>
-          </a:p>
-          <a:p>
-            <a:pPr marL="720000" indent="-360000">
-              <a:spcAft>
-                <a:spcPts val="3200"/>
-              </a:spcAft>
-              <a:buAutoNum type="alphaLcPeriod"/>
-              <a:tabLst>
-                <a:tab pos="1103313" algn="l"/>
-              </a:tabLst>
-            </a:pPr>
-            <a:r>
-              <a:rPr lang="en-IN" sz="1600" b="1" dirty="0"/>
-              <a:t>​</a:t>
-            </a:r>
-          </a:p>
-          <a:p>
-            <a:pPr marL="702900" indent="-342900">
-              <a:spcAft>
-                <a:spcPts val="2700"/>
-              </a:spcAft>
-              <a:buFont typeface="+mj-lt"/>
-              <a:buAutoNum type="alphaLcPeriod"/>
-              <a:tabLst>
-                <a:tab pos="1103313" algn="l"/>
-              </a:tabLst>
-            </a:pPr>
-            <a:r>
-              <a:rPr lang="en-IN" sz="1600" b="1" dirty="0"/>
-              <a:t>​</a:t>
-            </a:r>
-          </a:p>
-        </p:txBody>
-      </p:sp>
-      <p:sp>
-        <p:nvSpPr>
-          <p:cNvPr id="4" name="Rectangle 3">
-            <a:extLst>
-              <a:ext uri="{FF2B5EF4-FFF2-40B4-BE49-F238E27FC236}">
-                <a16:creationId xmlns:a16="http://schemas.microsoft.com/office/drawing/2014/main" id="{78E23DB9-47BB-834D-B2FE-E0F1BFFDC632}"/>
-              </a:ext>
-            </a:extLst>
-          </p:cNvPr>
-          <p:cNvSpPr/>
-          <p:nvPr/>
-        </p:nvSpPr>
-        <p:spPr>
-          <a:xfrm>
-            <a:off x="452746" y="464612"/>
-            <a:ext cx="1480557" cy="295175"/>
-          </a:xfrm>
-          <a:prstGeom prst="rect">
-            <a:avLst/>
-          </a:prstGeom>
-          <a:solidFill>
-            <a:srgbClr val="1A4F8D"/>
-          </a:solidFill>
-          <a:ln>
-            <a:noFill/>
-          </a:ln>
-        </p:spPr>
-        <p:style>
-          <a:lnRef idx="2">
-            <a:schemeClr val="accent1">
-              <a:shade val="50000"/>
-            </a:schemeClr>
-          </a:lnRef>
-          <a:fillRef idx="1">
-            <a:schemeClr val="accent1"/>
-          </a:fillRef>
-          <a:effectRef idx="0">
-            <a:schemeClr val="accent1"/>
-          </a:effectRef>
-          <a:fontRef idx="minor">
-            <a:schemeClr val="lt1"/>
-          </a:fontRef>
-        </p:style>
-        <p:txBody>
-          <a:bodyPr wrap="square" tIns="0" bIns="18000" rtlCol="0" anchor="ctr">
-            <a:spAutoFit/>
-          </a:bodyPr>
-          <a:lstStyle/>
-          <a:p>
-            <a:r>
-              <a:rPr lang="en-IN" sz="1800" b="1" cap="all" dirty="0">
-                <a:solidFill>
-                  <a:schemeClr val="bg1"/>
-                </a:solidFill>
-              </a:rPr>
-              <a:t>Example 4</a:t>
-            </a:r>
-            <a:endParaRPr lang="en-US" sz="1800" cap="all" dirty="0"/>
-          </a:p>
-        </p:txBody>
-      </p:sp>
-      <p:cxnSp>
-        <p:nvCxnSpPr>
-          <p:cNvPr id="5" name="Straight Connector 4">
-            <a:extLst>
-              <a:ext uri="{FF2B5EF4-FFF2-40B4-BE49-F238E27FC236}">
-                <a16:creationId xmlns:a16="http://schemas.microsoft.com/office/drawing/2014/main" id="{3E56A6C3-98C4-8843-F746-9A1C14B208B4}"/>
-              </a:ext>
-            </a:extLst>
-          </p:cNvPr>
-          <p:cNvCxnSpPr/>
-          <p:nvPr/>
-        </p:nvCxnSpPr>
-        <p:spPr>
-          <a:xfrm>
-            <a:off x="425301" y="894900"/>
-            <a:ext cx="8304028" cy="0"/>
-          </a:xfrm>
-          <a:prstGeom prst="line">
-            <a:avLst/>
-          </a:prstGeom>
-          <a:ln w="25400">
-            <a:solidFill>
-              <a:srgbClr val="0078AE"/>
-            </a:solidFill>
-            <a:prstDash val="dash"/>
-          </a:ln>
-        </p:spPr>
-        <p:style>
-          <a:lnRef idx="1">
-            <a:schemeClr val="accent1"/>
-          </a:lnRef>
-          <a:fillRef idx="0">
-            <a:schemeClr val="accent1"/>
-          </a:fillRef>
-          <a:effectRef idx="0">
-            <a:schemeClr val="accent1"/>
-          </a:effectRef>
-          <a:fontRef idx="minor">
-            <a:schemeClr val="tx1"/>
-          </a:fontRef>
-        </p:style>
-      </p:cxnSp>
-      <p:pic>
-        <p:nvPicPr>
-          <p:cNvPr id="6" name="Picture 5">
-            <a:extLst>
-              <a:ext uri="{FF2B5EF4-FFF2-40B4-BE49-F238E27FC236}">
-                <a16:creationId xmlns:a16="http://schemas.microsoft.com/office/drawing/2014/main" id="{A86573D9-60B8-5151-F1B2-8574B326C678}"/>
-              </a:ext>
-            </a:extLst>
-          </p:cNvPr>
-          <p:cNvPicPr>
-            <a:picLocks noChangeAspect="1"/>
-          </p:cNvPicPr>
-          <p:nvPr/>
-        </p:nvPicPr>
-        <p:blipFill>
-          <a:blip r:embed="rId3"/>
-          <a:stretch>
-            <a:fillRect/>
-          </a:stretch>
-        </p:blipFill>
-        <p:spPr>
-          <a:xfrm>
-            <a:off x="1119816" y="1641046"/>
-            <a:ext cx="1425529" cy="599371"/>
-          </a:xfrm>
-          <a:prstGeom prst="rect">
-            <a:avLst/>
-          </a:prstGeom>
-        </p:spPr>
-      </p:pic>
-      <p:pic>
-        <p:nvPicPr>
-          <p:cNvPr id="8" name="Picture 7">
-            <a:extLst>
-              <a:ext uri="{FF2B5EF4-FFF2-40B4-BE49-F238E27FC236}">
-                <a16:creationId xmlns:a16="http://schemas.microsoft.com/office/drawing/2014/main" id="{2044C189-322F-1D88-EA9C-9AEA7610B26F}"/>
-              </a:ext>
-            </a:extLst>
-          </p:cNvPr>
-          <p:cNvPicPr>
-            <a:picLocks noChangeAspect="1"/>
-          </p:cNvPicPr>
-          <p:nvPr/>
-        </p:nvPicPr>
-        <p:blipFill>
-          <a:blip r:embed="rId4"/>
-          <a:stretch>
-            <a:fillRect/>
-          </a:stretch>
-        </p:blipFill>
-        <p:spPr>
-          <a:xfrm>
-            <a:off x="1134165" y="2285920"/>
-            <a:ext cx="1436329" cy="599371"/>
-          </a:xfrm>
-          <a:prstGeom prst="rect">
-            <a:avLst/>
-          </a:prstGeom>
-        </p:spPr>
-      </p:pic>
-      <p:pic>
-        <p:nvPicPr>
-          <p:cNvPr id="16" name="Picture 15">
-            <a:extLst>
-              <a:ext uri="{FF2B5EF4-FFF2-40B4-BE49-F238E27FC236}">
-                <a16:creationId xmlns:a16="http://schemas.microsoft.com/office/drawing/2014/main" id="{2CA09FF6-A427-A7FC-F284-62BF39DFB905}"/>
-              </a:ext>
-            </a:extLst>
-          </p:cNvPr>
-          <p:cNvPicPr>
-            <a:picLocks noChangeAspect="1"/>
-          </p:cNvPicPr>
-          <p:nvPr/>
-        </p:nvPicPr>
-        <p:blipFill>
-          <a:blip r:embed="rId5"/>
-          <a:stretch>
-            <a:fillRect/>
-          </a:stretch>
-        </p:blipFill>
-        <p:spPr>
-          <a:xfrm>
-            <a:off x="5329900" y="396873"/>
-            <a:ext cx="692148" cy="466342"/>
-          </a:xfrm>
-          <a:prstGeom prst="rect">
-            <a:avLst/>
-          </a:prstGeom>
-        </p:spPr>
-      </p:pic>
-    </p:spTree>
-    <p:extLst>
-      <p:ext uri="{BB962C8B-B14F-4D97-AF65-F5344CB8AC3E}">
-        <p14:creationId xmlns:p14="http://schemas.microsoft.com/office/powerpoint/2010/main" val="3377118127"/>
-      </p:ext>
-    </p:extLst>
-  </p:cSld>
-  <p:clrMapOvr>
-    <a:masterClrMapping/>
-  </p:clrMapOvr>
-</p:sld>
-</file>
-
-<file path=ppt/slides/slide13.xml><?xml version="1.0" encoding="utf-8"?>
-<p:sld xmlns:a="http://schemas.openxmlformats.org/drawingml/2006/main" xmlns:r="http://schemas.openxmlformats.org/officeDocument/2006/relationships" xmlns:p="http://schemas.openxmlformats.org/presentationml/2006/main">
-  <p:cSld>
-    <p:spTree>
-      <p:nvGrpSpPr>
-        <p:cNvPr id="1" name="Shape 173"/>
-        <p:cNvGrpSpPr/>
-        <p:nvPr/>
-      </p:nvGrpSpPr>
-      <p:grpSpPr>
-        <a:xfrm>
-          <a:off x="0" y="0"/>
-          <a:ext cx="0" cy="0"/>
-          <a:chOff x="0" y="0"/>
-          <a:chExt cx="0" cy="0"/>
-        </a:xfrm>
-      </p:grpSpPr>
-      <p:sp>
-        <p:nvSpPr>
-          <p:cNvPr id="8" name="TextBox 7">
-            <a:extLst>
-              <a:ext uri="{FF2B5EF4-FFF2-40B4-BE49-F238E27FC236}">
-                <a16:creationId xmlns:a16="http://schemas.microsoft.com/office/drawing/2014/main" id="{6E8F0502-F26D-4842-97A7-E6A7B55ABA0B}"/>
-              </a:ext>
-            </a:extLst>
-          </p:cNvPr>
-          <p:cNvSpPr txBox="1"/>
-          <p:nvPr/>
-        </p:nvSpPr>
-        <p:spPr>
-          <a:xfrm>
-            <a:off x="355758" y="715711"/>
-            <a:ext cx="8321209" cy="5704126"/>
-          </a:xfrm>
-          <a:prstGeom prst="rect">
-            <a:avLst/>
-          </a:prstGeom>
-          <a:noFill/>
-        </p:spPr>
-        <p:txBody>
-          <a:bodyPr wrap="square" rIns="36000" rtlCol="0">
-            <a:spAutoFit/>
-          </a:bodyPr>
-          <a:lstStyle/>
-          <a:p>
-            <a:pPr>
-              <a:spcAft>
-                <a:spcPts val="1000"/>
-              </a:spcAft>
-              <a:tabLst>
-                <a:tab pos="1584000" algn="l"/>
-              </a:tabLst>
-            </a:pPr>
-            <a:r>
-              <a:rPr lang="en-IN" sz="1800" b="1" dirty="0">
-                <a:solidFill>
-                  <a:srgbClr val="0078AE"/>
-                </a:solidFill>
-              </a:rPr>
-              <a:t>	</a:t>
-            </a:r>
-            <a:r>
-              <a:rPr lang="en-US" sz="1800" b="1" dirty="0">
-                <a:solidFill>
-                  <a:srgbClr val="58585A"/>
-                </a:solidFill>
-              </a:rPr>
-              <a:t>Use a Rational Function Model</a:t>
-            </a:r>
-            <a:endParaRPr lang="en-IN" sz="1800" b="1" dirty="0">
-              <a:solidFill>
-                <a:srgbClr val="58585A"/>
-              </a:solidFill>
-            </a:endParaRPr>
-          </a:p>
-          <a:p>
-            <a:pPr>
-              <a:spcAft>
-                <a:spcPts val="600"/>
-              </a:spcAft>
-            </a:pPr>
-            <a:r>
-              <a:rPr lang="en-IN" sz="1600" b="1" dirty="0">
-                <a:solidFill>
-                  <a:schemeClr val="tx1"/>
-                </a:solidFill>
-              </a:rPr>
-              <a:t>​</a:t>
-            </a:r>
-            <a:r>
-              <a:rPr lang="en-US" sz="1600" b="1" dirty="0">
-                <a:solidFill>
-                  <a:srgbClr val="58585A"/>
-                </a:solidFill>
-              </a:rPr>
-              <a:t>Formulate</a:t>
-            </a:r>
-          </a:p>
-          <a:p>
-            <a:r>
-              <a:rPr lang="en-US" sz="1600" dirty="0"/>
-              <a:t>The adult dosage is 125 mcg, so the dosage for a child a years old is </a:t>
-            </a:r>
-            <a:br>
-              <a:rPr lang="en-US" sz="1600" dirty="0"/>
-            </a:br>
-            <a:r>
-              <a:rPr lang="en-US" sz="1600" dirty="0"/>
-              <a:t>A child can receive the medication if </a:t>
-            </a:r>
-            <a:r>
-              <a:rPr lang="en-US" sz="1600" i="1" dirty="0"/>
-              <a:t>D</a:t>
-            </a:r>
-            <a:r>
-              <a:rPr lang="en-US" sz="1600" dirty="0"/>
-              <a:t>(</a:t>
-            </a:r>
-            <a:r>
-              <a:rPr lang="en-US" sz="1600" i="1" dirty="0"/>
-              <a:t>a</a:t>
-            </a:r>
-            <a:r>
-              <a:rPr lang="en-US" sz="1600" dirty="0"/>
-              <a:t>) ≥ 60.</a:t>
-            </a:r>
-          </a:p>
-          <a:p>
-            <a:pPr>
-              <a:spcBef>
-                <a:spcPts val="1200"/>
-              </a:spcBef>
-              <a:spcAft>
-                <a:spcPts val="600"/>
-              </a:spcAft>
-            </a:pPr>
-            <a:r>
-              <a:rPr lang="en-US" sz="1600" b="1" dirty="0">
-                <a:solidFill>
-                  <a:srgbClr val="58585A"/>
-                </a:solidFill>
-              </a:rPr>
-              <a:t>Compute</a:t>
-            </a:r>
-          </a:p>
-          <a:p>
-            <a:pPr>
-              <a:spcAft>
-                <a:spcPts val="600"/>
-              </a:spcAft>
-            </a:pPr>
-            <a:r>
-              <a:rPr lang="en-US" sz="1600" dirty="0"/>
-              <a:t>Graph the function using technology. Then graph the line </a:t>
-            </a:r>
-            <a:r>
-              <a:rPr lang="en-US" sz="1600" i="1" dirty="0"/>
-              <a:t>y</a:t>
-            </a:r>
-            <a:r>
-              <a:rPr lang="en-US" sz="1600" dirty="0"/>
-              <a:t> = 60. You can solve the inequality </a:t>
-            </a:r>
-            <a:r>
-              <a:rPr lang="en-US" sz="1600" i="1" dirty="0"/>
-              <a:t>D</a:t>
-            </a:r>
-            <a:r>
-              <a:rPr lang="en-US" sz="1600" dirty="0"/>
-              <a:t>(</a:t>
-            </a:r>
-            <a:r>
-              <a:rPr lang="en-US" sz="1600" i="1" dirty="0"/>
-              <a:t>a</a:t>
-            </a:r>
-            <a:r>
-              <a:rPr lang="en-US" sz="1600" dirty="0"/>
-              <a:t>) ≥ 60 by finding the intersection point of the two graphs.</a:t>
-            </a:r>
-          </a:p>
-          <a:p>
-            <a:pPr>
-              <a:spcAft>
-                <a:spcPts val="600"/>
-              </a:spcAft>
-            </a:pPr>
-            <a:endParaRPr lang="en-US" sz="1600" dirty="0"/>
-          </a:p>
-          <a:p>
-            <a:pPr>
-              <a:spcAft>
-                <a:spcPts val="600"/>
-              </a:spcAft>
-            </a:pPr>
-            <a:endParaRPr lang="en-US" sz="1600" dirty="0"/>
-          </a:p>
-          <a:p>
-            <a:pPr>
-              <a:spcAft>
-                <a:spcPts val="600"/>
-              </a:spcAft>
-            </a:pPr>
-            <a:endParaRPr lang="en-US" sz="1600" dirty="0"/>
-          </a:p>
-          <a:p>
-            <a:pPr>
-              <a:spcAft>
-                <a:spcPts val="600"/>
-              </a:spcAft>
-            </a:pPr>
-            <a:endParaRPr lang="en-US" sz="1600" dirty="0"/>
-          </a:p>
-          <a:p>
-            <a:pPr>
-              <a:spcAft>
-                <a:spcPts val="600"/>
-              </a:spcAft>
-            </a:pPr>
-            <a:endParaRPr lang="en-US" sz="1600" dirty="0"/>
-          </a:p>
-          <a:p>
-            <a:pPr>
-              <a:spcAft>
-                <a:spcPts val="600"/>
-              </a:spcAft>
-            </a:pPr>
-            <a:endParaRPr lang="en-US" sz="1600" dirty="0"/>
-          </a:p>
-          <a:p>
-            <a:pPr>
-              <a:spcBef>
-                <a:spcPts val="2800"/>
-              </a:spcBef>
-            </a:pPr>
-            <a:r>
-              <a:rPr lang="en-US" sz="1600" dirty="0"/>
-              <a:t>The solution to the inequality </a:t>
-            </a:r>
-            <a:r>
-              <a:rPr lang="en-US" sz="1600" i="1" dirty="0"/>
-              <a:t>D</a:t>
-            </a:r>
-            <a:r>
-              <a:rPr lang="en-US" sz="1600" dirty="0"/>
-              <a:t>(</a:t>
-            </a:r>
-            <a:r>
-              <a:rPr lang="en-US" sz="1600" i="1" dirty="0"/>
-              <a:t>a</a:t>
-            </a:r>
-            <a:r>
-              <a:rPr lang="en-US" sz="1600" dirty="0"/>
-              <a:t>) ≥ 60 is approximately </a:t>
-            </a:r>
-            <a:r>
-              <a:rPr lang="en-US" sz="1600" i="1" dirty="0"/>
-              <a:t>a</a:t>
-            </a:r>
-            <a:r>
-              <a:rPr lang="en-US" sz="1600" dirty="0"/>
-              <a:t> ≥ 11.1.</a:t>
-            </a:r>
-          </a:p>
-          <a:p>
-            <a:pPr>
-              <a:spcBef>
-                <a:spcPts val="1200"/>
-              </a:spcBef>
-              <a:spcAft>
-                <a:spcPts val="600"/>
-              </a:spcAft>
-            </a:pPr>
-            <a:r>
-              <a:rPr lang="en-US" sz="1600" b="1" dirty="0">
-                <a:solidFill>
-                  <a:srgbClr val="58585A"/>
-                </a:solidFill>
-              </a:rPr>
-              <a:t>Interpret</a:t>
-            </a:r>
-          </a:p>
-          <a:p>
-            <a:pPr>
-              <a:spcAft>
-                <a:spcPts val="600"/>
-              </a:spcAft>
-            </a:pPr>
-            <a:r>
-              <a:rPr lang="en-US" sz="1600" dirty="0"/>
-              <a:t>A child 11.1 years old or older will be able to receive the medication.</a:t>
-            </a:r>
-            <a:endParaRPr lang="en-US" sz="1600" b="1" dirty="0"/>
-          </a:p>
-        </p:txBody>
-      </p:sp>
-      <p:sp>
-        <p:nvSpPr>
-          <p:cNvPr id="9" name="Rectangle 8">
-            <a:extLst>
-              <a:ext uri="{FF2B5EF4-FFF2-40B4-BE49-F238E27FC236}">
-                <a16:creationId xmlns:a16="http://schemas.microsoft.com/office/drawing/2014/main" id="{33341DDE-51A7-BB4A-A5D0-B99BDB557C68}"/>
-              </a:ext>
-            </a:extLst>
-          </p:cNvPr>
-          <p:cNvSpPr/>
-          <p:nvPr/>
-        </p:nvSpPr>
-        <p:spPr>
-          <a:xfrm>
-            <a:off x="452746" y="758272"/>
-            <a:ext cx="1480557" cy="295175"/>
-          </a:xfrm>
-          <a:prstGeom prst="rect">
-            <a:avLst/>
-          </a:prstGeom>
-          <a:solidFill>
-            <a:srgbClr val="1A4F8D"/>
-          </a:solidFill>
-          <a:ln>
-            <a:noFill/>
-          </a:ln>
-        </p:spPr>
-        <p:style>
-          <a:lnRef idx="2">
-            <a:schemeClr val="accent1">
-              <a:shade val="50000"/>
-            </a:schemeClr>
-          </a:lnRef>
-          <a:fillRef idx="1">
-            <a:schemeClr val="accent1"/>
-          </a:fillRef>
-          <a:effectRef idx="0">
-            <a:schemeClr val="accent1"/>
-          </a:effectRef>
-          <a:fontRef idx="minor">
-            <a:schemeClr val="lt1"/>
-          </a:fontRef>
-        </p:style>
-        <p:txBody>
-          <a:bodyPr wrap="square" tIns="0" bIns="18000" rtlCol="0" anchor="ctr">
-            <a:spAutoFit/>
-          </a:bodyPr>
-          <a:lstStyle/>
-          <a:p>
-            <a:r>
-              <a:rPr lang="en-IN" sz="1800" b="1" cap="all" dirty="0">
-                <a:solidFill>
-                  <a:schemeClr val="bg1"/>
-                </a:solidFill>
-              </a:rPr>
-              <a:t>Example 5</a:t>
-            </a:r>
-            <a:endParaRPr lang="en-US" sz="1800" cap="all" dirty="0"/>
-          </a:p>
-        </p:txBody>
-      </p:sp>
-      <p:sp>
-        <p:nvSpPr>
-          <p:cNvPr id="10" name="TextBox 9">
-            <a:extLst>
-              <a:ext uri="{FF2B5EF4-FFF2-40B4-BE49-F238E27FC236}">
-                <a16:creationId xmlns:a16="http://schemas.microsoft.com/office/drawing/2014/main" id="{CF7BF34E-75A2-C0A7-2BE5-157554C3135A}"/>
-              </a:ext>
-            </a:extLst>
-          </p:cNvPr>
-          <p:cNvSpPr txBox="1"/>
-          <p:nvPr/>
-        </p:nvSpPr>
-        <p:spPr>
-          <a:xfrm>
-            <a:off x="355758" y="351588"/>
-            <a:ext cx="8341433" cy="369332"/>
-          </a:xfrm>
-          <a:prstGeom prst="rect">
-            <a:avLst/>
-          </a:prstGeom>
-          <a:noFill/>
-        </p:spPr>
-        <p:txBody>
-          <a:bodyPr wrap="square" rIns="36000" rtlCol="0">
-            <a:spAutoFit/>
-          </a:bodyPr>
-          <a:lstStyle/>
-          <a:p>
-            <a:r>
-              <a:rPr lang="en-IN" sz="1800" b="1" dirty="0">
-                <a:solidFill>
-                  <a:srgbClr val="137F97"/>
-                </a:solidFill>
-              </a:rPr>
-              <a:t>APPLICATION</a:t>
-            </a:r>
-            <a:endParaRPr lang="en-IN" sz="1800" dirty="0">
-              <a:solidFill>
-                <a:srgbClr val="137F97"/>
-              </a:solidFill>
-            </a:endParaRPr>
-          </a:p>
-        </p:txBody>
-      </p:sp>
-      <p:pic>
-        <p:nvPicPr>
-          <p:cNvPr id="3" name="Picture 2">
-            <a:extLst>
-              <a:ext uri="{FF2B5EF4-FFF2-40B4-BE49-F238E27FC236}">
-                <a16:creationId xmlns:a16="http://schemas.microsoft.com/office/drawing/2014/main" id="{1BA59121-7A8F-563F-B5FC-47A728B777CA}"/>
-              </a:ext>
-            </a:extLst>
-          </p:cNvPr>
-          <p:cNvPicPr>
-            <a:picLocks noChangeAspect="1"/>
-          </p:cNvPicPr>
-          <p:nvPr/>
-        </p:nvPicPr>
-        <p:blipFill>
-          <a:blip r:embed="rId3"/>
-          <a:stretch>
-            <a:fillRect/>
-          </a:stretch>
-        </p:blipFill>
-        <p:spPr>
-          <a:xfrm>
-            <a:off x="2261372" y="2998596"/>
-            <a:ext cx="4313803" cy="2172646"/>
-          </a:xfrm>
-          <a:prstGeom prst="rect">
-            <a:avLst/>
-          </a:prstGeom>
-        </p:spPr>
-      </p:pic>
-      <p:pic>
-        <p:nvPicPr>
-          <p:cNvPr id="6" name="Picture 5">
-            <a:extLst>
-              <a:ext uri="{FF2B5EF4-FFF2-40B4-BE49-F238E27FC236}">
-                <a16:creationId xmlns:a16="http://schemas.microsoft.com/office/drawing/2014/main" id="{3FA70DCA-4C98-05EC-FFC8-A6319474B89F}"/>
-              </a:ext>
-            </a:extLst>
-          </p:cNvPr>
-          <p:cNvPicPr>
-            <a:picLocks noChangeAspect="1"/>
-          </p:cNvPicPr>
-          <p:nvPr/>
-        </p:nvPicPr>
-        <p:blipFill>
-          <a:blip r:embed="rId4"/>
-          <a:stretch>
-            <a:fillRect/>
-          </a:stretch>
-        </p:blipFill>
-        <p:spPr>
-          <a:xfrm>
-            <a:off x="6661818" y="1365972"/>
-            <a:ext cx="1405088" cy="494649"/>
-          </a:xfrm>
-          <a:prstGeom prst="rect">
-            <a:avLst/>
-          </a:prstGeom>
-        </p:spPr>
-      </p:pic>
-    </p:spTree>
-    <p:extLst>
-      <p:ext uri="{BB962C8B-B14F-4D97-AF65-F5344CB8AC3E}">
-        <p14:creationId xmlns:p14="http://schemas.microsoft.com/office/powerpoint/2010/main" val="593887764"/>
-      </p:ext>
-    </p:extLst>
-  </p:cSld>
-  <p:clrMapOvr>
-    <a:masterClrMapping/>
-  </p:clrMapOvr>
-</p:sld>
-</file>
-
-<file path=ppt/slides/slide14.xml><?xml version="1.0" encoding="utf-8"?>
-<p:sld xmlns:a="http://schemas.openxmlformats.org/drawingml/2006/main" xmlns:r="http://schemas.openxmlformats.org/officeDocument/2006/relationships" xmlns:p="http://schemas.openxmlformats.org/presentationml/2006/main">
-  <p:cSld>
-    <p:spTree>
-      <p:nvGrpSpPr>
-        <p:cNvPr id="1" name="Shape 173"/>
-        <p:cNvGrpSpPr/>
-        <p:nvPr/>
-      </p:nvGrpSpPr>
-      <p:grpSpPr>
-        <a:xfrm>
-          <a:off x="0" y="0"/>
-          <a:ext cx="0" cy="0"/>
-          <a:chOff x="0" y="0"/>
-          <a:chExt cx="0" cy="0"/>
-        </a:xfrm>
-      </p:grpSpPr>
-      <p:sp>
-        <p:nvSpPr>
-          <p:cNvPr id="8" name="TextBox 7">
-            <a:extLst>
-              <a:ext uri="{FF2B5EF4-FFF2-40B4-BE49-F238E27FC236}">
-                <a16:creationId xmlns:a16="http://schemas.microsoft.com/office/drawing/2014/main" id="{6E8F0502-F26D-4842-97A7-E6A7B55ABA0B}"/>
-              </a:ext>
-            </a:extLst>
-          </p:cNvPr>
-          <p:cNvSpPr txBox="1"/>
-          <p:nvPr/>
-        </p:nvSpPr>
-        <p:spPr>
-          <a:xfrm>
-            <a:off x="355758" y="715711"/>
-            <a:ext cx="8321209" cy="1882567"/>
-          </a:xfrm>
-          <a:prstGeom prst="rect">
-            <a:avLst/>
-          </a:prstGeom>
-          <a:noFill/>
-        </p:spPr>
-        <p:txBody>
-          <a:bodyPr wrap="square" rIns="36000" rtlCol="0">
-            <a:spAutoFit/>
-          </a:bodyPr>
-          <a:lstStyle/>
-          <a:p>
-            <a:pPr>
-              <a:spcAft>
-                <a:spcPts val="1000"/>
-              </a:spcAft>
-              <a:tabLst>
-                <a:tab pos="1584000" algn="l"/>
-              </a:tabLst>
-            </a:pPr>
-            <a:r>
-              <a:rPr lang="en-IN" sz="1800" b="1" dirty="0">
-                <a:solidFill>
-                  <a:srgbClr val="0078AE"/>
-                </a:solidFill>
-              </a:rPr>
-              <a:t>	</a:t>
-            </a:r>
-            <a:r>
-              <a:rPr lang="en-US" sz="1800" b="1" dirty="0">
-                <a:solidFill>
-                  <a:srgbClr val="58585A"/>
-                </a:solidFill>
-              </a:rPr>
-              <a:t>Use a Rational Function Model</a:t>
-            </a:r>
-            <a:endParaRPr lang="en-IN" sz="1800" b="1" dirty="0">
-              <a:solidFill>
-                <a:srgbClr val="58585A"/>
-              </a:solidFill>
-            </a:endParaRPr>
-          </a:p>
-          <a:p>
-            <a:pPr>
-              <a:spcAft>
-                <a:spcPts val="1200"/>
-              </a:spcAft>
-            </a:pPr>
-            <a:r>
-              <a:rPr lang="en-IN" sz="1600" b="1" dirty="0">
-                <a:solidFill>
-                  <a:schemeClr val="tx1"/>
-                </a:solidFill>
-              </a:rPr>
-              <a:t>​</a:t>
-            </a:r>
-            <a:r>
-              <a:rPr lang="en-US" sz="1600" b="1" dirty="0"/>
-              <a:t>A pediatric doctor may need to administer medication without knowing a</a:t>
-            </a:r>
-            <a:br>
-              <a:rPr lang="en-US" sz="1600" b="1" dirty="0"/>
-            </a:br>
-            <a:r>
-              <a:rPr lang="en-US" sz="1600" b="1" dirty="0"/>
-              <a:t>child’s weight. Young’s Rule can be used to calculate a child’s dosage </a:t>
-            </a:r>
-            <a:r>
-              <a:rPr lang="en-US" sz="1600" b="1" i="1" dirty="0"/>
-              <a:t>D</a:t>
-            </a:r>
-            <a:r>
-              <a:rPr lang="en-US" sz="1600" b="1" dirty="0"/>
-              <a:t>(</a:t>
-            </a:r>
-            <a:r>
-              <a:rPr lang="en-US" sz="1600" b="1" i="1" dirty="0"/>
-              <a:t>a</a:t>
-            </a:r>
-            <a:r>
-              <a:rPr lang="en-US" sz="1600" b="1" dirty="0"/>
-              <a:t>)</a:t>
-            </a:r>
-            <a:br>
-              <a:rPr lang="en-US" sz="1600" b="1" dirty="0"/>
-            </a:br>
-            <a:r>
-              <a:rPr lang="en-US" sz="1600" b="1" dirty="0"/>
-              <a:t>given their age a and the adult dosage.</a:t>
-            </a:r>
-          </a:p>
-          <a:p>
-            <a:pPr>
-              <a:spcAft>
-                <a:spcPts val="1200"/>
-              </a:spcAft>
-            </a:pPr>
-            <a:r>
-              <a:rPr lang="en-US" sz="1600" b="1" dirty="0"/>
-              <a:t>A doctor has 60 mcg of a medication. What is the youngest a child can be to</a:t>
-            </a:r>
-            <a:br>
-              <a:rPr lang="en-US" sz="1600" b="1" dirty="0"/>
-            </a:br>
-            <a:r>
-              <a:rPr lang="en-US" sz="1600" b="1" dirty="0"/>
-              <a:t>receive this dose of medication if the adult dosage is 125 mcg?</a:t>
-            </a:r>
-          </a:p>
-        </p:txBody>
-      </p:sp>
-      <p:sp>
-        <p:nvSpPr>
-          <p:cNvPr id="9" name="Rectangle 8">
-            <a:extLst>
-              <a:ext uri="{FF2B5EF4-FFF2-40B4-BE49-F238E27FC236}">
-                <a16:creationId xmlns:a16="http://schemas.microsoft.com/office/drawing/2014/main" id="{33341DDE-51A7-BB4A-A5D0-B99BDB557C68}"/>
-              </a:ext>
-            </a:extLst>
-          </p:cNvPr>
-          <p:cNvSpPr/>
-          <p:nvPr/>
-        </p:nvSpPr>
-        <p:spPr>
-          <a:xfrm>
-            <a:off x="452746" y="758272"/>
-            <a:ext cx="1480557" cy="295175"/>
-          </a:xfrm>
-          <a:prstGeom prst="rect">
-            <a:avLst/>
-          </a:prstGeom>
-          <a:solidFill>
-            <a:srgbClr val="1A4F8D"/>
-          </a:solidFill>
-          <a:ln>
-            <a:noFill/>
-          </a:ln>
-        </p:spPr>
-        <p:style>
-          <a:lnRef idx="2">
-            <a:schemeClr val="accent1">
-              <a:shade val="50000"/>
-            </a:schemeClr>
-          </a:lnRef>
-          <a:fillRef idx="1">
-            <a:schemeClr val="accent1"/>
-          </a:fillRef>
-          <a:effectRef idx="0">
-            <a:schemeClr val="accent1"/>
-          </a:effectRef>
-          <a:fontRef idx="minor">
-            <a:schemeClr val="lt1"/>
-          </a:fontRef>
-        </p:style>
-        <p:txBody>
-          <a:bodyPr wrap="square" tIns="0" bIns="18000" rtlCol="0" anchor="ctr">
-            <a:spAutoFit/>
-          </a:bodyPr>
-          <a:lstStyle/>
-          <a:p>
-            <a:r>
-              <a:rPr lang="en-IN" sz="1800" b="1" cap="all" dirty="0">
-                <a:solidFill>
-                  <a:schemeClr val="bg1"/>
-                </a:solidFill>
-              </a:rPr>
-              <a:t>Example 5</a:t>
-            </a:r>
-            <a:endParaRPr lang="en-US" sz="1800" cap="all" dirty="0"/>
-          </a:p>
-        </p:txBody>
-      </p:sp>
-      <p:pic>
-        <p:nvPicPr>
-          <p:cNvPr id="4" name="Picture 3">
-            <a:extLst>
-              <a:ext uri="{FF2B5EF4-FFF2-40B4-BE49-F238E27FC236}">
-                <a16:creationId xmlns:a16="http://schemas.microsoft.com/office/drawing/2014/main" id="{2BA8F8C4-701B-1526-15DC-33125926CB35}"/>
-              </a:ext>
-            </a:extLst>
-          </p:cNvPr>
-          <p:cNvPicPr>
-            <a:picLocks noChangeAspect="1"/>
-          </p:cNvPicPr>
-          <p:nvPr/>
-        </p:nvPicPr>
-        <p:blipFill>
-          <a:blip r:embed="rId3"/>
-          <a:stretch>
-            <a:fillRect/>
-          </a:stretch>
-        </p:blipFill>
-        <p:spPr>
-          <a:xfrm>
-            <a:off x="2179103" y="2708310"/>
-            <a:ext cx="4477578" cy="3519237"/>
-          </a:xfrm>
-          <a:prstGeom prst="rect">
-            <a:avLst/>
-          </a:prstGeom>
-        </p:spPr>
-      </p:pic>
-      <p:sp>
-        <p:nvSpPr>
-          <p:cNvPr id="10" name="TextBox 9">
-            <a:extLst>
-              <a:ext uri="{FF2B5EF4-FFF2-40B4-BE49-F238E27FC236}">
-                <a16:creationId xmlns:a16="http://schemas.microsoft.com/office/drawing/2014/main" id="{CF7BF34E-75A2-C0A7-2BE5-157554C3135A}"/>
-              </a:ext>
-            </a:extLst>
-          </p:cNvPr>
-          <p:cNvSpPr txBox="1"/>
-          <p:nvPr/>
-        </p:nvSpPr>
-        <p:spPr>
-          <a:xfrm>
-            <a:off x="355758" y="351588"/>
-            <a:ext cx="8341433" cy="369332"/>
-          </a:xfrm>
-          <a:prstGeom prst="rect">
-            <a:avLst/>
-          </a:prstGeom>
-          <a:noFill/>
-        </p:spPr>
-        <p:txBody>
-          <a:bodyPr wrap="square" rIns="36000" rtlCol="0">
-            <a:spAutoFit/>
-          </a:bodyPr>
-          <a:lstStyle/>
-          <a:p>
-            <a:r>
-              <a:rPr lang="en-IN" sz="1800" b="1" dirty="0">
-                <a:solidFill>
-                  <a:srgbClr val="137F97"/>
-                </a:solidFill>
-              </a:rPr>
-              <a:t>APPLICATION</a:t>
-            </a:r>
-            <a:endParaRPr lang="en-IN" sz="1800" dirty="0">
-              <a:solidFill>
-                <a:srgbClr val="137F97"/>
-              </a:solidFill>
-            </a:endParaRPr>
-          </a:p>
-        </p:txBody>
-      </p:sp>
-      <p:sp>
-        <p:nvSpPr>
-          <p:cNvPr id="3" name="Google Shape;195;g10c86f8f910_0_5">
-            <a:extLst>
-              <a:ext uri="{FF2B5EF4-FFF2-40B4-BE49-F238E27FC236}">
-                <a16:creationId xmlns:a16="http://schemas.microsoft.com/office/drawing/2014/main" id="{D936F8B1-99E0-324E-F028-2D4353163FFA}"/>
-              </a:ext>
-            </a:extLst>
-          </p:cNvPr>
-          <p:cNvSpPr/>
-          <p:nvPr/>
-        </p:nvSpPr>
-        <p:spPr>
-          <a:xfrm>
-            <a:off x="280675" y="6385788"/>
-            <a:ext cx="8614500" cy="165000"/>
-          </a:xfrm>
-          <a:prstGeom prst="rect">
-            <a:avLst/>
-          </a:prstGeom>
-          <a:noFill/>
-          <a:ln>
-            <a:noFill/>
-          </a:ln>
-        </p:spPr>
-        <p:txBody>
-          <a:bodyPr spcFirstLastPara="1" wrap="square" lIns="91425" tIns="45700" rIns="91425" bIns="45700" anchor="t" anchorCtr="0">
-            <a:noAutofit/>
-          </a:bodyPr>
-          <a:lstStyle/>
-          <a:p>
-            <a:pPr lvl="0" algn="ctr">
-              <a:buSzPts val="1800"/>
-            </a:pPr>
-            <a:r>
-              <a:rPr lang="en-US" sz="800" dirty="0">
-                <a:solidFill>
-                  <a:srgbClr val="595959"/>
-                </a:solidFill>
-                <a:latin typeface="Arial" panose="020B0604020202020204" pitchFamily="34" charset="0"/>
-                <a:ea typeface="Avenir"/>
-                <a:cs typeface="Arial" panose="020B0604020202020204" pitchFamily="34" charset="0"/>
-                <a:sym typeface="Avenir"/>
-              </a:rPr>
-              <a:t>Photo credit: </a:t>
-            </a:r>
-            <a:r>
-              <a:rPr lang="en-US" sz="800" dirty="0" err="1">
-                <a:solidFill>
-                  <a:srgbClr val="595959"/>
-                </a:solidFill>
-                <a:latin typeface="Arial" panose="020B0604020202020204" pitchFamily="34" charset="0"/>
-                <a:ea typeface="Avenir"/>
-                <a:cs typeface="Arial" panose="020B0604020202020204" pitchFamily="34" charset="0"/>
-                <a:sym typeface="Avenir"/>
-              </a:rPr>
-              <a:t>Yurakrasil</a:t>
-            </a:r>
-            <a:r>
-              <a:rPr lang="en-US" sz="800">
-                <a:solidFill>
-                  <a:srgbClr val="595959"/>
-                </a:solidFill>
-                <a:latin typeface="Arial" panose="020B0604020202020204" pitchFamily="34" charset="0"/>
-                <a:ea typeface="Avenir"/>
-                <a:cs typeface="Arial" panose="020B0604020202020204" pitchFamily="34" charset="0"/>
-                <a:sym typeface="Avenir"/>
-              </a:rPr>
-              <a:t>/Shutterstock; Mega Pixel/Shutterstock</a:t>
-            </a:r>
-            <a:endParaRPr lang="en-US" sz="800" dirty="0">
-              <a:solidFill>
-                <a:schemeClr val="tx1">
-                  <a:lumMod val="50000"/>
-                  <a:lumOff val="50000"/>
-                </a:schemeClr>
-              </a:solidFill>
-              <a:latin typeface="Arial" panose="020B0604020202020204" pitchFamily="34" charset="0"/>
-              <a:ea typeface="Avenir"/>
-              <a:cs typeface="Arial" panose="020B0604020202020204" pitchFamily="34" charset="0"/>
-              <a:sym typeface="Avenir"/>
-            </a:endParaRPr>
-          </a:p>
-        </p:txBody>
-      </p:sp>
-    </p:spTree>
-    <p:extLst>
-      <p:ext uri="{BB962C8B-B14F-4D97-AF65-F5344CB8AC3E}">
-        <p14:creationId xmlns:p14="http://schemas.microsoft.com/office/powerpoint/2010/main" val="474714791"/>
-      </p:ext>
-    </p:extLst>
-  </p:cSld>
-  <p:clrMapOvr>
-    <a:masterClrMapping/>
-  </p:clrMapOvr>
-</p:sld>
-</file>
-
-<file path=ppt/slides/slide15.xml><?xml version="1.0" encoding="utf-8"?>
 <p:sld xmlns:a="http://schemas.openxmlformats.org/drawingml/2006/main" xmlns:r="http://schemas.openxmlformats.org/officeDocument/2006/relationships" xmlns:p="http://schemas.openxmlformats.org/presentationml/2006/main">
   <p:cSld>
     <p:spTree>
@@ -8354,7 +6637,7 @@
         <p:spPr>
           <a:xfrm>
             <a:off x="355758" y="430002"/>
-            <a:ext cx="8341433" cy="1472198"/>
+            <a:ext cx="8341433" cy="1626086"/>
           </a:xfrm>
           <a:prstGeom prst="rect">
             <a:avLst/>
@@ -8389,7 +6672,7 @@
                   <a:srgbClr val="58585A"/>
                 </a:solidFill>
               </a:rPr>
-              <a:t>Use a Rational Function Model</a:t>
+              <a:t>Find Types of Horizontal Asymptotes</a:t>
             </a:r>
             <a:endParaRPr lang="en-IN" sz="1800" b="1" dirty="0">
               <a:solidFill>
@@ -8422,31 +6705,36 @@
             </a:endParaRPr>
           </a:p>
           <a:p>
-            <a:pPr>
+            <a:pPr marL="342900" indent="-342900">
               <a:spcAft>
-                <a:spcPts val="600"/>
+                <a:spcPts val="1200"/>
               </a:spcAft>
+              <a:buFont typeface="+mj-lt"/>
+              <a:buAutoNum type="arabicPeriod" startAt="3"/>
             </a:pPr>
             <a:r>
               <a:rPr lang="en-IN" sz="1600" b="1" dirty="0"/>
-              <a:t>5.   </a:t>
-            </a:r>
-            <a:r>
-              <a:rPr lang="en-IN" sz="1600" dirty="0"/>
-              <a:t>Use Young’s Rule to calculate the minimum age a child can be if a doctor has 85 mcg</a:t>
-            </a:r>
-            <a:br>
-              <a:rPr lang="en-IN" sz="1600" dirty="0"/>
-            </a:br>
-            <a:r>
-              <a:rPr lang="en-IN" sz="1600" dirty="0"/>
-              <a:t>      of a medication, and the adult dosage is 200 mcg.</a:t>
-            </a:r>
-            <a:endParaRPr lang="en-IN" sz="1600" dirty="0">
-              <a:solidFill>
-                <a:schemeClr val="tx1"/>
-              </a:solidFill>
-            </a:endParaRPr>
+              <a:t>​</a:t>
+            </a:r>
+            <a:r>
+              <a:rPr lang="en-US" sz="1600" dirty="0"/>
+              <a:t>What are the horizontal asymptotes of the graph of each function?</a:t>
+            </a:r>
+          </a:p>
+          <a:p>
+            <a:pPr marL="720000" indent="-360000">
+              <a:spcAft>
+                <a:spcPts val="3200"/>
+              </a:spcAft>
+              <a:buAutoNum type="alphaLcPeriod"/>
+              <a:tabLst>
+                <a:tab pos="1103313" algn="l"/>
+              </a:tabLst>
+            </a:pPr>
+            <a:r>
+              <a:rPr lang="en-IN" sz="1600" b="1" dirty="0"/>
+              <a:t>​</a:t>
+            </a:r>
           </a:p>
         </p:txBody>
       </p:sp>
@@ -8505,1314 +6793,7 @@
                   <a:schemeClr val="bg1"/>
                 </a:solidFill>
               </a:rPr>
-              <a:t>Example 5</a:t>
-            </a:r>
-            <a:endParaRPr lang="en-US" sz="1800" cap="all" dirty="0"/>
-          </a:p>
-        </p:txBody>
-      </p:sp>
-      <p:cxnSp>
-        <p:nvCxnSpPr>
-          <p:cNvPr id="10" name="Straight Connector 9">
-            <a:extLst>
-              <a:ext uri="{FF2B5EF4-FFF2-40B4-BE49-F238E27FC236}">
-                <a16:creationId xmlns:a16="http://schemas.microsoft.com/office/drawing/2014/main" id="{2D026447-33AB-3446-A23C-AFEA10330B4F}"/>
-              </a:ext>
-            </a:extLst>
-          </p:cNvPr>
-          <p:cNvCxnSpPr/>
-          <p:nvPr/>
-        </p:nvCxnSpPr>
-        <p:spPr>
-          <a:xfrm>
-            <a:off x="425301" y="894900"/>
-            <a:ext cx="8304028" cy="0"/>
-          </a:xfrm>
-          <a:prstGeom prst="line">
-            <a:avLst/>
-          </a:prstGeom>
-          <a:ln w="25400">
-            <a:solidFill>
-              <a:srgbClr val="0078AE"/>
-            </a:solidFill>
-            <a:prstDash val="dash"/>
-          </a:ln>
-        </p:spPr>
-        <p:style>
-          <a:lnRef idx="1">
-            <a:schemeClr val="accent1"/>
-          </a:lnRef>
-          <a:fillRef idx="0">
-            <a:schemeClr val="accent1"/>
-          </a:fillRef>
-          <a:effectRef idx="0">
-            <a:schemeClr val="accent1"/>
-          </a:effectRef>
-          <a:fontRef idx="minor">
-            <a:schemeClr val="tx1"/>
-          </a:fontRef>
-        </p:style>
-      </p:cxnSp>
-    </p:spTree>
-    <p:extLst>
-      <p:ext uri="{BB962C8B-B14F-4D97-AF65-F5344CB8AC3E}">
-        <p14:creationId xmlns:p14="http://schemas.microsoft.com/office/powerpoint/2010/main" val="1417067264"/>
-      </p:ext>
-    </p:extLst>
-  </p:cSld>
-  <p:clrMapOvr>
-    <a:masterClrMapping/>
-  </p:clrMapOvr>
-</p:sld>
-</file>
-
-<file path=ppt/slides/slide16.xml><?xml version="1.0" encoding="utf-8"?>
-<p:sld xmlns:a="http://schemas.openxmlformats.org/drawingml/2006/main" xmlns:r="http://schemas.openxmlformats.org/officeDocument/2006/relationships" xmlns:p="http://schemas.openxmlformats.org/presentationml/2006/main">
-  <p:cSld>
-    <p:spTree>
-      <p:nvGrpSpPr>
-        <p:cNvPr id="1" name="Shape 173"/>
-        <p:cNvGrpSpPr/>
-        <p:nvPr/>
-      </p:nvGrpSpPr>
-      <p:grpSpPr>
-        <a:xfrm>
-          <a:off x="0" y="0"/>
-          <a:ext cx="0" cy="0"/>
-          <a:chOff x="0" y="0"/>
-          <a:chExt cx="0" cy="0"/>
-        </a:xfrm>
-      </p:grpSpPr>
-      <p:sp>
-        <p:nvSpPr>
-          <p:cNvPr id="2" name="Rectangle 1">
-            <a:extLst>
-              <a:ext uri="{FF2B5EF4-FFF2-40B4-BE49-F238E27FC236}">
-                <a16:creationId xmlns:a16="http://schemas.microsoft.com/office/drawing/2014/main" id="{DFD1DF21-C4E1-2DD9-CCB4-9C1CA69C01C2}"/>
-              </a:ext>
-            </a:extLst>
-          </p:cNvPr>
-          <p:cNvSpPr/>
-          <p:nvPr/>
-        </p:nvSpPr>
-        <p:spPr>
-          <a:xfrm>
-            <a:off x="452746" y="414142"/>
-            <a:ext cx="1480557" cy="295175"/>
-          </a:xfrm>
-          <a:prstGeom prst="rect">
-            <a:avLst/>
-          </a:prstGeom>
-          <a:solidFill>
-            <a:srgbClr val="1A4F8D"/>
-          </a:solidFill>
-          <a:ln>
-            <a:noFill/>
-          </a:ln>
-        </p:spPr>
-        <p:style>
-          <a:lnRef idx="2">
-            <a:schemeClr val="accent1">
-              <a:shade val="50000"/>
-            </a:schemeClr>
-          </a:lnRef>
-          <a:fillRef idx="1">
-            <a:schemeClr val="accent1"/>
-          </a:fillRef>
-          <a:effectRef idx="0">
-            <a:schemeClr val="accent1"/>
-          </a:effectRef>
-          <a:fontRef idx="minor">
-            <a:schemeClr val="lt1"/>
-          </a:fontRef>
-        </p:style>
-        <p:txBody>
-          <a:bodyPr wrap="square" tIns="0" bIns="18000" rtlCol="0" anchor="ctr">
-            <a:spAutoFit/>
-          </a:bodyPr>
-          <a:lstStyle/>
-          <a:p>
-            <a:r>
-              <a:rPr lang="en-IN" sz="1800" b="1" cap="all" dirty="0">
-                <a:solidFill>
-                  <a:schemeClr val="bg1"/>
-                </a:solidFill>
-              </a:rPr>
-              <a:t>Example 6</a:t>
-            </a:r>
-            <a:endParaRPr lang="en-US" sz="1800" cap="all" dirty="0"/>
-          </a:p>
-        </p:txBody>
-      </p:sp>
-      <p:sp>
-        <p:nvSpPr>
-          <p:cNvPr id="13" name="TextBox 12">
-            <a:extLst>
-              <a:ext uri="{FF2B5EF4-FFF2-40B4-BE49-F238E27FC236}">
-                <a16:creationId xmlns:a16="http://schemas.microsoft.com/office/drawing/2014/main" id="{09A72344-0CF0-98A2-A1A4-733BE289CCCD}"/>
-              </a:ext>
-            </a:extLst>
-          </p:cNvPr>
-          <p:cNvSpPr txBox="1"/>
-          <p:nvPr/>
-        </p:nvSpPr>
-        <p:spPr>
-          <a:xfrm>
-            <a:off x="355758" y="371581"/>
-            <a:ext cx="8321209" cy="1046440"/>
-          </a:xfrm>
-          <a:prstGeom prst="rect">
-            <a:avLst/>
-          </a:prstGeom>
-          <a:noFill/>
-        </p:spPr>
-        <p:txBody>
-          <a:bodyPr wrap="square" rIns="36000" rtlCol="0">
-            <a:spAutoFit/>
-          </a:bodyPr>
-          <a:lstStyle/>
-          <a:p>
-            <a:pPr>
-              <a:spcAft>
-                <a:spcPts val="1200"/>
-              </a:spcAft>
-              <a:tabLst>
-                <a:tab pos="1584000" algn="l"/>
-              </a:tabLst>
-            </a:pPr>
-            <a:r>
-              <a:rPr lang="en-IN" sz="1800" b="1" dirty="0">
-                <a:solidFill>
-                  <a:srgbClr val="0078AE"/>
-                </a:solidFill>
-              </a:rPr>
-              <a:t>	</a:t>
-            </a:r>
-            <a:r>
-              <a:rPr lang="en-US" sz="1800" b="1" dirty="0">
-                <a:solidFill>
-                  <a:srgbClr val="58585A"/>
-                </a:solidFill>
-              </a:rPr>
-              <a:t>Graph a Rational Function that Crosses a Horizontal</a:t>
-            </a:r>
-            <a:br>
-              <a:rPr lang="en-US" sz="1800" b="1" dirty="0">
-                <a:solidFill>
-                  <a:srgbClr val="58585A"/>
-                </a:solidFill>
-              </a:rPr>
-            </a:br>
-            <a:r>
-              <a:rPr lang="en-US" sz="1800" b="1" dirty="0">
-                <a:solidFill>
-                  <a:srgbClr val="58585A"/>
-                </a:solidFill>
-              </a:rPr>
-              <a:t>                         Asymptote</a:t>
-            </a:r>
-            <a:endParaRPr lang="en-IN" sz="1800" b="1" dirty="0">
-              <a:solidFill>
-                <a:srgbClr val="58585A"/>
-              </a:solidFill>
-            </a:endParaRPr>
-          </a:p>
-          <a:p>
-            <a:pPr>
-              <a:spcAft>
-                <a:spcPts val="1200"/>
-              </a:spcAft>
-            </a:pPr>
-            <a:r>
-              <a:rPr lang="en-IN" sz="1600" b="1" dirty="0">
-                <a:solidFill>
-                  <a:schemeClr val="tx1"/>
-                </a:solidFill>
-              </a:rPr>
-              <a:t>​</a:t>
-            </a:r>
-            <a:r>
-              <a:rPr lang="en-US" sz="1600" b="1" dirty="0"/>
-              <a:t>What is the graph of</a:t>
-            </a:r>
-          </a:p>
-        </p:txBody>
-      </p:sp>
-      <p:pic>
-        <p:nvPicPr>
-          <p:cNvPr id="15" name="Picture 14">
-            <a:extLst>
-              <a:ext uri="{FF2B5EF4-FFF2-40B4-BE49-F238E27FC236}">
-                <a16:creationId xmlns:a16="http://schemas.microsoft.com/office/drawing/2014/main" id="{E2E2E853-22C3-5F0C-D218-9D2F74BB6B8A}"/>
-              </a:ext>
-            </a:extLst>
-          </p:cNvPr>
-          <p:cNvPicPr>
-            <a:picLocks noChangeAspect="1"/>
-          </p:cNvPicPr>
-          <p:nvPr/>
-        </p:nvPicPr>
-        <p:blipFill>
-          <a:blip r:embed="rId3"/>
-          <a:stretch>
-            <a:fillRect/>
-          </a:stretch>
-        </p:blipFill>
-        <p:spPr>
-          <a:xfrm>
-            <a:off x="2434072" y="975569"/>
-            <a:ext cx="2014438" cy="580674"/>
-          </a:xfrm>
-          <a:prstGeom prst="rect">
-            <a:avLst/>
-          </a:prstGeom>
-        </p:spPr>
-      </p:pic>
-      <p:pic>
-        <p:nvPicPr>
-          <p:cNvPr id="17" name="Picture 16">
-            <a:extLst>
-              <a:ext uri="{FF2B5EF4-FFF2-40B4-BE49-F238E27FC236}">
-                <a16:creationId xmlns:a16="http://schemas.microsoft.com/office/drawing/2014/main" id="{16F2E5A8-B41F-54ED-9FB3-9D151D9513B4}"/>
-              </a:ext>
-            </a:extLst>
-          </p:cNvPr>
-          <p:cNvPicPr>
-            <a:picLocks noChangeAspect="1"/>
-          </p:cNvPicPr>
-          <p:nvPr/>
-        </p:nvPicPr>
-        <p:blipFill>
-          <a:blip r:embed="rId4"/>
-          <a:stretch>
-            <a:fillRect/>
-          </a:stretch>
-        </p:blipFill>
-        <p:spPr>
-          <a:xfrm>
-            <a:off x="375664" y="1693408"/>
-            <a:ext cx="6268895" cy="3215552"/>
-          </a:xfrm>
-          <a:prstGeom prst="rect">
-            <a:avLst/>
-          </a:prstGeom>
-        </p:spPr>
-      </p:pic>
-    </p:spTree>
-    <p:extLst>
-      <p:ext uri="{BB962C8B-B14F-4D97-AF65-F5344CB8AC3E}">
-        <p14:creationId xmlns:p14="http://schemas.microsoft.com/office/powerpoint/2010/main" val="2602990"/>
-      </p:ext>
-    </p:extLst>
-  </p:cSld>
-  <p:clrMapOvr>
-    <a:masterClrMapping/>
-  </p:clrMapOvr>
-</p:sld>
-</file>
-
-<file path=ppt/slides/slide17.xml><?xml version="1.0" encoding="utf-8"?>
-<p:sld xmlns:a="http://schemas.openxmlformats.org/drawingml/2006/main" xmlns:r="http://schemas.openxmlformats.org/officeDocument/2006/relationships" xmlns:p="http://schemas.openxmlformats.org/presentationml/2006/main">
-  <p:cSld>
-    <p:spTree>
-      <p:nvGrpSpPr>
-        <p:cNvPr id="1" name="Shape 173"/>
-        <p:cNvGrpSpPr/>
-        <p:nvPr/>
-      </p:nvGrpSpPr>
-      <p:grpSpPr>
-        <a:xfrm>
-          <a:off x="0" y="0"/>
-          <a:ext cx="0" cy="0"/>
-          <a:chOff x="0" y="0"/>
-          <a:chExt cx="0" cy="0"/>
-        </a:xfrm>
-      </p:grpSpPr>
-      <p:sp>
-        <p:nvSpPr>
-          <p:cNvPr id="2" name="Rectangle 1">
-            <a:extLst>
-              <a:ext uri="{FF2B5EF4-FFF2-40B4-BE49-F238E27FC236}">
-                <a16:creationId xmlns:a16="http://schemas.microsoft.com/office/drawing/2014/main" id="{DFD1DF21-C4E1-2DD9-CCB4-9C1CA69C01C2}"/>
-              </a:ext>
-            </a:extLst>
-          </p:cNvPr>
-          <p:cNvSpPr/>
-          <p:nvPr/>
-        </p:nvSpPr>
-        <p:spPr>
-          <a:xfrm>
-            <a:off x="452746" y="414142"/>
-            <a:ext cx="1480557" cy="295175"/>
-          </a:xfrm>
-          <a:prstGeom prst="rect">
-            <a:avLst/>
-          </a:prstGeom>
-          <a:solidFill>
-            <a:srgbClr val="1A4F8D"/>
-          </a:solidFill>
-          <a:ln>
-            <a:noFill/>
-          </a:ln>
-        </p:spPr>
-        <p:style>
-          <a:lnRef idx="2">
-            <a:schemeClr val="accent1">
-              <a:shade val="50000"/>
-            </a:schemeClr>
-          </a:lnRef>
-          <a:fillRef idx="1">
-            <a:schemeClr val="accent1"/>
-          </a:fillRef>
-          <a:effectRef idx="0">
-            <a:schemeClr val="accent1"/>
-          </a:effectRef>
-          <a:fontRef idx="minor">
-            <a:schemeClr val="lt1"/>
-          </a:fontRef>
-        </p:style>
-        <p:txBody>
-          <a:bodyPr wrap="square" tIns="0" bIns="18000" rtlCol="0" anchor="ctr">
-            <a:spAutoFit/>
-          </a:bodyPr>
-          <a:lstStyle/>
-          <a:p>
-            <a:r>
-              <a:rPr lang="en-IN" sz="1800" b="1" cap="all" dirty="0">
-                <a:solidFill>
-                  <a:schemeClr val="bg1"/>
-                </a:solidFill>
-              </a:rPr>
-              <a:t>Example 6</a:t>
-            </a:r>
-            <a:endParaRPr lang="en-US" sz="1800" cap="all" dirty="0"/>
-          </a:p>
-        </p:txBody>
-      </p:sp>
-      <p:sp>
-        <p:nvSpPr>
-          <p:cNvPr id="13" name="TextBox 12">
-            <a:extLst>
-              <a:ext uri="{FF2B5EF4-FFF2-40B4-BE49-F238E27FC236}">
-                <a16:creationId xmlns:a16="http://schemas.microsoft.com/office/drawing/2014/main" id="{09A72344-0CF0-98A2-A1A4-733BE289CCCD}"/>
-              </a:ext>
-            </a:extLst>
-          </p:cNvPr>
-          <p:cNvSpPr txBox="1"/>
-          <p:nvPr/>
-        </p:nvSpPr>
-        <p:spPr>
-          <a:xfrm>
-            <a:off x="355758" y="371581"/>
-            <a:ext cx="8321209" cy="646331"/>
-          </a:xfrm>
-          <a:prstGeom prst="rect">
-            <a:avLst/>
-          </a:prstGeom>
-          <a:noFill/>
-        </p:spPr>
-        <p:txBody>
-          <a:bodyPr wrap="square" rIns="36000" rtlCol="0">
-            <a:spAutoFit/>
-          </a:bodyPr>
-          <a:lstStyle/>
-          <a:p>
-            <a:pPr>
-              <a:spcAft>
-                <a:spcPts val="1200"/>
-              </a:spcAft>
-              <a:tabLst>
-                <a:tab pos="1584000" algn="l"/>
-              </a:tabLst>
-            </a:pPr>
-            <a:r>
-              <a:rPr lang="en-IN" sz="1800" b="1" dirty="0">
-                <a:solidFill>
-                  <a:srgbClr val="0078AE"/>
-                </a:solidFill>
-              </a:rPr>
-              <a:t>	</a:t>
-            </a:r>
-            <a:r>
-              <a:rPr lang="en-US" sz="1800" b="1" dirty="0">
-                <a:solidFill>
-                  <a:srgbClr val="58585A"/>
-                </a:solidFill>
-              </a:rPr>
-              <a:t>Graph a Rational Function that Crosses a Horizontal</a:t>
-            </a:r>
-            <a:br>
-              <a:rPr lang="en-US" sz="1800" b="1" dirty="0">
-                <a:solidFill>
-                  <a:srgbClr val="58585A"/>
-                </a:solidFill>
-              </a:rPr>
-            </a:br>
-            <a:r>
-              <a:rPr lang="en-US" sz="1800" b="1" dirty="0">
-                <a:solidFill>
-                  <a:srgbClr val="58585A"/>
-                </a:solidFill>
-              </a:rPr>
-              <a:t>                         Asymptote</a:t>
-            </a:r>
-            <a:endParaRPr lang="en-US" sz="1600" b="1" dirty="0"/>
-          </a:p>
-        </p:txBody>
-      </p:sp>
-      <p:pic>
-        <p:nvPicPr>
-          <p:cNvPr id="5" name="Picture 4">
-            <a:extLst>
-              <a:ext uri="{FF2B5EF4-FFF2-40B4-BE49-F238E27FC236}">
-                <a16:creationId xmlns:a16="http://schemas.microsoft.com/office/drawing/2014/main" id="{3644D7ED-52CB-91C9-BBC4-EE851ED7C6C5}"/>
-              </a:ext>
-            </a:extLst>
-          </p:cNvPr>
-          <p:cNvPicPr>
-            <a:picLocks noChangeAspect="1"/>
-          </p:cNvPicPr>
-          <p:nvPr/>
-        </p:nvPicPr>
-        <p:blipFill>
-          <a:blip r:embed="rId3"/>
-          <a:stretch>
-            <a:fillRect/>
-          </a:stretch>
-        </p:blipFill>
-        <p:spPr>
-          <a:xfrm>
-            <a:off x="400202" y="1093646"/>
-            <a:ext cx="7557025" cy="2178259"/>
-          </a:xfrm>
-          <a:prstGeom prst="rect">
-            <a:avLst/>
-          </a:prstGeom>
-        </p:spPr>
-      </p:pic>
-      <p:sp>
-        <p:nvSpPr>
-          <p:cNvPr id="6" name="Rounded Rectangle 5">
-            <a:extLst>
-              <a:ext uri="{FF2B5EF4-FFF2-40B4-BE49-F238E27FC236}">
-                <a16:creationId xmlns:a16="http://schemas.microsoft.com/office/drawing/2014/main" id="{D5E43C1D-BBC3-1D57-0D19-D29D5151E74B}"/>
-              </a:ext>
-            </a:extLst>
-          </p:cNvPr>
-          <p:cNvSpPr/>
-          <p:nvPr/>
-        </p:nvSpPr>
-        <p:spPr>
-          <a:xfrm>
-            <a:off x="755261" y="3684434"/>
-            <a:ext cx="4868789" cy="720418"/>
-          </a:xfrm>
-          <a:prstGeom prst="roundRect">
-            <a:avLst/>
-          </a:prstGeom>
-          <a:noFill/>
-          <a:ln w="12700">
-            <a:solidFill>
-              <a:schemeClr val="tx1">
-                <a:lumMod val="50000"/>
-                <a:lumOff val="50000"/>
-              </a:schemeClr>
-            </a:solidFill>
-          </a:ln>
-        </p:spPr>
-        <p:style>
-          <a:lnRef idx="2">
-            <a:schemeClr val="accent1">
-              <a:shade val="50000"/>
-            </a:schemeClr>
-          </a:lnRef>
-          <a:fillRef idx="1">
-            <a:schemeClr val="accent1"/>
-          </a:fillRef>
-          <a:effectRef idx="0">
-            <a:schemeClr val="accent1"/>
-          </a:effectRef>
-          <a:fontRef idx="minor">
-            <a:schemeClr val="lt1"/>
-          </a:fontRef>
-        </p:style>
-        <p:txBody>
-          <a:bodyPr rtlCol="0" anchor="ctr"/>
-          <a:lstStyle/>
-          <a:p>
-            <a:pPr>
-              <a:spcAft>
-                <a:spcPts val="300"/>
-              </a:spcAft>
-            </a:pPr>
-            <a:r>
-              <a:rPr lang="en-US" sz="1200" b="1" dirty="0">
-                <a:solidFill>
-                  <a:srgbClr val="C02B43"/>
-                </a:solidFill>
-              </a:rPr>
-              <a:t>COMMUNICATE PRECISELY</a:t>
-            </a:r>
-            <a:endParaRPr lang="en-IN" sz="1200" b="1" dirty="0">
-              <a:solidFill>
-                <a:srgbClr val="C02B43"/>
-              </a:solidFill>
-            </a:endParaRPr>
-          </a:p>
-          <a:p>
-            <a:r>
-              <a:rPr lang="en-US" sz="1200" dirty="0">
-                <a:solidFill>
-                  <a:schemeClr val="tx1"/>
-                </a:solidFill>
-              </a:rPr>
-              <a:t>When graphing, it is important to include both horizontal and vertical asymptotes to clearly identify the graph’s behavior near them.</a:t>
-            </a:r>
-            <a:endParaRPr lang="en-IN" sz="1200" dirty="0">
-              <a:solidFill>
-                <a:schemeClr val="tx1"/>
-              </a:solidFill>
-              <a:latin typeface="Arial" panose="020B0604020202020204" pitchFamily="34" charset="0"/>
-              <a:cs typeface="Arial" panose="020B0604020202020204" pitchFamily="34" charset="0"/>
-            </a:endParaRPr>
-          </a:p>
-        </p:txBody>
-      </p:sp>
-    </p:spTree>
-    <p:extLst>
-      <p:ext uri="{BB962C8B-B14F-4D97-AF65-F5344CB8AC3E}">
-        <p14:creationId xmlns:p14="http://schemas.microsoft.com/office/powerpoint/2010/main" val="2307318756"/>
-      </p:ext>
-    </p:extLst>
-  </p:cSld>
-  <p:clrMapOvr>
-    <a:masterClrMapping/>
-  </p:clrMapOvr>
-</p:sld>
-</file>
-
-<file path=ppt/slides/slide18.xml><?xml version="1.0" encoding="utf-8"?>
-<p:sld xmlns:a="http://schemas.openxmlformats.org/drawingml/2006/main" xmlns:r="http://schemas.openxmlformats.org/officeDocument/2006/relationships" xmlns:p="http://schemas.openxmlformats.org/presentationml/2006/main">
-  <p:cSld>
-    <p:spTree>
-      <p:nvGrpSpPr>
-        <p:cNvPr id="1" name="Shape 173"/>
-        <p:cNvGrpSpPr/>
-        <p:nvPr/>
-      </p:nvGrpSpPr>
-      <p:grpSpPr>
-        <a:xfrm>
-          <a:off x="0" y="0"/>
-          <a:ext cx="0" cy="0"/>
-          <a:chOff x="0" y="0"/>
-          <a:chExt cx="0" cy="0"/>
-        </a:xfrm>
-      </p:grpSpPr>
-      <p:sp>
-        <p:nvSpPr>
-          <p:cNvPr id="2" name="Rectangle 1">
-            <a:extLst>
-              <a:ext uri="{FF2B5EF4-FFF2-40B4-BE49-F238E27FC236}">
-                <a16:creationId xmlns:a16="http://schemas.microsoft.com/office/drawing/2014/main" id="{DFD1DF21-C4E1-2DD9-CCB4-9C1CA69C01C2}"/>
-              </a:ext>
-            </a:extLst>
-          </p:cNvPr>
-          <p:cNvSpPr/>
-          <p:nvPr/>
-        </p:nvSpPr>
-        <p:spPr>
-          <a:xfrm>
-            <a:off x="452746" y="414142"/>
-            <a:ext cx="1480557" cy="295175"/>
-          </a:xfrm>
-          <a:prstGeom prst="rect">
-            <a:avLst/>
-          </a:prstGeom>
-          <a:solidFill>
-            <a:srgbClr val="1A4F8D"/>
-          </a:solidFill>
-          <a:ln>
-            <a:noFill/>
-          </a:ln>
-        </p:spPr>
-        <p:style>
-          <a:lnRef idx="2">
-            <a:schemeClr val="accent1">
-              <a:shade val="50000"/>
-            </a:schemeClr>
-          </a:lnRef>
-          <a:fillRef idx="1">
-            <a:schemeClr val="accent1"/>
-          </a:fillRef>
-          <a:effectRef idx="0">
-            <a:schemeClr val="accent1"/>
-          </a:effectRef>
-          <a:fontRef idx="minor">
-            <a:schemeClr val="lt1"/>
-          </a:fontRef>
-        </p:style>
-        <p:txBody>
-          <a:bodyPr wrap="square" tIns="0" bIns="18000" rtlCol="0" anchor="ctr">
-            <a:spAutoFit/>
-          </a:bodyPr>
-          <a:lstStyle/>
-          <a:p>
-            <a:r>
-              <a:rPr lang="en-IN" sz="1800" b="1" cap="all" dirty="0">
-                <a:solidFill>
-                  <a:schemeClr val="bg1"/>
-                </a:solidFill>
-              </a:rPr>
-              <a:t>Example 6</a:t>
-            </a:r>
-            <a:endParaRPr lang="en-US" sz="1800" cap="all" dirty="0"/>
-          </a:p>
-        </p:txBody>
-      </p:sp>
-      <p:sp>
-        <p:nvSpPr>
-          <p:cNvPr id="13" name="TextBox 12">
-            <a:extLst>
-              <a:ext uri="{FF2B5EF4-FFF2-40B4-BE49-F238E27FC236}">
-                <a16:creationId xmlns:a16="http://schemas.microsoft.com/office/drawing/2014/main" id="{09A72344-0CF0-98A2-A1A4-733BE289CCCD}"/>
-              </a:ext>
-            </a:extLst>
-          </p:cNvPr>
-          <p:cNvSpPr txBox="1"/>
-          <p:nvPr/>
-        </p:nvSpPr>
-        <p:spPr>
-          <a:xfrm>
-            <a:off x="355758" y="371581"/>
-            <a:ext cx="8321209" cy="646331"/>
-          </a:xfrm>
-          <a:prstGeom prst="rect">
-            <a:avLst/>
-          </a:prstGeom>
-          <a:noFill/>
-        </p:spPr>
-        <p:txBody>
-          <a:bodyPr wrap="square" rIns="36000" rtlCol="0">
-            <a:spAutoFit/>
-          </a:bodyPr>
-          <a:lstStyle/>
-          <a:p>
-            <a:pPr>
-              <a:spcAft>
-                <a:spcPts val="1200"/>
-              </a:spcAft>
-              <a:tabLst>
-                <a:tab pos="1584000" algn="l"/>
-              </a:tabLst>
-            </a:pPr>
-            <a:r>
-              <a:rPr lang="en-IN" sz="1800" b="1" dirty="0">
-                <a:solidFill>
-                  <a:srgbClr val="0078AE"/>
-                </a:solidFill>
-              </a:rPr>
-              <a:t>	</a:t>
-            </a:r>
-            <a:r>
-              <a:rPr lang="en-US" sz="1800" b="1" dirty="0">
-                <a:solidFill>
-                  <a:srgbClr val="58585A"/>
-                </a:solidFill>
-              </a:rPr>
-              <a:t>Graph a Rational Function that Crosses a Horizontal</a:t>
-            </a:r>
-            <a:br>
-              <a:rPr lang="en-US" sz="1800" b="1" dirty="0">
-                <a:solidFill>
-                  <a:srgbClr val="58585A"/>
-                </a:solidFill>
-              </a:rPr>
-            </a:br>
-            <a:r>
-              <a:rPr lang="en-US" sz="1800" b="1" dirty="0">
-                <a:solidFill>
-                  <a:srgbClr val="58585A"/>
-                </a:solidFill>
-              </a:rPr>
-              <a:t>                         Asymptote</a:t>
-            </a:r>
-            <a:endParaRPr lang="en-US" sz="1600" b="1" dirty="0"/>
-          </a:p>
-        </p:txBody>
-      </p:sp>
-      <p:pic>
-        <p:nvPicPr>
-          <p:cNvPr id="11" name="Picture 10">
-            <a:extLst>
-              <a:ext uri="{FF2B5EF4-FFF2-40B4-BE49-F238E27FC236}">
-                <a16:creationId xmlns:a16="http://schemas.microsoft.com/office/drawing/2014/main" id="{61968B64-AC99-0965-F515-345AA8AB0FB5}"/>
-              </a:ext>
-            </a:extLst>
-          </p:cNvPr>
-          <p:cNvPicPr>
-            <a:picLocks noChangeAspect="1"/>
-          </p:cNvPicPr>
-          <p:nvPr/>
-        </p:nvPicPr>
-        <p:blipFill>
-          <a:blip r:embed="rId3"/>
-          <a:stretch>
-            <a:fillRect/>
-          </a:stretch>
-        </p:blipFill>
-        <p:spPr>
-          <a:xfrm>
-            <a:off x="391844" y="1135359"/>
-            <a:ext cx="6039895" cy="362585"/>
-          </a:xfrm>
-          <a:prstGeom prst="rect">
-            <a:avLst/>
-          </a:prstGeom>
-        </p:spPr>
-      </p:pic>
-      <p:pic>
-        <p:nvPicPr>
-          <p:cNvPr id="14" name="Picture 13">
-            <a:extLst>
-              <a:ext uri="{FF2B5EF4-FFF2-40B4-BE49-F238E27FC236}">
-                <a16:creationId xmlns:a16="http://schemas.microsoft.com/office/drawing/2014/main" id="{08AFE24B-E151-02D1-89CD-6B0AB109EA23}"/>
-              </a:ext>
-            </a:extLst>
-          </p:cNvPr>
-          <p:cNvPicPr>
-            <a:picLocks noChangeAspect="1"/>
-          </p:cNvPicPr>
-          <p:nvPr/>
-        </p:nvPicPr>
-        <p:blipFill>
-          <a:blip r:embed="rId4"/>
-          <a:stretch>
-            <a:fillRect/>
-          </a:stretch>
-        </p:blipFill>
-        <p:spPr>
-          <a:xfrm>
-            <a:off x="1122456" y="1579998"/>
-            <a:ext cx="5994725" cy="4684105"/>
-          </a:xfrm>
-          <a:prstGeom prst="rect">
-            <a:avLst/>
-          </a:prstGeom>
-        </p:spPr>
-      </p:pic>
-    </p:spTree>
-    <p:extLst>
-      <p:ext uri="{BB962C8B-B14F-4D97-AF65-F5344CB8AC3E}">
-        <p14:creationId xmlns:p14="http://schemas.microsoft.com/office/powerpoint/2010/main" val="1242300819"/>
-      </p:ext>
-    </p:extLst>
-  </p:cSld>
-  <p:clrMapOvr>
-    <a:masterClrMapping/>
-  </p:clrMapOvr>
-</p:sld>
-</file>
-
-<file path=ppt/slides/slide19.xml><?xml version="1.0" encoding="utf-8"?>
-<p:sld xmlns:a="http://schemas.openxmlformats.org/drawingml/2006/main" xmlns:r="http://schemas.openxmlformats.org/officeDocument/2006/relationships" xmlns:p="http://schemas.openxmlformats.org/presentationml/2006/main">
-  <p:cSld>
-    <p:spTree>
-      <p:nvGrpSpPr>
-        <p:cNvPr id="1" name="Shape 173"/>
-        <p:cNvGrpSpPr/>
-        <p:nvPr/>
-      </p:nvGrpSpPr>
-      <p:grpSpPr>
-        <a:xfrm>
-          <a:off x="0" y="0"/>
-          <a:ext cx="0" cy="0"/>
-          <a:chOff x="0" y="0"/>
-          <a:chExt cx="0" cy="0"/>
-        </a:xfrm>
-      </p:grpSpPr>
-      <p:sp>
-        <p:nvSpPr>
-          <p:cNvPr id="3" name="TextBox 2">
-            <a:extLst>
-              <a:ext uri="{FF2B5EF4-FFF2-40B4-BE49-F238E27FC236}">
-                <a16:creationId xmlns:a16="http://schemas.microsoft.com/office/drawing/2014/main" id="{78299094-68E4-821E-A4B3-3080CB128C7F}"/>
-              </a:ext>
-            </a:extLst>
-          </p:cNvPr>
-          <p:cNvSpPr txBox="1"/>
-          <p:nvPr/>
-        </p:nvSpPr>
-        <p:spPr>
-          <a:xfrm>
-            <a:off x="355758" y="430002"/>
-            <a:ext cx="8341433" cy="1502976"/>
-          </a:xfrm>
-          <a:prstGeom prst="rect">
-            <a:avLst/>
-          </a:prstGeom>
-          <a:noFill/>
-        </p:spPr>
-        <p:txBody>
-          <a:bodyPr wrap="square" rIns="36000" rtlCol="0">
-            <a:spAutoFit/>
-          </a:bodyPr>
-          <a:lstStyle/>
-          <a:p>
-            <a:pPr>
-              <a:spcAft>
-                <a:spcPts val="2000"/>
-              </a:spcAft>
-              <a:tabLst>
-                <a:tab pos="1584000" algn="l"/>
-              </a:tabLst>
-            </a:pPr>
-            <a:r>
-              <a:rPr lang="en-IN" sz="1800" b="1" dirty="0">
-                <a:solidFill>
-                  <a:srgbClr val="0078AE"/>
-                </a:solidFill>
-              </a:rPr>
-              <a:t>	</a:t>
-            </a:r>
-            <a:r>
-              <a:rPr lang="en-US" sz="1800" b="1" dirty="0">
-                <a:solidFill>
-                  <a:srgbClr val="58585A"/>
-                </a:solidFill>
-              </a:rPr>
-              <a:t>Graph a Rational Function that Crosses a Horizontal </a:t>
-            </a:r>
-            <a:br>
-              <a:rPr lang="en-US" sz="1800" b="1" dirty="0">
-                <a:solidFill>
-                  <a:srgbClr val="58585A"/>
-                </a:solidFill>
-              </a:rPr>
-            </a:br>
-            <a:r>
-              <a:rPr lang="en-US" sz="1800" b="1" dirty="0">
-                <a:solidFill>
-                  <a:srgbClr val="58585A"/>
-                </a:solidFill>
-              </a:rPr>
-              <a:t>                         Asymptote</a:t>
-            </a:r>
-            <a:endParaRPr lang="en-IN" sz="1800" b="1" dirty="0">
-              <a:solidFill>
-                <a:srgbClr val="58585A"/>
-              </a:solidFill>
-            </a:endParaRPr>
-          </a:p>
-          <a:p>
-            <a:pPr marL="1476375" indent="-1466850">
-              <a:spcAft>
-                <a:spcPts val="600"/>
-              </a:spcAft>
-              <a:tabLst>
-                <a:tab pos="1062038" algn="l"/>
-                <a:tab pos="1465263" algn="l"/>
-              </a:tabLst>
-            </a:pPr>
-            <a:r>
-              <a:rPr lang="en-IN" sz="1800" b="1" dirty="0">
-                <a:solidFill>
-                  <a:srgbClr val="D92B31"/>
-                </a:solidFill>
-              </a:rPr>
-              <a:t>Try It!</a:t>
-            </a:r>
-            <a:endParaRPr lang="en-IN" sz="1800" b="1" dirty="0">
-              <a:solidFill>
-                <a:schemeClr val="tx1"/>
-              </a:solidFill>
-            </a:endParaRPr>
-          </a:p>
-          <a:p>
-            <a:pPr>
-              <a:spcAft>
-                <a:spcPts val="600"/>
-              </a:spcAft>
-            </a:pPr>
-            <a:r>
-              <a:rPr lang="en-IN" sz="1600" b="1" dirty="0"/>
-              <a:t>6.   </a:t>
-            </a:r>
-            <a:r>
-              <a:rPr lang="en-IN" sz="1600" dirty="0"/>
-              <a:t>Identify the asymptotes and sketch the graph of</a:t>
-            </a:r>
-            <a:endParaRPr lang="en-IN" sz="1600" dirty="0">
-              <a:solidFill>
-                <a:schemeClr val="tx1"/>
-              </a:solidFill>
-            </a:endParaRPr>
-          </a:p>
-        </p:txBody>
-      </p:sp>
-      <p:sp>
-        <p:nvSpPr>
-          <p:cNvPr id="4" name="Rectangle 3">
-            <a:extLst>
-              <a:ext uri="{FF2B5EF4-FFF2-40B4-BE49-F238E27FC236}">
-                <a16:creationId xmlns:a16="http://schemas.microsoft.com/office/drawing/2014/main" id="{642EA64B-1A7F-658B-77EA-F1BB49109D9F}"/>
-              </a:ext>
-            </a:extLst>
-          </p:cNvPr>
-          <p:cNvSpPr/>
-          <p:nvPr/>
-        </p:nvSpPr>
-        <p:spPr>
-          <a:xfrm>
-            <a:off x="452746" y="464612"/>
-            <a:ext cx="1480557" cy="295175"/>
-          </a:xfrm>
-          <a:prstGeom prst="rect">
-            <a:avLst/>
-          </a:prstGeom>
-          <a:solidFill>
-            <a:srgbClr val="1A4F8D"/>
-          </a:solidFill>
-          <a:ln>
-            <a:noFill/>
-          </a:ln>
-        </p:spPr>
-        <p:style>
-          <a:lnRef idx="2">
-            <a:schemeClr val="accent1">
-              <a:shade val="50000"/>
-            </a:schemeClr>
-          </a:lnRef>
-          <a:fillRef idx="1">
-            <a:schemeClr val="accent1"/>
-          </a:fillRef>
-          <a:effectRef idx="0">
-            <a:schemeClr val="accent1"/>
-          </a:effectRef>
-          <a:fontRef idx="minor">
-            <a:schemeClr val="lt1"/>
-          </a:fontRef>
-        </p:style>
-        <p:txBody>
-          <a:bodyPr wrap="square" tIns="0" bIns="18000" rtlCol="0" anchor="ctr">
-            <a:spAutoFit/>
-          </a:bodyPr>
-          <a:lstStyle/>
-          <a:p>
-            <a:r>
-              <a:rPr lang="en-IN" sz="1800" b="1" cap="all" dirty="0">
-                <a:solidFill>
-                  <a:schemeClr val="bg1"/>
-                </a:solidFill>
-              </a:rPr>
-              <a:t>Example 6</a:t>
-            </a:r>
-            <a:endParaRPr lang="en-US" sz="1800" cap="all" dirty="0"/>
-          </a:p>
-        </p:txBody>
-      </p:sp>
-      <p:cxnSp>
-        <p:nvCxnSpPr>
-          <p:cNvPr id="5" name="Straight Connector 4">
-            <a:extLst>
-              <a:ext uri="{FF2B5EF4-FFF2-40B4-BE49-F238E27FC236}">
-                <a16:creationId xmlns:a16="http://schemas.microsoft.com/office/drawing/2014/main" id="{8465F8F1-8C92-6A44-8D2B-82FF25C024A8}"/>
-              </a:ext>
-            </a:extLst>
-          </p:cNvPr>
-          <p:cNvCxnSpPr/>
-          <p:nvPr/>
-        </p:nvCxnSpPr>
-        <p:spPr>
-          <a:xfrm>
-            <a:off x="425301" y="1164529"/>
-            <a:ext cx="8304028" cy="0"/>
-          </a:xfrm>
-          <a:prstGeom prst="line">
-            <a:avLst/>
-          </a:prstGeom>
-          <a:ln w="25400">
-            <a:solidFill>
-              <a:srgbClr val="0078AE"/>
-            </a:solidFill>
-            <a:prstDash val="dash"/>
-          </a:ln>
-        </p:spPr>
-        <p:style>
-          <a:lnRef idx="1">
-            <a:schemeClr val="accent1"/>
-          </a:lnRef>
-          <a:fillRef idx="0">
-            <a:schemeClr val="accent1"/>
-          </a:fillRef>
-          <a:effectRef idx="0">
-            <a:schemeClr val="accent1"/>
-          </a:effectRef>
-          <a:fontRef idx="minor">
-            <a:schemeClr val="tx1"/>
-          </a:fontRef>
-        </p:style>
-      </p:cxnSp>
-      <p:pic>
-        <p:nvPicPr>
-          <p:cNvPr id="7" name="Picture 6">
-            <a:extLst>
-              <a:ext uri="{FF2B5EF4-FFF2-40B4-BE49-F238E27FC236}">
-                <a16:creationId xmlns:a16="http://schemas.microsoft.com/office/drawing/2014/main" id="{BD4F4990-8BB2-B24A-0AE2-A33AF987C971}"/>
-              </a:ext>
-            </a:extLst>
-          </p:cNvPr>
-          <p:cNvPicPr>
-            <a:picLocks noChangeAspect="1"/>
-          </p:cNvPicPr>
-          <p:nvPr/>
-        </p:nvPicPr>
-        <p:blipFill>
-          <a:blip r:embed="rId3"/>
-          <a:stretch>
-            <a:fillRect/>
-          </a:stretch>
-        </p:blipFill>
-        <p:spPr>
-          <a:xfrm>
-            <a:off x="755504" y="1999348"/>
-            <a:ext cx="1755762" cy="491614"/>
-          </a:xfrm>
-          <a:prstGeom prst="rect">
-            <a:avLst/>
-          </a:prstGeom>
-        </p:spPr>
-      </p:pic>
-    </p:spTree>
-    <p:extLst>
-      <p:ext uri="{BB962C8B-B14F-4D97-AF65-F5344CB8AC3E}">
-        <p14:creationId xmlns:p14="http://schemas.microsoft.com/office/powerpoint/2010/main" val="2567871205"/>
-      </p:ext>
-    </p:extLst>
-  </p:cSld>
-  <p:clrMapOvr>
-    <a:masterClrMapping/>
-  </p:clrMapOvr>
-</p:sld>
-</file>
-
-<file path=ppt/slides/slide2.xml><?xml version="1.0" encoding="utf-8"?>
-<p:sld xmlns:a="http://schemas.openxmlformats.org/drawingml/2006/main" xmlns:r="http://schemas.openxmlformats.org/officeDocument/2006/relationships" xmlns:p="http://schemas.openxmlformats.org/presentationml/2006/main">
-  <p:cSld>
-    <p:spTree>
-      <p:nvGrpSpPr>
-        <p:cNvPr id="1" name="Shape 173"/>
-        <p:cNvGrpSpPr/>
-        <p:nvPr/>
-      </p:nvGrpSpPr>
-      <p:grpSpPr>
-        <a:xfrm>
-          <a:off x="0" y="0"/>
-          <a:ext cx="0" cy="0"/>
-          <a:chOff x="0" y="0"/>
-          <a:chExt cx="0" cy="0"/>
-        </a:xfrm>
-      </p:grpSpPr>
-      <p:sp>
-        <p:nvSpPr>
-          <p:cNvPr id="5" name="TextBox 4">
-            <a:extLst>
-              <a:ext uri="{FF2B5EF4-FFF2-40B4-BE49-F238E27FC236}">
-                <a16:creationId xmlns:a16="http://schemas.microsoft.com/office/drawing/2014/main" id="{6E8F0502-F26D-4842-97A7-E6A7B55ABA0B}"/>
-              </a:ext>
-            </a:extLst>
-          </p:cNvPr>
-          <p:cNvSpPr txBox="1"/>
-          <p:nvPr/>
-        </p:nvSpPr>
-        <p:spPr>
-          <a:xfrm>
-            <a:off x="355758" y="430002"/>
-            <a:ext cx="8341433" cy="2426305"/>
-          </a:xfrm>
-          <a:prstGeom prst="rect">
-            <a:avLst/>
-          </a:prstGeom>
-          <a:noFill/>
-        </p:spPr>
-        <p:txBody>
-          <a:bodyPr wrap="square" rIns="36000" rtlCol="0">
-            <a:spAutoFit/>
-          </a:bodyPr>
-          <a:lstStyle/>
-          <a:p>
-            <a:pPr>
-              <a:spcAft>
-                <a:spcPts val="2000"/>
-              </a:spcAft>
-              <a:tabLst>
-                <a:tab pos="1584000" algn="l"/>
-              </a:tabLst>
-            </a:pPr>
-            <a:r>
-              <a:rPr lang="en-IN" sz="1800" b="1" dirty="0">
-                <a:solidFill>
-                  <a:srgbClr val="0078AE"/>
-                </a:solidFill>
-              </a:rPr>
-              <a:t>	</a:t>
-            </a:r>
-            <a:r>
-              <a:rPr lang="en-US" sz="1800" b="1" dirty="0">
-                <a:solidFill>
-                  <a:srgbClr val="58585A"/>
-                </a:solidFill>
-              </a:rPr>
-              <a:t>Rewrite a Rational Function to Identify Asymptotes</a:t>
-            </a:r>
-            <a:endParaRPr lang="en-IN" sz="1800" b="1" dirty="0">
-              <a:solidFill>
-                <a:srgbClr val="58585A"/>
-              </a:solidFill>
-            </a:endParaRPr>
-          </a:p>
-          <a:p>
-            <a:pPr marL="1476375" indent="-1466850">
-              <a:spcAft>
-                <a:spcPts val="600"/>
-              </a:spcAft>
-              <a:tabLst>
-                <a:tab pos="1062038" algn="l"/>
-                <a:tab pos="1465263" algn="l"/>
-              </a:tabLst>
-            </a:pPr>
-            <a:r>
-              <a:rPr lang="en-IN" sz="1800" b="1" dirty="0">
-                <a:solidFill>
-                  <a:srgbClr val="D92B31"/>
-                </a:solidFill>
-              </a:rPr>
-              <a:t>Try It!</a:t>
-            </a:r>
-            <a:endParaRPr lang="en-IN" sz="1800" b="1" dirty="0">
-              <a:solidFill>
-                <a:schemeClr val="tx1"/>
-              </a:solidFill>
-            </a:endParaRPr>
-          </a:p>
-          <a:p>
-            <a:pPr marL="342900" indent="-342900">
-              <a:spcAft>
-                <a:spcPts val="1200"/>
-              </a:spcAft>
-              <a:buFont typeface="+mj-lt"/>
-              <a:buAutoNum type="arabicPeriod"/>
-            </a:pPr>
-            <a:r>
-              <a:rPr lang="en-IN" sz="1600" b="1" dirty="0"/>
-              <a:t>​​</a:t>
-            </a:r>
-            <a:r>
-              <a:rPr lang="en-US" sz="1600" dirty="0"/>
-              <a:t>Use long division to rewrite each rational function. Find the asymptotes of </a:t>
-            </a:r>
-            <a:r>
-              <a:rPr lang="en-US" sz="1600" i="1" dirty="0"/>
-              <a:t>f</a:t>
-            </a:r>
-            <a:r>
-              <a:rPr lang="en-US" sz="1600" dirty="0"/>
-              <a:t> and sketch the graph.</a:t>
-            </a:r>
-          </a:p>
-          <a:p>
-            <a:pPr marL="720000" indent="-360000">
-              <a:spcAft>
-                <a:spcPts val="2400"/>
-              </a:spcAft>
-              <a:buAutoNum type="alphaLcPeriod"/>
-              <a:tabLst>
-                <a:tab pos="1103313" algn="l"/>
-              </a:tabLst>
-            </a:pPr>
-            <a:r>
-              <a:rPr lang="en-IN" sz="1600" b="1" dirty="0"/>
-              <a:t>​</a:t>
-            </a:r>
-          </a:p>
-          <a:p>
-            <a:pPr marL="702900" indent="-342900">
-              <a:spcAft>
-                <a:spcPts val="15000"/>
-              </a:spcAft>
-              <a:buFont typeface="+mj-lt"/>
-              <a:buAutoNum type="alphaLcPeriod"/>
-              <a:tabLst>
-                <a:tab pos="1103313" algn="l"/>
-              </a:tabLst>
-            </a:pPr>
-            <a:r>
-              <a:rPr lang="en-IN" sz="1600" b="1" dirty="0"/>
-              <a:t>​</a:t>
-            </a:r>
-            <a:endParaRPr lang="en-IN" sz="1600" dirty="0">
-              <a:solidFill>
-                <a:schemeClr val="tx1"/>
-              </a:solidFill>
-            </a:endParaRPr>
-          </a:p>
-        </p:txBody>
-      </p:sp>
-      <p:sp>
-        <p:nvSpPr>
-          <p:cNvPr id="6" name="Rectangle 5">
-            <a:extLst>
-              <a:ext uri="{FF2B5EF4-FFF2-40B4-BE49-F238E27FC236}">
-                <a16:creationId xmlns:a16="http://schemas.microsoft.com/office/drawing/2014/main" id="{33341DDE-51A7-BB4A-A5D0-B99BDB557C68}"/>
-              </a:ext>
-            </a:extLst>
-          </p:cNvPr>
-          <p:cNvSpPr/>
-          <p:nvPr/>
-        </p:nvSpPr>
-        <p:spPr>
-          <a:xfrm>
-            <a:off x="452746" y="464612"/>
-            <a:ext cx="1480557" cy="295175"/>
-          </a:xfrm>
-          <a:prstGeom prst="rect">
-            <a:avLst/>
-          </a:prstGeom>
-          <a:solidFill>
-            <a:srgbClr val="1A4F8D"/>
-          </a:solidFill>
-          <a:ln>
-            <a:noFill/>
-          </a:ln>
-        </p:spPr>
-        <p:style>
-          <a:lnRef idx="2">
-            <a:schemeClr val="accent1">
-              <a:shade val="50000"/>
-            </a:schemeClr>
-          </a:lnRef>
-          <a:fillRef idx="1">
-            <a:schemeClr val="accent1"/>
-          </a:fillRef>
-          <a:effectRef idx="0">
-            <a:schemeClr val="accent1"/>
-          </a:effectRef>
-          <a:fontRef idx="minor">
-            <a:schemeClr val="lt1"/>
-          </a:fontRef>
-        </p:style>
-        <p:txBody>
-          <a:bodyPr wrap="square" tIns="0" bIns="18000" rtlCol="0" anchor="ctr">
-            <a:spAutoFit/>
-          </a:bodyPr>
-          <a:lstStyle/>
-          <a:p>
-            <a:r>
-              <a:rPr lang="en-IN" sz="1800" b="1" cap="all" dirty="0">
-                <a:solidFill>
-                  <a:schemeClr val="bg1"/>
-                </a:solidFill>
-              </a:rPr>
-              <a:t>Example 1</a:t>
+              <a:t>Example 3</a:t>
             </a:r>
             <a:endParaRPr lang="en-US" sz="1800" cap="all" dirty="0"/>
           </a:p>
@@ -9862,10 +6843,10 @@
       </p:cxnSp>
       <p:pic>
         <p:nvPicPr>
-          <p:cNvPr id="8" name="Picture 7">
+          <p:cNvPr id="13" name="Picture 12">
             <a:extLst>
               <a:ext uri="{FF2B5EF4-FFF2-40B4-BE49-F238E27FC236}">
-                <a16:creationId xmlns:a16="http://schemas.microsoft.com/office/drawing/2014/main" id="{150AE97F-6F1D-7268-AA84-21461CEB1858}"/>
+                <a16:creationId xmlns:a16="http://schemas.microsoft.com/office/drawing/2014/main" id="{DAAA24DF-7B7D-F23C-BF7B-485D28BD2099}"/>
               </a:ext>
             </a:extLst>
           </p:cNvPr>
@@ -9882,20 +6863,303 @@
         </p:blipFill>
         <p:spPr>
           <a:xfrm>
-            <a:off x="1153809" y="1915854"/>
-            <a:ext cx="1197194" cy="444467"/>
+            <a:off x="1110985" y="1635588"/>
+            <a:ext cx="1737729" cy="603790"/>
           </a:xfrm>
           <a:prstGeom prst="rect">
             <a:avLst/>
           </a:prstGeom>
         </p:spPr>
       </p:pic>
+    </p:spTree>
+    <p:extLst>
+      <p:ext uri="{BB962C8B-B14F-4D97-AF65-F5344CB8AC3E}">
+        <p14:creationId xmlns:p14="http://schemas.microsoft.com/office/powerpoint/2010/main" val="3691376732"/>
+      </p:ext>
+    </p:extLst>
+  </p:cSld>
+  <p:clrMapOvr>
+    <a:masterClrMapping/>
+  </p:clrMapOvr>
+</p:sld>
+</file>
+
+<file path=ppt/slides/slide13.xml><?xml version="1.0" encoding="utf-8"?>
+<p:sld xmlns:a="http://schemas.openxmlformats.org/drawingml/2006/main" xmlns:r="http://schemas.openxmlformats.org/officeDocument/2006/relationships" xmlns:p="http://schemas.openxmlformats.org/presentationml/2006/main">
+  <p:cSld>
+    <p:spTree>
+      <p:nvGrpSpPr>
+        <p:cNvPr id="1" name="Shape 173">
+          <a:extLst>
+            <a:ext uri="{FF2B5EF4-FFF2-40B4-BE49-F238E27FC236}">
+              <a16:creationId xmlns:a16="http://schemas.microsoft.com/office/drawing/2014/main" id="{E91E70AC-4A2A-3FDF-9401-CDDCAC5E4F46}"/>
+            </a:ext>
+          </a:extLst>
+        </p:cNvPr>
+        <p:cNvGrpSpPr/>
+        <p:nvPr/>
+      </p:nvGrpSpPr>
+      <p:grpSpPr>
+        <a:xfrm>
+          <a:off x="0" y="0"/>
+          <a:ext cx="0" cy="0"/>
+          <a:chOff x="0" y="0"/>
+          <a:chExt cx="0" cy="0"/>
+        </a:xfrm>
+      </p:grpSpPr>
+      <p:sp>
+        <p:nvSpPr>
+          <p:cNvPr id="8" name="TextBox 7">
+            <a:extLst>
+              <a:ext uri="{FF2B5EF4-FFF2-40B4-BE49-F238E27FC236}">
+                <a16:creationId xmlns:a16="http://schemas.microsoft.com/office/drawing/2014/main" id="{32536478-F799-37E9-8147-AD617B8D1500}"/>
+              </a:ext>
+            </a:extLst>
+          </p:cNvPr>
+          <p:cNvSpPr txBox="1"/>
+          <p:nvPr/>
+        </p:nvSpPr>
+        <p:spPr>
+          <a:xfrm>
+            <a:off x="355758" y="430002"/>
+            <a:ext cx="8341433" cy="2939266"/>
+          </a:xfrm>
+          <a:prstGeom prst="rect">
+            <a:avLst/>
+          </a:prstGeom>
+          <a:noFill/>
+        </p:spPr>
+        <p:txBody>
+          <a:bodyPr wrap="square" rIns="36000" rtlCol="0">
+            <a:spAutoFit/>
+          </a:bodyPr>
+          <a:lstStyle/>
+          <a:p>
+            <a:pPr>
+              <a:spcAft>
+                <a:spcPts val="2000"/>
+              </a:spcAft>
+              <a:tabLst>
+                <a:tab pos="1584000" algn="l"/>
+              </a:tabLst>
+            </a:pPr>
+            <a:r>
+              <a:rPr lang="en-IN" sz="1800" b="1" dirty="0">
+                <a:solidFill>
+                  <a:srgbClr val="0078AE"/>
+                </a:solidFill>
+              </a:rPr>
+              <a:t>	</a:t>
+            </a:r>
+            <a:r>
+              <a:rPr lang="en-US" sz="1800" b="1" dirty="0">
+                <a:solidFill>
+                  <a:srgbClr val="58585A"/>
+                </a:solidFill>
+              </a:rPr>
+              <a:t>Find Types of Horizontal Asymptotes</a:t>
+            </a:r>
+            <a:endParaRPr lang="en-IN" sz="1800" b="1" dirty="0">
+              <a:solidFill>
+                <a:srgbClr val="58585A"/>
+              </a:solidFill>
+            </a:endParaRPr>
+          </a:p>
+          <a:p>
+            <a:pPr marL="1476375" indent="-1466850">
+              <a:spcAft>
+                <a:spcPts val="600"/>
+              </a:spcAft>
+              <a:tabLst>
+                <a:tab pos="1062038" algn="l"/>
+                <a:tab pos="1465263" algn="l"/>
+              </a:tabLst>
+            </a:pPr>
+            <a:r>
+              <a:rPr lang="en-IN" sz="1800" b="1" dirty="0">
+                <a:solidFill>
+                  <a:srgbClr val="D92B31"/>
+                </a:solidFill>
+              </a:rPr>
+              <a:t>Try It!</a:t>
+            </a:r>
+            <a:endParaRPr lang="en-IN" sz="1800" b="1" dirty="0">
+              <a:solidFill>
+                <a:schemeClr val="tx1"/>
+              </a:solidFill>
+            </a:endParaRPr>
+          </a:p>
+          <a:p>
+            <a:pPr marL="342900" indent="-342900">
+              <a:spcAft>
+                <a:spcPts val="1200"/>
+              </a:spcAft>
+              <a:buFont typeface="+mj-lt"/>
+              <a:buAutoNum type="arabicPeriod" startAt="3"/>
+            </a:pPr>
+            <a:r>
+              <a:rPr lang="en-IN" sz="1600" b="1" dirty="0"/>
+              <a:t>​</a:t>
+            </a:r>
+            <a:r>
+              <a:rPr lang="en-US" sz="1600" dirty="0"/>
+              <a:t>What are the horizontal asymptotes of the graph of each function?</a:t>
+            </a:r>
+          </a:p>
+          <a:p>
+            <a:pPr marL="720000" indent="-360000">
+              <a:spcAft>
+                <a:spcPts val="3200"/>
+              </a:spcAft>
+              <a:buAutoNum type="alphaLcPeriod"/>
+              <a:tabLst>
+                <a:tab pos="1103313" algn="l"/>
+              </a:tabLst>
+            </a:pPr>
+            <a:endParaRPr lang="en-IN" sz="1600" b="1" dirty="0"/>
+          </a:p>
+          <a:p>
+            <a:pPr marL="360000">
+              <a:spcAft>
+                <a:spcPts val="2700"/>
+              </a:spcAft>
+              <a:tabLst>
+                <a:tab pos="1103313" algn="l"/>
+              </a:tabLst>
+            </a:pPr>
+            <a:r>
+              <a:rPr lang="en-IN" sz="1600" b="1" dirty="0"/>
+              <a:t>b.​</a:t>
+            </a:r>
+          </a:p>
+          <a:p>
+            <a:pPr marL="702900" indent="-342900">
+              <a:spcAft>
+                <a:spcPts val="15000"/>
+              </a:spcAft>
+              <a:buFont typeface="+mj-lt"/>
+              <a:buAutoNum type="alphaLcPeriod"/>
+              <a:tabLst>
+                <a:tab pos="1103313" algn="l"/>
+              </a:tabLst>
+            </a:pPr>
+            <a:endParaRPr lang="en-IN" sz="1600" dirty="0">
+              <a:solidFill>
+                <a:schemeClr val="tx1"/>
+              </a:solidFill>
+            </a:endParaRPr>
+          </a:p>
+        </p:txBody>
+      </p:sp>
+      <p:sp>
+        <p:nvSpPr>
+          <p:cNvPr id="9" name="Rectangle 8">
+            <a:extLst>
+              <a:ext uri="{FF2B5EF4-FFF2-40B4-BE49-F238E27FC236}">
+                <a16:creationId xmlns:a16="http://schemas.microsoft.com/office/drawing/2014/main" id="{992D41EF-1AC8-6829-D97E-E33D6C3BD0E3}"/>
+              </a:ext>
+            </a:extLst>
+          </p:cNvPr>
+          <p:cNvSpPr/>
+          <p:nvPr/>
+        </p:nvSpPr>
+        <p:spPr>
+          <a:xfrm>
+            <a:off x="452746" y="464612"/>
+            <a:ext cx="1480557" cy="295175"/>
+          </a:xfrm>
+          <a:prstGeom prst="rect">
+            <a:avLst/>
+          </a:prstGeom>
+          <a:solidFill>
+            <a:srgbClr val="1A4F8D"/>
+          </a:solidFill>
+          <a:ln>
+            <a:noFill/>
+          </a:ln>
+        </p:spPr>
+        <p:style>
+          <a:lnRef idx="2">
+            <a:schemeClr val="accent1">
+              <a:shade val="50000"/>
+            </a:schemeClr>
+          </a:lnRef>
+          <a:fillRef idx="1">
+            <a:schemeClr val="accent1"/>
+          </a:fillRef>
+          <a:effectRef idx="0">
+            <a:schemeClr val="accent1"/>
+          </a:effectRef>
+          <a:fontRef idx="minor">
+            <a:schemeClr val="lt1"/>
+          </a:fontRef>
+        </p:style>
+        <p:txBody>
+          <a:bodyPr wrap="square" tIns="0" bIns="18000" rtlCol="0" anchor="ctr">
+            <a:spAutoFit/>
+          </a:bodyPr>
+          <a:lstStyle/>
+          <a:p>
+            <a:r>
+              <a:rPr lang="en-IN" sz="1800" b="1" cap="all" dirty="0">
+                <a:solidFill>
+                  <a:schemeClr val="bg1"/>
+                </a:solidFill>
+              </a:rPr>
+              <a:t>Example 3</a:t>
+            </a:r>
+            <a:endParaRPr lang="en-US" sz="1800" cap="all" dirty="0"/>
+          </a:p>
+        </p:txBody>
+      </p:sp>
+      <p:cxnSp>
+        <p:nvCxnSpPr>
+          <p:cNvPr id="10" name="Straight Connector 9">
+            <a:extLst>
+              <a:ext uri="{FF2B5EF4-FFF2-40B4-BE49-F238E27FC236}">
+                <a16:creationId xmlns:a16="http://schemas.microsoft.com/office/drawing/2014/main" id="{9E90C97C-BFC0-4C76-EB4E-8DA6B6F20739}"/>
+              </a:ext>
+            </a:extLst>
+          </p:cNvPr>
+          <p:cNvCxnSpPr/>
+          <p:nvPr/>
+        </p:nvCxnSpPr>
+        <p:spPr>
+          <a:xfrm>
+            <a:off x="425301" y="894900"/>
+            <a:ext cx="8304028" cy="0"/>
+          </a:xfrm>
+          <a:prstGeom prst="line">
+            <a:avLst/>
+          </a:prstGeom>
+          <a:ln w="25400">
+            <a:solidFill>
+              <a:srgbClr val="0078AE"/>
+            </a:solidFill>
+            <a:prstDash val="dash"/>
+          </a:ln>
+        </p:spPr>
+        <p:style>
+          <a:lnRef idx="1">
+            <a:schemeClr val="accent1"/>
+          </a:lnRef>
+          <a:fillRef idx="0">
+            <a:schemeClr val="accent1"/>
+          </a:fillRef>
+          <a:effectRef idx="0">
+            <a:schemeClr val="accent1"/>
+          </a:effectRef>
+          <a:fontRef idx="minor">
+            <a:schemeClr val="tx1"/>
+          </a:fontRef>
+        </p:style>
+      </p:cxnSp>
       <p:pic>
         <p:nvPicPr>
-          <p:cNvPr id="12" name="Picture 11">
+          <p:cNvPr id="15" name="Picture 14">
             <a:extLst>
               <a:ext uri="{FF2B5EF4-FFF2-40B4-BE49-F238E27FC236}">
-                <a16:creationId xmlns:a16="http://schemas.microsoft.com/office/drawing/2014/main" id="{3DAA6E87-594A-BCB4-C005-6A8A3A4384A8}"/>
+                <a16:creationId xmlns:a16="http://schemas.microsoft.com/office/drawing/2014/main" id="{7924E614-31A4-1FC5-D31A-98D83E890B49}"/>
               </a:ext>
             </a:extLst>
           </p:cNvPr>
@@ -9905,15 +7169,15 @@
           <p:nvPr/>
         </p:nvPicPr>
         <p:blipFill>
-          <a:blip r:embed="rId4"/>
+          <a:blip r:embed="rId3"/>
           <a:stretch>
             <a:fillRect/>
           </a:stretch>
         </p:blipFill>
         <p:spPr>
           <a:xfrm>
-            <a:off x="1126977" y="2490560"/>
-            <a:ext cx="1161349" cy="430129"/>
+            <a:off x="1140039" y="2290839"/>
+            <a:ext cx="1752457" cy="603790"/>
           </a:xfrm>
           <a:prstGeom prst="rect">
             <a:avLst/>
@@ -9923,7 +7187,7 @@
     </p:spTree>
     <p:extLst>
       <p:ext uri="{BB962C8B-B14F-4D97-AF65-F5344CB8AC3E}">
-        <p14:creationId xmlns:p14="http://schemas.microsoft.com/office/powerpoint/2010/main" val="1472477715"/>
+        <p14:creationId xmlns:p14="http://schemas.microsoft.com/office/powerpoint/2010/main" val="1152355415"/>
       </p:ext>
     </p:extLst>
   </p:cSld>
@@ -9933,7 +7197,321 @@
 </p:sld>
 </file>
 
-<file path=ppt/slides/slide20.xml><?xml version="1.0" encoding="utf-8"?>
+<file path=ppt/slides/slide14.xml><?xml version="1.0" encoding="utf-8"?>
+<p:sld xmlns:a="http://schemas.openxmlformats.org/drawingml/2006/main" xmlns:r="http://schemas.openxmlformats.org/officeDocument/2006/relationships" xmlns:p="http://schemas.openxmlformats.org/presentationml/2006/main">
+  <p:cSld>
+    <p:spTree>
+      <p:nvGrpSpPr>
+        <p:cNvPr id="1" name="Shape 173">
+          <a:extLst>
+            <a:ext uri="{FF2B5EF4-FFF2-40B4-BE49-F238E27FC236}">
+              <a16:creationId xmlns:a16="http://schemas.microsoft.com/office/drawing/2014/main" id="{CCAD6803-8071-1EC1-1F0B-7EF39C43553E}"/>
+            </a:ext>
+          </a:extLst>
+        </p:cNvPr>
+        <p:cNvGrpSpPr/>
+        <p:nvPr/>
+      </p:nvGrpSpPr>
+      <p:grpSpPr>
+        <a:xfrm>
+          <a:off x="0" y="0"/>
+          <a:ext cx="0" cy="0"/>
+          <a:chOff x="0" y="0"/>
+          <a:chExt cx="0" cy="0"/>
+        </a:xfrm>
+      </p:grpSpPr>
+      <p:sp>
+        <p:nvSpPr>
+          <p:cNvPr id="8" name="TextBox 7">
+            <a:extLst>
+              <a:ext uri="{FF2B5EF4-FFF2-40B4-BE49-F238E27FC236}">
+                <a16:creationId xmlns:a16="http://schemas.microsoft.com/office/drawing/2014/main" id="{3DBD1550-AB99-4278-B92E-51376250E056}"/>
+              </a:ext>
+            </a:extLst>
+          </p:cNvPr>
+          <p:cNvSpPr txBox="1"/>
+          <p:nvPr/>
+        </p:nvSpPr>
+        <p:spPr>
+          <a:xfrm>
+            <a:off x="355758" y="430002"/>
+            <a:ext cx="8341433" cy="2939266"/>
+          </a:xfrm>
+          <a:prstGeom prst="rect">
+            <a:avLst/>
+          </a:prstGeom>
+          <a:noFill/>
+        </p:spPr>
+        <p:txBody>
+          <a:bodyPr wrap="square" rIns="36000" rtlCol="0">
+            <a:spAutoFit/>
+          </a:bodyPr>
+          <a:lstStyle/>
+          <a:p>
+            <a:pPr>
+              <a:spcAft>
+                <a:spcPts val="2000"/>
+              </a:spcAft>
+              <a:tabLst>
+                <a:tab pos="1584000" algn="l"/>
+              </a:tabLst>
+            </a:pPr>
+            <a:r>
+              <a:rPr lang="en-IN" sz="1800" b="1" dirty="0">
+                <a:solidFill>
+                  <a:srgbClr val="0078AE"/>
+                </a:solidFill>
+              </a:rPr>
+              <a:t>	</a:t>
+            </a:r>
+            <a:r>
+              <a:rPr lang="en-US" sz="1800" b="1" dirty="0">
+                <a:solidFill>
+                  <a:srgbClr val="58585A"/>
+                </a:solidFill>
+              </a:rPr>
+              <a:t>Find Types of Horizontal Asymptotes</a:t>
+            </a:r>
+            <a:endParaRPr lang="en-IN" sz="1800" b="1" dirty="0">
+              <a:solidFill>
+                <a:srgbClr val="58585A"/>
+              </a:solidFill>
+            </a:endParaRPr>
+          </a:p>
+          <a:p>
+            <a:pPr marL="1476375" indent="-1466850">
+              <a:spcAft>
+                <a:spcPts val="600"/>
+              </a:spcAft>
+              <a:tabLst>
+                <a:tab pos="1062038" algn="l"/>
+                <a:tab pos="1465263" algn="l"/>
+              </a:tabLst>
+            </a:pPr>
+            <a:r>
+              <a:rPr lang="en-IN" sz="1800" b="1" dirty="0">
+                <a:solidFill>
+                  <a:srgbClr val="D92B31"/>
+                </a:solidFill>
+              </a:rPr>
+              <a:t>Try It!</a:t>
+            </a:r>
+            <a:endParaRPr lang="en-IN" sz="1800" b="1" dirty="0">
+              <a:solidFill>
+                <a:schemeClr val="tx1"/>
+              </a:solidFill>
+            </a:endParaRPr>
+          </a:p>
+          <a:p>
+            <a:pPr marL="342900" indent="-342900">
+              <a:spcAft>
+                <a:spcPts val="1200"/>
+              </a:spcAft>
+              <a:buFont typeface="+mj-lt"/>
+              <a:buAutoNum type="arabicPeriod" startAt="3"/>
+            </a:pPr>
+            <a:r>
+              <a:rPr lang="en-IN" sz="1600" b="1" dirty="0"/>
+              <a:t>​</a:t>
+            </a:r>
+            <a:r>
+              <a:rPr lang="en-US" sz="1600" dirty="0"/>
+              <a:t>What are the horizontal asymptotes of the graph of each function?</a:t>
+            </a:r>
+          </a:p>
+          <a:p>
+            <a:pPr marL="720000" indent="-360000">
+              <a:spcAft>
+                <a:spcPts val="3200"/>
+              </a:spcAft>
+              <a:buAutoNum type="alphaLcPeriod"/>
+              <a:tabLst>
+                <a:tab pos="1103313" algn="l"/>
+              </a:tabLst>
+            </a:pPr>
+            <a:endParaRPr lang="en-IN" sz="1600" b="1" dirty="0"/>
+          </a:p>
+          <a:p>
+            <a:pPr marL="702900" indent="-342900">
+              <a:spcAft>
+                <a:spcPts val="2700"/>
+              </a:spcAft>
+              <a:buFont typeface="+mj-lt"/>
+              <a:buAutoNum type="alphaLcPeriod"/>
+              <a:tabLst>
+                <a:tab pos="1103313" algn="l"/>
+              </a:tabLst>
+            </a:pPr>
+            <a:endParaRPr lang="en-IN" sz="1600" b="1" dirty="0"/>
+          </a:p>
+          <a:p>
+            <a:pPr marL="360000">
+              <a:spcAft>
+                <a:spcPts val="15000"/>
+              </a:spcAft>
+              <a:tabLst>
+                <a:tab pos="1103313" algn="l"/>
+              </a:tabLst>
+            </a:pPr>
+            <a:r>
+              <a:rPr lang="en-IN" sz="1600" b="1" dirty="0"/>
+              <a:t>c.​</a:t>
+            </a:r>
+            <a:endParaRPr lang="en-IN" sz="1600" dirty="0">
+              <a:solidFill>
+                <a:schemeClr val="tx1"/>
+              </a:solidFill>
+            </a:endParaRPr>
+          </a:p>
+        </p:txBody>
+      </p:sp>
+      <p:sp>
+        <p:nvSpPr>
+          <p:cNvPr id="9" name="Rectangle 8">
+            <a:extLst>
+              <a:ext uri="{FF2B5EF4-FFF2-40B4-BE49-F238E27FC236}">
+                <a16:creationId xmlns:a16="http://schemas.microsoft.com/office/drawing/2014/main" id="{ED66FD76-EEF5-F664-15DA-B40B8248683C}"/>
+              </a:ext>
+            </a:extLst>
+          </p:cNvPr>
+          <p:cNvSpPr/>
+          <p:nvPr/>
+        </p:nvSpPr>
+        <p:spPr>
+          <a:xfrm>
+            <a:off x="452746" y="464612"/>
+            <a:ext cx="1480557" cy="295175"/>
+          </a:xfrm>
+          <a:prstGeom prst="rect">
+            <a:avLst/>
+          </a:prstGeom>
+          <a:solidFill>
+            <a:srgbClr val="1A4F8D"/>
+          </a:solidFill>
+          <a:ln>
+            <a:noFill/>
+          </a:ln>
+        </p:spPr>
+        <p:style>
+          <a:lnRef idx="2">
+            <a:schemeClr val="accent1">
+              <a:shade val="50000"/>
+            </a:schemeClr>
+          </a:lnRef>
+          <a:fillRef idx="1">
+            <a:schemeClr val="accent1"/>
+          </a:fillRef>
+          <a:effectRef idx="0">
+            <a:schemeClr val="accent1"/>
+          </a:effectRef>
+          <a:fontRef idx="minor">
+            <a:schemeClr val="lt1"/>
+          </a:fontRef>
+        </p:style>
+        <p:txBody>
+          <a:bodyPr wrap="square" tIns="0" bIns="18000" rtlCol="0" anchor="ctr">
+            <a:spAutoFit/>
+          </a:bodyPr>
+          <a:lstStyle/>
+          <a:p>
+            <a:r>
+              <a:rPr lang="en-IN" sz="1800" b="1" cap="all" dirty="0">
+                <a:solidFill>
+                  <a:schemeClr val="bg1"/>
+                </a:solidFill>
+              </a:rPr>
+              <a:t>Example 3</a:t>
+            </a:r>
+            <a:endParaRPr lang="en-US" sz="1800" cap="all" dirty="0"/>
+          </a:p>
+        </p:txBody>
+      </p:sp>
+      <p:cxnSp>
+        <p:nvCxnSpPr>
+          <p:cNvPr id="10" name="Straight Connector 9">
+            <a:extLst>
+              <a:ext uri="{FF2B5EF4-FFF2-40B4-BE49-F238E27FC236}">
+                <a16:creationId xmlns:a16="http://schemas.microsoft.com/office/drawing/2014/main" id="{4CCDD9C2-3B8F-35EF-D6D4-FF20FB237392}"/>
+              </a:ext>
+            </a:extLst>
+          </p:cNvPr>
+          <p:cNvCxnSpPr/>
+          <p:nvPr/>
+        </p:nvCxnSpPr>
+        <p:spPr>
+          <a:xfrm>
+            <a:off x="425301" y="894900"/>
+            <a:ext cx="8304028" cy="0"/>
+          </a:xfrm>
+          <a:prstGeom prst="line">
+            <a:avLst/>
+          </a:prstGeom>
+          <a:ln w="25400">
+            <a:solidFill>
+              <a:srgbClr val="0078AE"/>
+            </a:solidFill>
+            <a:prstDash val="dash"/>
+          </a:ln>
+        </p:spPr>
+        <p:style>
+          <a:lnRef idx="1">
+            <a:schemeClr val="accent1"/>
+          </a:lnRef>
+          <a:fillRef idx="0">
+            <a:schemeClr val="accent1"/>
+          </a:fillRef>
+          <a:effectRef idx="0">
+            <a:schemeClr val="accent1"/>
+          </a:effectRef>
+          <a:fontRef idx="minor">
+            <a:schemeClr val="tx1"/>
+          </a:fontRef>
+        </p:style>
+      </p:cxnSp>
+      <p:pic>
+        <p:nvPicPr>
+          <p:cNvPr id="3" name="Picture 2">
+            <a:extLst>
+              <a:ext uri="{FF2B5EF4-FFF2-40B4-BE49-F238E27FC236}">
+                <a16:creationId xmlns:a16="http://schemas.microsoft.com/office/drawing/2014/main" id="{F8D8A1C3-727D-5988-69A4-B83A829F788D}"/>
+              </a:ext>
+            </a:extLst>
+          </p:cNvPr>
+          <p:cNvPicPr>
+            <a:picLocks noChangeAspect="1"/>
+          </p:cNvPicPr>
+          <p:nvPr/>
+        </p:nvPicPr>
+        <p:blipFill>
+          <a:blip r:embed="rId3"/>
+          <a:stretch>
+            <a:fillRect/>
+          </a:stretch>
+        </p:blipFill>
+        <p:spPr>
+          <a:xfrm>
+            <a:off x="1122761" y="2878591"/>
+            <a:ext cx="1845725" cy="603790"/>
+          </a:xfrm>
+          <a:prstGeom prst="rect">
+            <a:avLst/>
+          </a:prstGeom>
+        </p:spPr>
+      </p:pic>
+    </p:spTree>
+    <p:extLst>
+      <p:ext uri="{BB962C8B-B14F-4D97-AF65-F5344CB8AC3E}">
+        <p14:creationId xmlns:p14="http://schemas.microsoft.com/office/powerpoint/2010/main" val="1421221443"/>
+      </p:ext>
+    </p:extLst>
+  </p:cSld>
+  <p:clrMapOvr>
+    <a:masterClrMapping/>
+  </p:clrMapOvr>
+</p:sld>
+</file>
+
+<file path=ppt/slides/slide15.xml><?xml version="1.0" encoding="utf-8"?>
 <p:sld xmlns:a="http://schemas.openxmlformats.org/drawingml/2006/main" xmlns:r="http://schemas.openxmlformats.org/officeDocument/2006/relationships" xmlns:p="http://schemas.openxmlformats.org/presentationml/2006/main">
   <p:cSld>
     <p:spTree>
@@ -11054,7 +8632,7 @@
 </p:sld>
 </file>
 
-<file path=ppt/slides/slide21.xml><?xml version="1.0" encoding="utf-8"?>
+<file path=ppt/slides/slide16.xml><?xml version="1.0" encoding="utf-8"?>
 <p:sld xmlns:a="http://schemas.openxmlformats.org/drawingml/2006/main" xmlns:r="http://schemas.openxmlformats.org/officeDocument/2006/relationships" xmlns:p="http://schemas.openxmlformats.org/presentationml/2006/main">
   <p:cSld>
     <p:spTree>
@@ -11684,7 +9262,7 @@
 </p:sld>
 </file>
 
-<file path=ppt/slides/slide3.xml><?xml version="1.0" encoding="utf-8"?>
+<file path=ppt/slides/slide2.xml><?xml version="1.0" encoding="utf-8"?>
 <p:sld xmlns:a="http://schemas.openxmlformats.org/drawingml/2006/main" xmlns:r="http://schemas.openxmlformats.org/officeDocument/2006/relationships" xmlns:p="http://schemas.openxmlformats.org/presentationml/2006/main">
   <p:cSld>
     <p:spTree>
@@ -11703,10 +9281,10 @@
       </p:grpSpPr>
       <p:sp>
         <p:nvSpPr>
-          <p:cNvPr id="8" name="TextBox 7">
+          <p:cNvPr id="5" name="TextBox 4">
             <a:extLst>
               <a:ext uri="{FF2B5EF4-FFF2-40B4-BE49-F238E27FC236}">
-                <a16:creationId xmlns:a16="http://schemas.microsoft.com/office/drawing/2014/main" id="{E2AF600D-6F8E-AF4F-9F8A-7A6BE3BFBF7F}"/>
+                <a16:creationId xmlns:a16="http://schemas.microsoft.com/office/drawing/2014/main" id="{6E8F0502-F26D-4842-97A7-E6A7B55ABA0B}"/>
               </a:ext>
             </a:extLst>
           </p:cNvPr>
@@ -11715,8 +9293,8 @@
         </p:nvSpPr>
         <p:spPr>
           <a:xfrm>
-            <a:off x="355758" y="378983"/>
-            <a:ext cx="8341433" cy="369332"/>
+            <a:off x="355758" y="430002"/>
+            <a:ext cx="8341433" cy="1872307"/>
           </a:xfrm>
           <a:prstGeom prst="rect">
             <a:avLst/>
@@ -11731,16 +9309,19 @@
           <a:p>
             <a:pPr>
               <a:spcAft>
-                <a:spcPts val="600"/>
+                <a:spcPts val="2000"/>
               </a:spcAft>
+              <a:tabLst>
+                <a:tab pos="1584000" algn="l"/>
+              </a:tabLst>
             </a:pPr>
             <a:r>
               <a:rPr lang="en-IN" sz="1800" b="1" dirty="0">
                 <a:solidFill>
-                  <a:srgbClr val="137F97"/>
+                  <a:srgbClr val="0078AE"/>
                 </a:solidFill>
               </a:rPr>
-              <a:t>CONCEPT </a:t>
+              <a:t>	</a:t>
             </a:r>
             <a:r>
               <a:rPr lang="en-US" sz="1800" b="1" dirty="0">
@@ -11748,7 +9329,7 @@
                   <a:srgbClr val="58585A"/>
                 </a:solidFill>
               </a:rPr>
-              <a:t>Rational Functions</a:t>
+              <a:t>Rewrite a Rational Function to Identify Asymptotes</a:t>
             </a:r>
             <a:endParaRPr lang="en-IN" sz="1800" b="1" dirty="0">
               <a:solidFill>
@@ -11756,14 +9337,181 @@
               </a:solidFill>
             </a:endParaRPr>
           </a:p>
+          <a:p>
+            <a:pPr marL="1476375" indent="-1466850">
+              <a:spcAft>
+                <a:spcPts val="600"/>
+              </a:spcAft>
+              <a:tabLst>
+                <a:tab pos="1062038" algn="l"/>
+                <a:tab pos="1465263" algn="l"/>
+              </a:tabLst>
+            </a:pPr>
+            <a:r>
+              <a:rPr lang="en-IN" sz="1800" b="1" dirty="0">
+                <a:solidFill>
+                  <a:srgbClr val="D92B31"/>
+                </a:solidFill>
+              </a:rPr>
+              <a:t>Try It!</a:t>
+            </a:r>
+            <a:endParaRPr lang="en-IN" sz="1800" b="1" dirty="0">
+              <a:solidFill>
+                <a:schemeClr val="tx1"/>
+              </a:solidFill>
+            </a:endParaRPr>
+          </a:p>
+          <a:p>
+            <a:pPr marL="342900" indent="-342900">
+              <a:spcAft>
+                <a:spcPts val="1200"/>
+              </a:spcAft>
+              <a:buFont typeface="+mj-lt"/>
+              <a:buAutoNum type="arabicPeriod"/>
+            </a:pPr>
+            <a:r>
+              <a:rPr lang="en-IN" sz="1600" b="1" dirty="0"/>
+              <a:t>​​</a:t>
+            </a:r>
+            <a:r>
+              <a:rPr lang="en-US" sz="1600" dirty="0"/>
+              <a:t>Use long division to rewrite each rational function. Find the asymptotes of </a:t>
+            </a:r>
+            <a:r>
+              <a:rPr lang="en-US" sz="1600" i="1" dirty="0"/>
+              <a:t>f</a:t>
+            </a:r>
+            <a:r>
+              <a:rPr lang="en-US" sz="1600" dirty="0"/>
+              <a:t> and sketch the graph.</a:t>
+            </a:r>
+          </a:p>
+          <a:p>
+            <a:pPr marL="720000" indent="-360000">
+              <a:spcAft>
+                <a:spcPts val="2400"/>
+              </a:spcAft>
+              <a:buAutoNum type="alphaLcPeriod"/>
+              <a:tabLst>
+                <a:tab pos="1103313" algn="l"/>
+              </a:tabLst>
+            </a:pPr>
+            <a:r>
+              <a:rPr lang="en-IN" sz="1600" b="1" dirty="0"/>
+              <a:t>​</a:t>
+            </a:r>
+          </a:p>
         </p:txBody>
       </p:sp>
+      <p:sp>
+        <p:nvSpPr>
+          <p:cNvPr id="6" name="Rectangle 5">
+            <a:extLst>
+              <a:ext uri="{FF2B5EF4-FFF2-40B4-BE49-F238E27FC236}">
+                <a16:creationId xmlns:a16="http://schemas.microsoft.com/office/drawing/2014/main" id="{33341DDE-51A7-BB4A-A5D0-B99BDB557C68}"/>
+              </a:ext>
+            </a:extLst>
+          </p:cNvPr>
+          <p:cNvSpPr/>
+          <p:nvPr/>
+        </p:nvSpPr>
+        <p:spPr>
+          <a:xfrm>
+            <a:off x="452746" y="464612"/>
+            <a:ext cx="1480557" cy="295175"/>
+          </a:xfrm>
+          <a:prstGeom prst="rect">
+            <a:avLst/>
+          </a:prstGeom>
+          <a:solidFill>
+            <a:srgbClr val="1A4F8D"/>
+          </a:solidFill>
+          <a:ln>
+            <a:noFill/>
+          </a:ln>
+        </p:spPr>
+        <p:style>
+          <a:lnRef idx="2">
+            <a:schemeClr val="accent1">
+              <a:shade val="50000"/>
+            </a:schemeClr>
+          </a:lnRef>
+          <a:fillRef idx="1">
+            <a:schemeClr val="accent1"/>
+          </a:fillRef>
+          <a:effectRef idx="0">
+            <a:schemeClr val="accent1"/>
+          </a:effectRef>
+          <a:fontRef idx="minor">
+            <a:schemeClr val="lt1"/>
+          </a:fontRef>
+        </p:style>
+        <p:txBody>
+          <a:bodyPr wrap="square" tIns="0" bIns="18000" rtlCol="0" anchor="ctr">
+            <a:spAutoFit/>
+          </a:bodyPr>
+          <a:lstStyle/>
+          <a:p>
+            <a:r>
+              <a:rPr lang="en-IN" sz="1800" b="1" cap="all" dirty="0">
+                <a:solidFill>
+                  <a:schemeClr val="bg1"/>
+                </a:solidFill>
+              </a:rPr>
+              <a:t>Example 1</a:t>
+            </a:r>
+            <a:endParaRPr lang="en-US" sz="1800" cap="all" dirty="0"/>
+          </a:p>
+        </p:txBody>
+      </p:sp>
+      <p:cxnSp>
+        <p:nvCxnSpPr>
+          <p:cNvPr id="10" name="Straight Connector 9">
+            <a:extLst>
+              <a:ext uri="{FF2B5EF4-FFF2-40B4-BE49-F238E27FC236}">
+                <a16:creationId xmlns:a16="http://schemas.microsoft.com/office/drawing/2014/main" id="{2D026447-33AB-3446-A23C-AFEA10330B4F}"/>
+              </a:ext>
+            </a:extLst>
+          </p:cNvPr>
+          <p:cNvCxnSpPr/>
+          <p:nvPr/>
+        </p:nvCxnSpPr>
+        <p:spPr>
+          <a:xfrm>
+            <a:off x="425301" y="894900"/>
+            <a:ext cx="8304028" cy="0"/>
+          </a:xfrm>
+          <a:prstGeom prst="line">
+            <a:avLst/>
+          </a:prstGeom>
+          <a:ln w="25400">
+            <a:solidFill>
+              <a:srgbClr val="0078AE"/>
+            </a:solidFill>
+            <a:prstDash val="dash"/>
+          </a:ln>
+        </p:spPr>
+        <p:style>
+          <a:lnRef idx="1">
+            <a:schemeClr val="accent1"/>
+          </a:lnRef>
+          <a:fillRef idx="0">
+            <a:schemeClr val="accent1"/>
+          </a:fillRef>
+          <a:effectRef idx="0">
+            <a:schemeClr val="accent1"/>
+          </a:effectRef>
+          <a:fontRef idx="minor">
+            <a:schemeClr val="tx1"/>
+          </a:fontRef>
+        </p:style>
+      </p:cxnSp>
       <p:pic>
         <p:nvPicPr>
-          <p:cNvPr id="6" name="Picture 5">
+          <p:cNvPr id="8" name="Picture 7">
             <a:extLst>
               <a:ext uri="{FF2B5EF4-FFF2-40B4-BE49-F238E27FC236}">
-                <a16:creationId xmlns:a16="http://schemas.microsoft.com/office/drawing/2014/main" id="{7E35CA67-0A16-4A19-39A1-262E5283669B}"/>
+                <a16:creationId xmlns:a16="http://schemas.microsoft.com/office/drawing/2014/main" id="{150AE97F-6F1D-7268-AA84-21461CEB1858}"/>
               </a:ext>
             </a:extLst>
           </p:cNvPr>
@@ -11780,20 +9528,298 @@
         </p:blipFill>
         <p:spPr>
           <a:xfrm>
-            <a:off x="7698482" y="1062977"/>
-            <a:ext cx="436646" cy="436646"/>
+            <a:off x="1153809" y="1915854"/>
+            <a:ext cx="1197194" cy="444467"/>
           </a:xfrm>
           <a:prstGeom prst="rect">
             <a:avLst/>
           </a:prstGeom>
         </p:spPr>
       </p:pic>
+    </p:spTree>
+    <p:extLst>
+      <p:ext uri="{BB962C8B-B14F-4D97-AF65-F5344CB8AC3E}">
+        <p14:creationId xmlns:p14="http://schemas.microsoft.com/office/powerpoint/2010/main" val="1472477715"/>
+      </p:ext>
+    </p:extLst>
+  </p:cSld>
+  <p:clrMapOvr>
+    <a:masterClrMapping/>
+  </p:clrMapOvr>
+</p:sld>
+</file>
+
+<file path=ppt/slides/slide3.xml><?xml version="1.0" encoding="utf-8"?>
+<p:sld xmlns:a="http://schemas.openxmlformats.org/drawingml/2006/main" xmlns:r="http://schemas.openxmlformats.org/officeDocument/2006/relationships" xmlns:p="http://schemas.openxmlformats.org/presentationml/2006/main">
+  <p:cSld>
+    <p:spTree>
+      <p:nvGrpSpPr>
+        <p:cNvPr id="1" name="Shape 173">
+          <a:extLst>
+            <a:ext uri="{FF2B5EF4-FFF2-40B4-BE49-F238E27FC236}">
+              <a16:creationId xmlns:a16="http://schemas.microsoft.com/office/drawing/2014/main" id="{91A0D7E3-CE68-D03A-9374-51B06CCF123F}"/>
+            </a:ext>
+          </a:extLst>
+        </p:cNvPr>
+        <p:cNvGrpSpPr/>
+        <p:nvPr/>
+      </p:nvGrpSpPr>
+      <p:grpSpPr>
+        <a:xfrm>
+          <a:off x="0" y="0"/>
+          <a:ext cx="0" cy="0"/>
+          <a:chOff x="0" y="0"/>
+          <a:chExt cx="0" cy="0"/>
+        </a:xfrm>
+      </p:grpSpPr>
+      <p:sp>
+        <p:nvSpPr>
+          <p:cNvPr id="5" name="TextBox 4">
+            <a:extLst>
+              <a:ext uri="{FF2B5EF4-FFF2-40B4-BE49-F238E27FC236}">
+                <a16:creationId xmlns:a16="http://schemas.microsoft.com/office/drawing/2014/main" id="{8CDE3D6D-DE1B-BA33-A898-C1BBD1651897}"/>
+              </a:ext>
+            </a:extLst>
+          </p:cNvPr>
+          <p:cNvSpPr txBox="1"/>
+          <p:nvPr/>
+        </p:nvSpPr>
+        <p:spPr>
+          <a:xfrm>
+            <a:off x="355758" y="430002"/>
+            <a:ext cx="8341433" cy="2426305"/>
+          </a:xfrm>
+          <a:prstGeom prst="rect">
+            <a:avLst/>
+          </a:prstGeom>
+          <a:noFill/>
+        </p:spPr>
+        <p:txBody>
+          <a:bodyPr wrap="square" rIns="36000" rtlCol="0">
+            <a:spAutoFit/>
+          </a:bodyPr>
+          <a:lstStyle/>
+          <a:p>
+            <a:pPr>
+              <a:spcAft>
+                <a:spcPts val="2000"/>
+              </a:spcAft>
+              <a:tabLst>
+                <a:tab pos="1584000" algn="l"/>
+              </a:tabLst>
+            </a:pPr>
+            <a:r>
+              <a:rPr lang="en-IN" sz="1800" b="1" dirty="0">
+                <a:solidFill>
+                  <a:srgbClr val="0078AE"/>
+                </a:solidFill>
+              </a:rPr>
+              <a:t>	</a:t>
+            </a:r>
+            <a:r>
+              <a:rPr lang="en-US" sz="1800" b="1" dirty="0">
+                <a:solidFill>
+                  <a:srgbClr val="58585A"/>
+                </a:solidFill>
+              </a:rPr>
+              <a:t>Rewrite a Rational Function to Identify Asymptotes</a:t>
+            </a:r>
+            <a:endParaRPr lang="en-IN" sz="1800" b="1" dirty="0">
+              <a:solidFill>
+                <a:srgbClr val="58585A"/>
+              </a:solidFill>
+            </a:endParaRPr>
+          </a:p>
+          <a:p>
+            <a:pPr marL="1476375" indent="-1466850">
+              <a:spcAft>
+                <a:spcPts val="600"/>
+              </a:spcAft>
+              <a:tabLst>
+                <a:tab pos="1062038" algn="l"/>
+                <a:tab pos="1465263" algn="l"/>
+              </a:tabLst>
+            </a:pPr>
+            <a:r>
+              <a:rPr lang="en-IN" sz="1800" b="1" dirty="0">
+                <a:solidFill>
+                  <a:srgbClr val="D92B31"/>
+                </a:solidFill>
+              </a:rPr>
+              <a:t>Try It!</a:t>
+            </a:r>
+            <a:endParaRPr lang="en-IN" sz="1800" b="1" dirty="0">
+              <a:solidFill>
+                <a:schemeClr val="tx1"/>
+              </a:solidFill>
+            </a:endParaRPr>
+          </a:p>
+          <a:p>
+            <a:pPr marL="342900" indent="-342900">
+              <a:spcAft>
+                <a:spcPts val="1200"/>
+              </a:spcAft>
+              <a:buFont typeface="+mj-lt"/>
+              <a:buAutoNum type="arabicPeriod"/>
+            </a:pPr>
+            <a:r>
+              <a:rPr lang="en-IN" sz="1600" b="1" dirty="0"/>
+              <a:t>​​</a:t>
+            </a:r>
+            <a:r>
+              <a:rPr lang="en-US" sz="1600" dirty="0"/>
+              <a:t>Use long division to rewrite each rational function. Find the asymptotes of </a:t>
+            </a:r>
+            <a:r>
+              <a:rPr lang="en-US" sz="1600" i="1" dirty="0"/>
+              <a:t>f</a:t>
+            </a:r>
+            <a:r>
+              <a:rPr lang="en-US" sz="1600" dirty="0"/>
+              <a:t> and sketch the graph.</a:t>
+            </a:r>
+          </a:p>
+          <a:p>
+            <a:pPr marL="360000">
+              <a:spcAft>
+                <a:spcPts val="2400"/>
+              </a:spcAft>
+              <a:tabLst>
+                <a:tab pos="1103313" algn="l"/>
+              </a:tabLst>
+            </a:pPr>
+            <a:endParaRPr lang="en-IN" sz="1600" b="1" dirty="0"/>
+          </a:p>
+          <a:p>
+            <a:pPr marL="360000">
+              <a:spcAft>
+                <a:spcPts val="15000"/>
+              </a:spcAft>
+              <a:tabLst>
+                <a:tab pos="1103313" algn="l"/>
+              </a:tabLst>
+            </a:pPr>
+            <a:r>
+              <a:rPr lang="en-IN" sz="1600" b="1"/>
+              <a:t>b. ​</a:t>
+            </a:r>
+            <a:endParaRPr lang="en-IN" sz="1600" dirty="0">
+              <a:solidFill>
+                <a:schemeClr val="tx1"/>
+              </a:solidFill>
+            </a:endParaRPr>
+          </a:p>
+        </p:txBody>
+      </p:sp>
+      <p:sp>
+        <p:nvSpPr>
+          <p:cNvPr id="6" name="Rectangle 5">
+            <a:extLst>
+              <a:ext uri="{FF2B5EF4-FFF2-40B4-BE49-F238E27FC236}">
+                <a16:creationId xmlns:a16="http://schemas.microsoft.com/office/drawing/2014/main" id="{175A5360-7BBF-3470-6D42-CBA542AF09E8}"/>
+              </a:ext>
+            </a:extLst>
+          </p:cNvPr>
+          <p:cNvSpPr/>
+          <p:nvPr/>
+        </p:nvSpPr>
+        <p:spPr>
+          <a:xfrm>
+            <a:off x="452746" y="464612"/>
+            <a:ext cx="1480557" cy="295175"/>
+          </a:xfrm>
+          <a:prstGeom prst="rect">
+            <a:avLst/>
+          </a:prstGeom>
+          <a:solidFill>
+            <a:srgbClr val="1A4F8D"/>
+          </a:solidFill>
+          <a:ln>
+            <a:noFill/>
+          </a:ln>
+        </p:spPr>
+        <p:style>
+          <a:lnRef idx="2">
+            <a:schemeClr val="accent1">
+              <a:shade val="50000"/>
+            </a:schemeClr>
+          </a:lnRef>
+          <a:fillRef idx="1">
+            <a:schemeClr val="accent1"/>
+          </a:fillRef>
+          <a:effectRef idx="0">
+            <a:schemeClr val="accent1"/>
+          </a:effectRef>
+          <a:fontRef idx="minor">
+            <a:schemeClr val="lt1"/>
+          </a:fontRef>
+        </p:style>
+        <p:txBody>
+          <a:bodyPr wrap="square" tIns="0" bIns="18000" rtlCol="0" anchor="ctr">
+            <a:spAutoFit/>
+          </a:bodyPr>
+          <a:lstStyle/>
+          <a:p>
+            <a:r>
+              <a:rPr lang="en-IN" sz="1800" b="1" cap="all" dirty="0">
+                <a:solidFill>
+                  <a:schemeClr val="bg1"/>
+                </a:solidFill>
+              </a:rPr>
+              <a:t>Example 1</a:t>
+            </a:r>
+            <a:endParaRPr lang="en-US" sz="1800" cap="all" dirty="0"/>
+          </a:p>
+        </p:txBody>
+      </p:sp>
+      <p:cxnSp>
+        <p:nvCxnSpPr>
+          <p:cNvPr id="10" name="Straight Connector 9">
+            <a:extLst>
+              <a:ext uri="{FF2B5EF4-FFF2-40B4-BE49-F238E27FC236}">
+                <a16:creationId xmlns:a16="http://schemas.microsoft.com/office/drawing/2014/main" id="{0741E6E2-46F3-EE35-A710-AABE1DAE2DA6}"/>
+              </a:ext>
+            </a:extLst>
+          </p:cNvPr>
+          <p:cNvCxnSpPr/>
+          <p:nvPr/>
+        </p:nvCxnSpPr>
+        <p:spPr>
+          <a:xfrm>
+            <a:off x="425301" y="894900"/>
+            <a:ext cx="8304028" cy="0"/>
+          </a:xfrm>
+          <a:prstGeom prst="line">
+            <a:avLst/>
+          </a:prstGeom>
+          <a:ln w="25400">
+            <a:solidFill>
+              <a:srgbClr val="0078AE"/>
+            </a:solidFill>
+            <a:prstDash val="dash"/>
+          </a:ln>
+        </p:spPr>
+        <p:style>
+          <a:lnRef idx="1">
+            <a:schemeClr val="accent1"/>
+          </a:lnRef>
+          <a:fillRef idx="0">
+            <a:schemeClr val="accent1"/>
+          </a:fillRef>
+          <a:effectRef idx="0">
+            <a:schemeClr val="accent1"/>
+          </a:effectRef>
+          <a:fontRef idx="minor">
+            <a:schemeClr val="tx1"/>
+          </a:fontRef>
+        </p:style>
+      </p:cxnSp>
       <p:pic>
         <p:nvPicPr>
           <p:cNvPr id="12" name="Picture 11">
             <a:extLst>
               <a:ext uri="{FF2B5EF4-FFF2-40B4-BE49-F238E27FC236}">
-                <a16:creationId xmlns:a16="http://schemas.microsoft.com/office/drawing/2014/main" id="{45798ACA-3E1B-AC6C-5875-45085F37302A}"/>
+                <a16:creationId xmlns:a16="http://schemas.microsoft.com/office/drawing/2014/main" id="{3D5C69AD-D382-35CA-9636-AF188A21580D}"/>
               </a:ext>
             </a:extLst>
           </p:cNvPr>
@@ -11803,207 +9829,25 @@
           <p:nvPr/>
         </p:nvPicPr>
         <p:blipFill>
-          <a:blip r:embed="rId4"/>
+          <a:blip r:embed="rId3"/>
           <a:stretch>
             <a:fillRect/>
           </a:stretch>
         </p:blipFill>
         <p:spPr>
           <a:xfrm>
-            <a:off x="1434723" y="2022324"/>
-            <a:ext cx="1068805" cy="391026"/>
+            <a:off x="1126977" y="2490560"/>
+            <a:ext cx="1161349" cy="430129"/>
           </a:xfrm>
           <a:prstGeom prst="rect">
             <a:avLst/>
           </a:prstGeom>
         </p:spPr>
       </p:pic>
-      <p:pic>
-        <p:nvPicPr>
-          <p:cNvPr id="15" name="Picture 14">
-            <a:extLst>
-              <a:ext uri="{FF2B5EF4-FFF2-40B4-BE49-F238E27FC236}">
-                <a16:creationId xmlns:a16="http://schemas.microsoft.com/office/drawing/2014/main" id="{1A58A0B1-49CB-5B21-DBD7-A8D614E5CB5B}"/>
-              </a:ext>
-            </a:extLst>
-          </p:cNvPr>
-          <p:cNvPicPr>
-            <a:picLocks noChangeAspect="1"/>
-          </p:cNvPicPr>
-          <p:nvPr/>
-        </p:nvPicPr>
-        <p:blipFill>
-          <a:blip r:embed="rId5"/>
-          <a:stretch>
-            <a:fillRect/>
-          </a:stretch>
-        </p:blipFill>
-        <p:spPr>
-          <a:xfrm>
-            <a:off x="6496829" y="1358035"/>
-            <a:ext cx="1042738" cy="469233"/>
-          </a:xfrm>
-          <a:prstGeom prst="rect">
-            <a:avLst/>
-          </a:prstGeom>
-        </p:spPr>
-      </p:pic>
-      <p:sp>
-        <p:nvSpPr>
-          <p:cNvPr id="22" name="TextBox 21">
-            <a:extLst>
-              <a:ext uri="{FF2B5EF4-FFF2-40B4-BE49-F238E27FC236}">
-                <a16:creationId xmlns:a16="http://schemas.microsoft.com/office/drawing/2014/main" id="{2B6ACAD5-3236-AFCA-8FA6-810FA1BF6D3E}"/>
-              </a:ext>
-            </a:extLst>
-          </p:cNvPr>
-          <p:cNvSpPr txBox="1"/>
-          <p:nvPr/>
-        </p:nvSpPr>
-        <p:spPr>
-          <a:xfrm>
-            <a:off x="381002" y="777863"/>
-            <a:ext cx="8254997" cy="1631216"/>
-          </a:xfrm>
-          <a:prstGeom prst="rect">
-            <a:avLst/>
-          </a:prstGeom>
-          <a:noFill/>
-        </p:spPr>
-        <p:txBody>
-          <a:bodyPr wrap="square" rtlCol="0">
-            <a:spAutoFit/>
-          </a:bodyPr>
-          <a:lstStyle/>
-          <a:p>
-            <a:pPr>
-              <a:spcAft>
-                <a:spcPts val="600"/>
-              </a:spcAft>
-            </a:pPr>
-            <a:r>
-              <a:rPr lang="en-US" dirty="0"/>
-              <a:t>Just as a rational number is a number that can be expressed as the ratio of two integers, a </a:t>
-            </a:r>
-            <a:r>
-              <a:rPr lang="en-US" b="1" dirty="0">
-                <a:highlight>
-                  <a:srgbClr val="FFFF00"/>
-                </a:highlight>
-              </a:rPr>
-              <a:t>rational</a:t>
-            </a:r>
-          </a:p>
-          <a:p>
-            <a:pPr>
-              <a:spcAft>
-                <a:spcPts val="1200"/>
-              </a:spcAft>
-            </a:pPr>
-            <a:r>
-              <a:rPr lang="en-US" b="1" dirty="0">
-                <a:highlight>
-                  <a:srgbClr val="FFFF00"/>
-                </a:highlight>
-              </a:rPr>
-              <a:t>expression</a:t>
-            </a:r>
-            <a:r>
-              <a:rPr lang="en-US" dirty="0"/>
-              <a:t> is an expression that can be expressed as the ratio of two polynomials, such as      </a:t>
-            </a:r>
-          </a:p>
-          <a:p>
-            <a:pPr>
-              <a:spcAft>
-                <a:spcPts val="600"/>
-              </a:spcAft>
-            </a:pPr>
-            <a:r>
-              <a:rPr lang="en-US" dirty="0"/>
-              <a:t>A </a:t>
-            </a:r>
-            <a:r>
-              <a:rPr lang="en-US" b="1" dirty="0">
-                <a:highlight>
-                  <a:srgbClr val="FFFF00"/>
-                </a:highlight>
-              </a:rPr>
-              <a:t>rational function</a:t>
-            </a:r>
-            <a:r>
-              <a:rPr lang="en-US" dirty="0"/>
-              <a:t> is any function defined by a rational expression, such as                     . The domain </a:t>
-            </a:r>
-          </a:p>
-          <a:p>
-            <a:pPr>
-              <a:spcAft>
-                <a:spcPts val="1200"/>
-              </a:spcAft>
-            </a:pPr>
-            <a:r>
-              <a:rPr lang="en-US" dirty="0"/>
-              <a:t>of </a:t>
-            </a:r>
-            <a:r>
-              <a:rPr lang="en-US" i="1" dirty="0"/>
-              <a:t>R</a:t>
-            </a:r>
-            <a:r>
-              <a:rPr lang="en-US" dirty="0"/>
-              <a:t>(</a:t>
-            </a:r>
-            <a:r>
-              <a:rPr lang="en-US" i="1" dirty="0"/>
-              <a:t>x</a:t>
-            </a:r>
-            <a:r>
-              <a:rPr lang="en-US" dirty="0"/>
-              <a:t>) is all values of </a:t>
-            </a:r>
-            <a:r>
-              <a:rPr lang="en-US" i="1" dirty="0"/>
-              <a:t>x</a:t>
-            </a:r>
-            <a:r>
-              <a:rPr lang="en-US" dirty="0"/>
-              <a:t> for which </a:t>
-            </a:r>
-            <a:r>
-              <a:rPr lang="en-US" i="1" dirty="0"/>
-              <a:t>Q</a:t>
-            </a:r>
-            <a:r>
-              <a:rPr lang="en-US" dirty="0"/>
-              <a:t>(</a:t>
-            </a:r>
-            <a:r>
-              <a:rPr lang="en-US" i="1" dirty="0"/>
-              <a:t>x</a:t>
-            </a:r>
-            <a:r>
-              <a:rPr lang="en-US" dirty="0"/>
-              <a:t>) ≠ 0.</a:t>
-            </a:r>
-          </a:p>
-          <a:p>
-            <a:pPr>
-              <a:spcAft>
-                <a:spcPts val="1200"/>
-              </a:spcAft>
-            </a:pPr>
-            <a:r>
-              <a:rPr lang="en-US" dirty="0"/>
-              <a:t>The function                      is a rational function.</a:t>
-            </a:r>
-          </a:p>
-        </p:txBody>
-      </p:sp>
     </p:spTree>
     <p:extLst>
       <p:ext uri="{BB962C8B-B14F-4D97-AF65-F5344CB8AC3E}">
-        <p14:creationId xmlns:p14="http://schemas.microsoft.com/office/powerpoint/2010/main" val="1062313780"/>
+        <p14:creationId xmlns:p14="http://schemas.microsoft.com/office/powerpoint/2010/main" val="3629579978"/>
       </p:ext>
     </p:extLst>
   </p:cSld>
@@ -12014,6 +9858,66 @@
 </file>
 
 <file path=ppt/slides/slide4.xml><?xml version="1.0" encoding="utf-8"?>
+<p:sld xmlns:a="http://schemas.openxmlformats.org/drawingml/2006/main" xmlns:r="http://schemas.openxmlformats.org/officeDocument/2006/relationships" xmlns:p="http://schemas.openxmlformats.org/presentationml/2006/main">
+  <p:cSld>
+    <p:spTree>
+      <p:nvGrpSpPr>
+        <p:cNvPr id="1" name=""/>
+        <p:cNvGrpSpPr/>
+        <p:nvPr/>
+      </p:nvGrpSpPr>
+      <p:grpSpPr>
+        <a:xfrm>
+          <a:off x="0" y="0"/>
+          <a:ext cx="0" cy="0"/>
+          <a:chOff x="0" y="0"/>
+          <a:chExt cx="0" cy="0"/>
+        </a:xfrm>
+      </p:grpSpPr>
+      <p:pic>
+        <p:nvPicPr>
+          <p:cNvPr id="2" name="Picture 1" descr="A screenshot of a math problem&#10;&#10;Description automatically generated">
+            <a:extLst>
+              <a:ext uri="{FF2B5EF4-FFF2-40B4-BE49-F238E27FC236}">
+                <a16:creationId xmlns:a16="http://schemas.microsoft.com/office/drawing/2014/main" id="{56BFEBAB-25F5-737C-466F-697D10F3ED1E}"/>
+              </a:ext>
+            </a:extLst>
+          </p:cNvPr>
+          <p:cNvPicPr>
+            <a:picLocks noChangeAspect="1"/>
+          </p:cNvPicPr>
+          <p:nvPr/>
+        </p:nvPicPr>
+        <p:blipFill>
+          <a:blip r:embed="rId2"/>
+          <a:stretch>
+            <a:fillRect/>
+          </a:stretch>
+        </p:blipFill>
+        <p:spPr>
+          <a:xfrm>
+            <a:off x="1143000" y="2064702"/>
+            <a:ext cx="6858000" cy="2728595"/>
+          </a:xfrm>
+          <a:prstGeom prst="rect">
+            <a:avLst/>
+          </a:prstGeom>
+        </p:spPr>
+      </p:pic>
+    </p:spTree>
+    <p:extLst>
+      <p:ext uri="{BB962C8B-B14F-4D97-AF65-F5344CB8AC3E}">
+        <p14:creationId xmlns:p14="http://schemas.microsoft.com/office/powerpoint/2010/main" val="1489576825"/>
+      </p:ext>
+    </p:extLst>
+  </p:cSld>
+  <p:clrMapOvr>
+    <a:masterClrMapping/>
+  </p:clrMapOvr>
+</p:sld>
+</file>
+
+<file path=ppt/slides/slide5.xml><?xml version="1.0" encoding="utf-8"?>
 <p:sld xmlns:a="http://schemas.openxmlformats.org/drawingml/2006/main" xmlns:r="http://schemas.openxmlformats.org/officeDocument/2006/relationships" xmlns:p="http://schemas.openxmlformats.org/presentationml/2006/main">
   <p:cSld>
     <p:spTree>
@@ -12045,7 +9949,7 @@
         <p:spPr>
           <a:xfrm>
             <a:off x="355758" y="706927"/>
-            <a:ext cx="8321209" cy="4498667"/>
+            <a:ext cx="8321209" cy="3098284"/>
           </a:xfrm>
           <a:prstGeom prst="rect">
             <a:avLst/>
@@ -12100,209 +10004,51 @@
               </a:spcAft>
             </a:pPr>
             <a:r>
-              <a:rPr lang="en-US" dirty="0"/>
+              <a:rPr lang="en-US" sz="1800" dirty="0"/>
               <a:t>Vertical asymptotes can occur at the </a:t>
             </a:r>
             <a:r>
-              <a:rPr lang="en-US" i="1" dirty="0"/>
+              <a:rPr lang="en-US" sz="1800" i="1" dirty="0"/>
               <a:t>x</a:t>
             </a:r>
             <a:r>
-              <a:rPr lang="en-US" dirty="0"/>
+              <a:rPr lang="en-US" sz="1800" dirty="0"/>
               <a:t>-values where the function is undefined. </a:t>
             </a:r>
             <a:br>
-              <a:rPr lang="en-US" dirty="0"/>
+              <a:rPr lang="en-US" sz="1800" dirty="0"/>
             </a:br>
             <a:r>
-              <a:rPr lang="en-US" dirty="0"/>
+              <a:rPr lang="en-US" sz="1800" dirty="0"/>
               <a:t>Determine where the denominator of the rational function </a:t>
             </a:r>
             <a:r>
-              <a:rPr lang="pt-BR" dirty="0" err="1"/>
+              <a:rPr lang="pt-BR" sz="1800" dirty="0" err="1"/>
               <a:t>is</a:t>
             </a:r>
             <a:r>
-              <a:rPr lang="pt-BR" dirty="0"/>
+              <a:rPr lang="pt-BR" sz="1800" dirty="0"/>
               <a:t> </a:t>
             </a:r>
             <a:r>
-              <a:rPr lang="pt-BR" dirty="0" err="1"/>
+              <a:rPr lang="pt-BR" sz="1800" dirty="0" err="1"/>
               <a:t>equal</a:t>
             </a:r>
             <a:r>
-              <a:rPr lang="pt-BR" dirty="0"/>
+              <a:rPr lang="pt-BR" sz="1800" dirty="0"/>
               <a:t> </a:t>
             </a:r>
             <a:r>
-              <a:rPr lang="pt-BR" dirty="0" err="1"/>
+              <a:rPr lang="pt-BR" sz="1800" dirty="0" err="1"/>
               <a:t>to</a:t>
             </a:r>
             <a:r>
-              <a:rPr lang="pt-BR" dirty="0"/>
+              <a:rPr lang="pt-BR" sz="1800" dirty="0"/>
               <a:t> 0.</a:t>
             </a:r>
           </a:p>
           <a:p>
             <a:endParaRPr lang="en-US" dirty="0"/>
-          </a:p>
-          <a:p>
-            <a:pPr marL="342000">
-              <a:spcAft>
-                <a:spcPts val="600"/>
-              </a:spcAft>
-            </a:pPr>
-            <a:r>
-              <a:rPr lang="en-US" dirty="0"/>
-              <a:t>The possible vertical asymptotes are </a:t>
-            </a:r>
-            <a:r>
-              <a:rPr lang="en-US" i="1" dirty="0">
-                <a:solidFill>
-                  <a:schemeClr val="tx1"/>
-                </a:solidFill>
-              </a:rPr>
-              <a:t>x</a:t>
-            </a:r>
-            <a:r>
-              <a:rPr lang="en-US" dirty="0">
-                <a:solidFill>
-                  <a:schemeClr val="tx1"/>
-                </a:solidFill>
-              </a:rPr>
-              <a:t> = −3</a:t>
-            </a:r>
-            <a:br>
-              <a:rPr lang="en-US" dirty="0">
-                <a:solidFill>
-                  <a:schemeClr val="tx1"/>
-                </a:solidFill>
-              </a:rPr>
-            </a:br>
-            <a:r>
-              <a:rPr lang="en-US" dirty="0">
-                <a:solidFill>
-                  <a:schemeClr val="tx1"/>
-                </a:solidFill>
-              </a:rPr>
-              <a:t>and </a:t>
-            </a:r>
-            <a:r>
-              <a:rPr lang="en-US" i="1" dirty="0">
-                <a:solidFill>
-                  <a:schemeClr val="tx1"/>
-                </a:solidFill>
-              </a:rPr>
-              <a:t>x</a:t>
-            </a:r>
-            <a:r>
-              <a:rPr lang="en-US" dirty="0">
-                <a:solidFill>
-                  <a:schemeClr val="tx1"/>
-                </a:solidFill>
-              </a:rPr>
-              <a:t> = −4.</a:t>
-            </a:r>
-          </a:p>
-          <a:p>
-            <a:pPr marL="342000"/>
-            <a:r>
-              <a:rPr lang="en-US" dirty="0"/>
-              <a:t>Graph the function to determine if there are </a:t>
-            </a:r>
-            <a:br>
-              <a:rPr lang="en-US" dirty="0"/>
-            </a:br>
-            <a:r>
-              <a:rPr lang="en-US" dirty="0"/>
-              <a:t>asymptotes </a:t>
-            </a:r>
-            <a:r>
-              <a:rPr lang="en-US" dirty="0">
-                <a:solidFill>
-                  <a:schemeClr val="tx1"/>
-                </a:solidFill>
-              </a:rPr>
-              <a:t>at </a:t>
-            </a:r>
-            <a:r>
-              <a:rPr lang="en-US" i="1" dirty="0">
-                <a:solidFill>
-                  <a:schemeClr val="tx1"/>
-                </a:solidFill>
-              </a:rPr>
-              <a:t>x</a:t>
-            </a:r>
-            <a:r>
-              <a:rPr lang="en-US" dirty="0">
-                <a:solidFill>
-                  <a:schemeClr val="tx1"/>
-                </a:solidFill>
-              </a:rPr>
-              <a:t> = − 3 </a:t>
-            </a:r>
-            <a:r>
-              <a:rPr lang="mr-IN" dirty="0">
-                <a:solidFill>
-                  <a:schemeClr val="tx1"/>
-                </a:solidFill>
-              </a:rPr>
-              <a:t>or </a:t>
-            </a:r>
-            <a:r>
-              <a:rPr lang="en-US" i="1" dirty="0">
-                <a:solidFill>
-                  <a:schemeClr val="tx1"/>
-                </a:solidFill>
-              </a:rPr>
-              <a:t>x</a:t>
-            </a:r>
-            <a:r>
-              <a:rPr lang="mr-IN" dirty="0">
-                <a:solidFill>
-                  <a:schemeClr val="tx1"/>
-                </a:solidFill>
-              </a:rPr>
-              <a:t> = − 4.</a:t>
-            </a:r>
-          </a:p>
-          <a:p>
-            <a:pPr marL="342000"/>
-            <a:endParaRPr lang="en-US" dirty="0"/>
-          </a:p>
-          <a:p>
-            <a:pPr marL="342000"/>
-            <a:r>
-              <a:rPr lang="en-US" dirty="0"/>
-              <a:t>The graph is not defined at </a:t>
-            </a:r>
-            <a:r>
-              <a:rPr lang="en-US" i="1" dirty="0"/>
-              <a:t>x</a:t>
-            </a:r>
-            <a:r>
-              <a:rPr lang="en-US" dirty="0"/>
-              <a:t> = −3 or </a:t>
-            </a:r>
-            <a:r>
-              <a:rPr lang="en-US" i="1" dirty="0"/>
-              <a:t>x</a:t>
-            </a:r>
-            <a:r>
-              <a:rPr lang="en-US" dirty="0"/>
-              <a:t> = −4. </a:t>
-            </a:r>
-            <a:br>
-              <a:rPr lang="en-US" dirty="0"/>
-            </a:br>
-            <a:r>
-              <a:rPr lang="en-US" dirty="0"/>
-              <a:t>These lines are vertical asymptotes. </a:t>
-            </a:r>
-            <a:br>
-              <a:rPr lang="en-US" dirty="0"/>
-            </a:br>
-            <a:endParaRPr lang="en-US" b="1" dirty="0"/>
           </a:p>
         </p:txBody>
       </p:sp>
@@ -12411,109 +10157,6 @@
           </a:p>
         </p:txBody>
       </p:sp>
-      <p:sp>
-        <p:nvSpPr>
-          <p:cNvPr id="9" name="Rounded Rectangle 8">
-            <a:extLst>
-              <a:ext uri="{FF2B5EF4-FFF2-40B4-BE49-F238E27FC236}">
-                <a16:creationId xmlns:a16="http://schemas.microsoft.com/office/drawing/2014/main" id="{E7A370C1-14D5-AF43-A796-AF0540DA76D8}"/>
-              </a:ext>
-            </a:extLst>
-          </p:cNvPr>
-          <p:cNvSpPr/>
-          <p:nvPr/>
-        </p:nvSpPr>
-        <p:spPr>
-          <a:xfrm>
-            <a:off x="798380" y="5303822"/>
-            <a:ext cx="4533380" cy="733690"/>
-          </a:xfrm>
-          <a:prstGeom prst="roundRect">
-            <a:avLst/>
-          </a:prstGeom>
-          <a:noFill/>
-          <a:ln w="12700">
-            <a:solidFill>
-              <a:schemeClr val="tx1">
-                <a:lumMod val="50000"/>
-                <a:lumOff val="50000"/>
-              </a:schemeClr>
-            </a:solidFill>
-          </a:ln>
-        </p:spPr>
-        <p:style>
-          <a:lnRef idx="2">
-            <a:schemeClr val="accent1">
-              <a:shade val="50000"/>
-            </a:schemeClr>
-          </a:lnRef>
-          <a:fillRef idx="1">
-            <a:schemeClr val="accent1"/>
-          </a:fillRef>
-          <a:effectRef idx="0">
-            <a:schemeClr val="accent1"/>
-          </a:effectRef>
-          <a:fontRef idx="minor">
-            <a:schemeClr val="lt1"/>
-          </a:fontRef>
-        </p:style>
-        <p:txBody>
-          <a:bodyPr rtlCol="0" anchor="ctr"/>
-          <a:lstStyle/>
-          <a:p>
-            <a:pPr>
-              <a:spcAft>
-                <a:spcPts val="300"/>
-              </a:spcAft>
-            </a:pPr>
-            <a:r>
-              <a:rPr lang="en-US" sz="1200" b="1" dirty="0">
-                <a:solidFill>
-                  <a:srgbClr val="C02B43"/>
-                </a:solidFill>
-              </a:rPr>
-              <a:t>COMMUNICATE PRECISELY</a:t>
-            </a:r>
-            <a:endParaRPr lang="en-IN" sz="1200" b="1" dirty="0">
-              <a:solidFill>
-                <a:srgbClr val="C02B43"/>
-              </a:solidFill>
-            </a:endParaRPr>
-          </a:p>
-          <a:p>
-            <a:r>
-              <a:rPr lang="en-US" sz="1200" dirty="0">
-                <a:solidFill>
-                  <a:schemeClr val="tx1"/>
-                </a:solidFill>
-              </a:rPr>
-              <a:t>When creating a graph with asymptotes, it is important to clarify</a:t>
-            </a:r>
-            <a:br>
-              <a:rPr lang="en-US" sz="1200" dirty="0">
-                <a:solidFill>
-                  <a:schemeClr val="tx1"/>
-                </a:solidFill>
-              </a:rPr>
-            </a:br>
-            <a:r>
-              <a:rPr lang="en-US" sz="1200" dirty="0">
-                <a:solidFill>
-                  <a:schemeClr val="tx1"/>
-                </a:solidFill>
-              </a:rPr>
-              <a:t>if the lines indicated are vertical or horizontal asymptotes.</a:t>
-            </a:r>
-            <a:endParaRPr lang="en-IN" sz="1200" dirty="0">
-              <a:solidFill>
-                <a:schemeClr val="tx1"/>
-              </a:solidFill>
-              <a:latin typeface="Arial" panose="020B0604020202020204" pitchFamily="34" charset="0"/>
-              <a:cs typeface="Arial" panose="020B0604020202020204" pitchFamily="34" charset="0"/>
-            </a:endParaRPr>
-          </a:p>
-        </p:txBody>
-      </p:sp>
       <p:pic>
         <p:nvPicPr>
           <p:cNvPr id="11" name="Picture 10">
@@ -12560,14 +10203,13 @@
         </p:nvPicPr>
         <p:blipFill>
           <a:blip r:embed="rId4"/>
-          <a:stretch>
-            <a:fillRect/>
-          </a:stretch>
+          <a:srcRect r="55493"/>
+          <a:stretch/>
         </p:blipFill>
         <p:spPr>
           <a:xfrm>
-            <a:off x="795129" y="2147502"/>
-            <a:ext cx="4265744" cy="1126067"/>
+            <a:off x="936434" y="3320457"/>
+            <a:ext cx="3205908" cy="2788055"/>
           </a:xfrm>
           <a:prstGeom prst="rect">
             <a:avLst/>
@@ -12590,14 +10232,13 @@
         </p:nvPicPr>
         <p:blipFill>
           <a:blip r:embed="rId5"/>
-          <a:stretch>
-            <a:fillRect/>
-          </a:stretch>
+          <a:srcRect r="63173"/>
+          <a:stretch/>
         </p:blipFill>
         <p:spPr>
           <a:xfrm>
-            <a:off x="4489094" y="3101527"/>
-            <a:ext cx="4265744" cy="2095546"/>
+            <a:off x="5511998" y="2544288"/>
+            <a:ext cx="2783703" cy="3713292"/>
           </a:xfrm>
           <a:prstGeom prst="rect">
             <a:avLst/>
@@ -12617,7 +10258,7 @@
 </p:sld>
 </file>
 
-<file path=ppt/slides/slide5.xml><?xml version="1.0" encoding="utf-8"?>
+<file path=ppt/slides/slide6.xml><?xml version="1.0" encoding="utf-8"?>
 <p:sld xmlns:a="http://schemas.openxmlformats.org/drawingml/2006/main" xmlns:r="http://schemas.openxmlformats.org/officeDocument/2006/relationships" xmlns:p="http://schemas.openxmlformats.org/presentationml/2006/main">
   <p:cSld>
     <p:spTree>
@@ -12649,7 +10290,7 @@
         <p:spPr>
           <a:xfrm>
             <a:off x="355758" y="430002"/>
-            <a:ext cx="8341433" cy="4452501"/>
+            <a:ext cx="8341433" cy="2775119"/>
           </a:xfrm>
           <a:prstGeom prst="rect">
             <a:avLst/>
@@ -12725,11 +10366,11 @@
               <a:buAutoNum type="arabicPeriod" startAt="2"/>
             </a:pPr>
             <a:r>
-              <a:rPr lang="en-IN" sz="1600" b="1" dirty="0"/>
+              <a:rPr lang="en-IN" sz="2400" b="1" dirty="0"/>
               <a:t>​</a:t>
             </a:r>
             <a:r>
-              <a:rPr lang="en-US" sz="1600" dirty="0"/>
+              <a:rPr lang="en-US" sz="2400" dirty="0"/>
               <a:t>Find the vertical asymptotes for each function. Graph the function to check your work.</a:t>
             </a:r>
           </a:p>
@@ -12738,22 +10379,6 @@
               <a:spcAft>
                 <a:spcPts val="3200"/>
               </a:spcAft>
-              <a:buAutoNum type="alphaLcPeriod"/>
-              <a:tabLst>
-                <a:tab pos="1103313" algn="l"/>
-              </a:tabLst>
-            </a:pPr>
-            <a:r>
-              <a:rPr lang="en-IN" sz="1600" b="1" dirty="0"/>
-              <a:t>​</a:t>
-            </a:r>
-          </a:p>
-          <a:p>
-            <a:pPr marL="702900" indent="-342900">
-              <a:spcAft>
-                <a:spcPts val="15000"/>
-              </a:spcAft>
-              <a:buFont typeface="+mj-lt"/>
               <a:buAutoNum type="alphaLcPeriod"/>
               <a:tabLst>
                 <a:tab pos="1103313" algn="l"/>
@@ -12898,38 +10523,8 @@
         </p:blipFill>
         <p:spPr>
           <a:xfrm>
-            <a:off x="1140401" y="1667236"/>
+            <a:off x="1193024" y="2231250"/>
             <a:ext cx="1663166" cy="508986"/>
-          </a:xfrm>
-          <a:prstGeom prst="rect">
-            <a:avLst/>
-          </a:prstGeom>
-        </p:spPr>
-      </p:pic>
-      <p:pic>
-        <p:nvPicPr>
-          <p:cNvPr id="9" name="Picture 8">
-            <a:extLst>
-              <a:ext uri="{FF2B5EF4-FFF2-40B4-BE49-F238E27FC236}">
-                <a16:creationId xmlns:a16="http://schemas.microsoft.com/office/drawing/2014/main" id="{CCF900C9-1F70-5C67-8020-C8357FB9E286}"/>
-              </a:ext>
-            </a:extLst>
-          </p:cNvPr>
-          <p:cNvPicPr>
-            <a:picLocks noChangeAspect="1"/>
-          </p:cNvPicPr>
-          <p:nvPr/>
-        </p:nvPicPr>
-        <p:blipFill>
-          <a:blip r:embed="rId4"/>
-          <a:stretch>
-            <a:fillRect/>
-          </a:stretch>
-        </p:blipFill>
-        <p:spPr>
-          <a:xfrm>
-            <a:off x="1135436" y="2313654"/>
-            <a:ext cx="2494749" cy="494649"/>
           </a:xfrm>
           <a:prstGeom prst="rect">
             <a:avLst/>
@@ -12949,12 +10544,18 @@
 </p:sld>
 </file>
 
-<file path=ppt/slides/slide6.xml><?xml version="1.0" encoding="utf-8"?>
+<file path=ppt/slides/slide7.xml><?xml version="1.0" encoding="utf-8"?>
 <p:sld xmlns:a="http://schemas.openxmlformats.org/drawingml/2006/main" xmlns:r="http://schemas.openxmlformats.org/officeDocument/2006/relationships" xmlns:p="http://schemas.openxmlformats.org/presentationml/2006/main">
   <p:cSld>
     <p:spTree>
       <p:nvGrpSpPr>
-        <p:cNvPr id="1" name="Shape 173"/>
+        <p:cNvPr id="1" name="Shape 173">
+          <a:extLst>
+            <a:ext uri="{FF2B5EF4-FFF2-40B4-BE49-F238E27FC236}">
+              <a16:creationId xmlns:a16="http://schemas.microsoft.com/office/drawing/2014/main" id="{D92BA5A6-0615-8124-D7BC-B1E6011FDD60}"/>
+            </a:ext>
+          </a:extLst>
+        </p:cNvPr>
         <p:cNvGrpSpPr/>
         <p:nvPr/>
       </p:nvGrpSpPr>
@@ -12968,10 +10569,125 @@
       </p:grpSpPr>
       <p:sp>
         <p:nvSpPr>
-          <p:cNvPr id="6" name="Rectangle 5">
+          <p:cNvPr id="15" name="TextBox 14">
             <a:extLst>
               <a:ext uri="{FF2B5EF4-FFF2-40B4-BE49-F238E27FC236}">
-                <a16:creationId xmlns:a16="http://schemas.microsoft.com/office/drawing/2014/main" id="{33341DDE-51A7-BB4A-A5D0-B99BDB557C68}"/>
+                <a16:creationId xmlns:a16="http://schemas.microsoft.com/office/drawing/2014/main" id="{C3F96392-9296-5458-C71D-71E61DF32A26}"/>
+              </a:ext>
+            </a:extLst>
+          </p:cNvPr>
+          <p:cNvSpPr txBox="1"/>
+          <p:nvPr/>
+        </p:nvSpPr>
+        <p:spPr>
+          <a:xfrm>
+            <a:off x="355758" y="430002"/>
+            <a:ext cx="8341433" cy="2118529"/>
+          </a:xfrm>
+          <a:prstGeom prst="rect">
+            <a:avLst/>
+          </a:prstGeom>
+          <a:noFill/>
+        </p:spPr>
+        <p:txBody>
+          <a:bodyPr wrap="square" rIns="36000" rtlCol="0">
+            <a:spAutoFit/>
+          </a:bodyPr>
+          <a:lstStyle/>
+          <a:p>
+            <a:pPr>
+              <a:spcAft>
+                <a:spcPts val="2000"/>
+              </a:spcAft>
+              <a:tabLst>
+                <a:tab pos="1584000" algn="l"/>
+              </a:tabLst>
+            </a:pPr>
+            <a:r>
+              <a:rPr lang="en-IN" sz="1800" b="1" dirty="0">
+                <a:solidFill>
+                  <a:srgbClr val="0078AE"/>
+                </a:solidFill>
+              </a:rPr>
+              <a:t>	</a:t>
+            </a:r>
+            <a:r>
+              <a:rPr lang="en-US" sz="1800" b="1" dirty="0">
+                <a:solidFill>
+                  <a:srgbClr val="58585A"/>
+                </a:solidFill>
+              </a:rPr>
+              <a:t>Find Multiple Vertical Asymptotes of a Rational Function</a:t>
+            </a:r>
+            <a:endParaRPr lang="en-IN" sz="1800" b="1" dirty="0">
+              <a:solidFill>
+                <a:srgbClr val="58585A"/>
+              </a:solidFill>
+            </a:endParaRPr>
+          </a:p>
+          <a:p>
+            <a:pPr marL="1476375" indent="-1466850">
+              <a:spcAft>
+                <a:spcPts val="600"/>
+              </a:spcAft>
+              <a:tabLst>
+                <a:tab pos="1062038" algn="l"/>
+                <a:tab pos="1465263" algn="l"/>
+              </a:tabLst>
+            </a:pPr>
+            <a:r>
+              <a:rPr lang="en-IN" sz="1800" b="1" dirty="0">
+                <a:solidFill>
+                  <a:srgbClr val="D92B31"/>
+                </a:solidFill>
+              </a:rPr>
+              <a:t>Try It!</a:t>
+            </a:r>
+            <a:endParaRPr lang="en-IN" sz="1800" b="1" dirty="0">
+              <a:solidFill>
+                <a:schemeClr val="tx1"/>
+              </a:solidFill>
+            </a:endParaRPr>
+          </a:p>
+          <a:p>
+            <a:pPr marL="342900" indent="-342900">
+              <a:spcAft>
+                <a:spcPts val="1200"/>
+              </a:spcAft>
+              <a:buFont typeface="+mj-lt"/>
+              <a:buAutoNum type="arabicPeriod" startAt="2"/>
+            </a:pPr>
+            <a:r>
+              <a:rPr lang="en-IN" sz="2400" b="1" dirty="0"/>
+              <a:t>​</a:t>
+            </a:r>
+            <a:r>
+              <a:rPr lang="en-US" sz="2400" dirty="0"/>
+              <a:t>Find the vertical asymptotes for each function. Graph the function to check your work.</a:t>
+            </a:r>
+          </a:p>
+          <a:p>
+            <a:pPr marL="360000">
+              <a:spcAft>
+                <a:spcPts val="3200"/>
+              </a:spcAft>
+              <a:tabLst>
+                <a:tab pos="1103313" algn="l"/>
+              </a:tabLst>
+            </a:pPr>
+            <a:r>
+              <a:rPr lang="en-IN" sz="1600" b="1" dirty="0"/>
+              <a:t>b.</a:t>
+            </a:r>
+          </a:p>
+        </p:txBody>
+      </p:sp>
+      <p:sp>
+        <p:nvSpPr>
+          <p:cNvPr id="16" name="Rectangle 15">
+            <a:extLst>
+              <a:ext uri="{FF2B5EF4-FFF2-40B4-BE49-F238E27FC236}">
+                <a16:creationId xmlns:a16="http://schemas.microsoft.com/office/drawing/2014/main" id="{FE928CDD-E6DD-FA4A-9D19-0947DC88D808}"/>
               </a:ext>
             </a:extLst>
           </p:cNvPr>
@@ -12980,7 +10696,7 @@
         </p:nvSpPr>
         <p:spPr>
           <a:xfrm>
-            <a:off x="452746" y="761614"/>
+            <a:off x="452746" y="464612"/>
             <a:ext cx="1480557" cy="295175"/>
           </a:xfrm>
           <a:prstGeom prst="rect">
@@ -13021,189 +10737,60 @@
                   <a:schemeClr val="bg1"/>
                 </a:solidFill>
               </a:rPr>
-              <a:t>Example 3</a:t>
+              <a:t>Example 2</a:t>
             </a:r>
             <a:endParaRPr lang="en-US" sz="1800" cap="all" dirty="0"/>
           </a:p>
         </p:txBody>
       </p:sp>
-      <p:sp>
-        <p:nvSpPr>
-          <p:cNvPr id="4" name="TextBox 3">
+      <p:cxnSp>
+        <p:nvCxnSpPr>
+          <p:cNvPr id="17" name="Straight Connector 16">
             <a:extLst>
               <a:ext uri="{FF2B5EF4-FFF2-40B4-BE49-F238E27FC236}">
-                <a16:creationId xmlns:a16="http://schemas.microsoft.com/office/drawing/2014/main" id="{7B6773E5-DD17-5EE5-9D95-732A2DD18303}"/>
+                <a16:creationId xmlns:a16="http://schemas.microsoft.com/office/drawing/2014/main" id="{747C84BB-5F82-61C9-6ED5-216EE6AA26F6}"/>
               </a:ext>
             </a:extLst>
           </p:cNvPr>
-          <p:cNvSpPr txBox="1"/>
+          <p:cNvCxnSpPr/>
           <p:nvPr/>
-        </p:nvSpPr>
+        </p:nvCxnSpPr>
         <p:spPr>
           <a:xfrm>
-            <a:off x="355758" y="351588"/>
-            <a:ext cx="8341433" cy="369332"/>
+            <a:off x="425301" y="905060"/>
+            <a:ext cx="8304028" cy="0"/>
           </a:xfrm>
-          <a:prstGeom prst="rect">
+          <a:prstGeom prst="line">
             <a:avLst/>
           </a:prstGeom>
-          <a:noFill/>
+          <a:ln w="25400">
+            <a:solidFill>
+              <a:srgbClr val="0078AE"/>
+            </a:solidFill>
+            <a:prstDash val="dash"/>
+          </a:ln>
         </p:spPr>
-        <p:txBody>
-          <a:bodyPr wrap="square" rIns="36000" rtlCol="0">
-            <a:spAutoFit/>
-          </a:bodyPr>
-          <a:lstStyle/>
-          <a:p>
-            <a:r>
-              <a:rPr lang="en-IN" sz="1800" b="1" dirty="0">
-                <a:solidFill>
-                  <a:srgbClr val="137F97"/>
-                </a:solidFill>
-              </a:rPr>
-              <a:t>CONCEPTUAL UNDERSTANDING</a:t>
-            </a:r>
-            <a:endParaRPr lang="en-IN" sz="1800" dirty="0">
-              <a:solidFill>
-                <a:srgbClr val="137F97"/>
-              </a:solidFill>
-            </a:endParaRPr>
-          </a:p>
-        </p:txBody>
-      </p:sp>
-      <p:sp>
-        <p:nvSpPr>
-          <p:cNvPr id="18" name="TextBox 17">
+        <p:style>
+          <a:lnRef idx="1">
+            <a:schemeClr val="accent1"/>
+          </a:lnRef>
+          <a:fillRef idx="0">
+            <a:schemeClr val="accent1"/>
+          </a:fillRef>
+          <a:effectRef idx="0">
+            <a:schemeClr val="accent1"/>
+          </a:effectRef>
+          <a:fontRef idx="minor">
+            <a:schemeClr val="tx1"/>
+          </a:fontRef>
+        </p:style>
+      </p:cxnSp>
+      <p:pic>
+        <p:nvPicPr>
+          <p:cNvPr id="9" name="Picture 8">
             <a:extLst>
               <a:ext uri="{FF2B5EF4-FFF2-40B4-BE49-F238E27FC236}">
-                <a16:creationId xmlns:a16="http://schemas.microsoft.com/office/drawing/2014/main" id="{F886122E-2697-C253-2B68-ED8CC75E8FE3}"/>
-              </a:ext>
-            </a:extLst>
-          </p:cNvPr>
-          <p:cNvSpPr txBox="1"/>
-          <p:nvPr/>
-        </p:nvSpPr>
-        <p:spPr>
-          <a:xfrm>
-            <a:off x="355758" y="728197"/>
-            <a:ext cx="8321209" cy="2067233"/>
-          </a:xfrm>
-          <a:prstGeom prst="rect">
-            <a:avLst/>
-          </a:prstGeom>
-          <a:noFill/>
-        </p:spPr>
-        <p:txBody>
-          <a:bodyPr wrap="square" rIns="36000" rtlCol="0">
-            <a:spAutoFit/>
-          </a:bodyPr>
-          <a:lstStyle/>
-          <a:p>
-            <a:pPr>
-              <a:spcAft>
-                <a:spcPts val="2200"/>
-              </a:spcAft>
-              <a:tabLst>
-                <a:tab pos="1584000" algn="l"/>
-              </a:tabLst>
-            </a:pPr>
-            <a:r>
-              <a:rPr lang="en-IN" sz="1800" b="1" dirty="0">
-                <a:solidFill>
-                  <a:srgbClr val="0078AE"/>
-                </a:solidFill>
-              </a:rPr>
-              <a:t>	</a:t>
-            </a:r>
-            <a:r>
-              <a:rPr lang="en-US" sz="1800" b="1" dirty="0">
-                <a:solidFill>
-                  <a:srgbClr val="58585A"/>
-                </a:solidFill>
-              </a:rPr>
-              <a:t>Find Types of Horizontal Asymptotes</a:t>
-            </a:r>
-            <a:endParaRPr lang="en-IN" sz="1800" b="1" dirty="0">
-              <a:solidFill>
-                <a:srgbClr val="58585A"/>
-              </a:solidFill>
-            </a:endParaRPr>
-          </a:p>
-          <a:p>
-            <a:pPr>
-              <a:spcAft>
-                <a:spcPts val="1200"/>
-              </a:spcAft>
-            </a:pPr>
-            <a:r>
-              <a:rPr lang="en-IN" sz="1600" b="1" dirty="0">
-                <a:solidFill>
-                  <a:schemeClr val="tx1"/>
-                </a:solidFill>
-              </a:rPr>
-              <a:t>​</a:t>
-            </a:r>
-            <a:r>
-              <a:rPr lang="en-US" sz="1600" b="1" dirty="0"/>
-              <a:t>What are the horizontal asymptotes for the graph</a:t>
-            </a:r>
-          </a:p>
-          <a:p>
-            <a:pPr>
-              <a:spcAft>
-                <a:spcPts val="1200"/>
-              </a:spcAft>
-            </a:pPr>
-            <a:r>
-              <a:rPr lang="en-US" dirty="0"/>
-              <a:t>Horizontal asymptotes describe end behavior. To identify</a:t>
-            </a:r>
-            <a:br>
-              <a:rPr lang="en-US" dirty="0"/>
-            </a:br>
-            <a:r>
-              <a:rPr lang="en-US" dirty="0"/>
-              <a:t>horizontal asymptotes, we have to consider three cases.</a:t>
-            </a:r>
-          </a:p>
-          <a:p>
-            <a:pPr>
-              <a:spcAft>
-                <a:spcPts val="14000"/>
-              </a:spcAft>
-            </a:pPr>
-            <a:r>
-              <a:rPr lang="en-US" b="1" dirty="0"/>
-              <a:t>Case 1:</a:t>
-            </a:r>
-            <a:r>
-              <a:rPr lang="en-US" dirty="0"/>
-              <a:t> When the degree of the numerator is less than the degree of the denominator,</a:t>
-            </a:r>
-            <a:br>
-              <a:rPr lang="en-US" dirty="0"/>
-            </a:br>
-            <a:r>
-              <a:rPr lang="en-US" dirty="0"/>
-              <a:t>              there exists a horizontal asymptote at </a:t>
-            </a:r>
-            <a:r>
-              <a:rPr lang="en-US" i="1" dirty="0"/>
-              <a:t>y</a:t>
-            </a:r>
-            <a:r>
-              <a:rPr lang="en-US" dirty="0"/>
-              <a:t> = 0.</a:t>
-            </a:r>
-          </a:p>
-        </p:txBody>
-      </p:sp>
-      <p:pic>
-        <p:nvPicPr>
-          <p:cNvPr id="3" name="Picture 2">
-            <a:extLst>
-              <a:ext uri="{FF2B5EF4-FFF2-40B4-BE49-F238E27FC236}">
-                <a16:creationId xmlns:a16="http://schemas.microsoft.com/office/drawing/2014/main" id="{95D078FA-C962-D78F-A4A1-8356FF60CF46}"/>
+                <a16:creationId xmlns:a16="http://schemas.microsoft.com/office/drawing/2014/main" id="{0D68D8FD-D695-27EC-E302-45E6799BE086}"/>
               </a:ext>
             </a:extLst>
           </p:cNvPr>
@@ -13220,445 +10807,8 @@
         </p:blipFill>
         <p:spPr>
           <a:xfrm>
-            <a:off x="5235798" y="1236571"/>
-            <a:ext cx="1978594" cy="523324"/>
-          </a:xfrm>
-          <a:prstGeom prst="rect">
-            <a:avLst/>
-          </a:prstGeom>
-        </p:spPr>
-      </p:pic>
-      <p:pic>
-        <p:nvPicPr>
-          <p:cNvPr id="7" name="Picture 6">
-            <a:extLst>
-              <a:ext uri="{FF2B5EF4-FFF2-40B4-BE49-F238E27FC236}">
-                <a16:creationId xmlns:a16="http://schemas.microsoft.com/office/drawing/2014/main" id="{386BD156-ED03-6E3F-01B5-2775699815EF}"/>
-              </a:ext>
-            </a:extLst>
-          </p:cNvPr>
-          <p:cNvPicPr>
-            <a:picLocks noChangeAspect="1"/>
-          </p:cNvPicPr>
-          <p:nvPr/>
-        </p:nvPicPr>
-        <p:blipFill>
-          <a:blip r:embed="rId4"/>
-          <a:stretch>
-            <a:fillRect/>
-          </a:stretch>
-        </p:blipFill>
-        <p:spPr>
-          <a:xfrm>
-            <a:off x="540481" y="2889604"/>
-            <a:ext cx="5677705" cy="1662185"/>
-          </a:xfrm>
-          <a:prstGeom prst="rect">
-            <a:avLst/>
-          </a:prstGeom>
-        </p:spPr>
-      </p:pic>
-      <p:sp>
-        <p:nvSpPr>
-          <p:cNvPr id="9" name="Rounded Rectangle 8">
-            <a:extLst>
-              <a:ext uri="{FF2B5EF4-FFF2-40B4-BE49-F238E27FC236}">
-                <a16:creationId xmlns:a16="http://schemas.microsoft.com/office/drawing/2014/main" id="{8B4D9072-65DE-D407-CA83-C2624F3966D2}"/>
-              </a:ext>
-            </a:extLst>
-          </p:cNvPr>
-          <p:cNvSpPr/>
-          <p:nvPr/>
-        </p:nvSpPr>
-        <p:spPr>
-          <a:xfrm>
-            <a:off x="479959" y="4864305"/>
-            <a:ext cx="5606331" cy="1203954"/>
-          </a:xfrm>
-          <a:prstGeom prst="roundRect">
-            <a:avLst/>
-          </a:prstGeom>
-          <a:noFill/>
-          <a:ln w="12700">
-            <a:solidFill>
-              <a:schemeClr val="tx1">
-                <a:lumMod val="50000"/>
-                <a:lumOff val="50000"/>
-              </a:schemeClr>
-            </a:solidFill>
-          </a:ln>
-        </p:spPr>
-        <p:style>
-          <a:lnRef idx="2">
-            <a:schemeClr val="accent1">
-              <a:shade val="50000"/>
-            </a:schemeClr>
-          </a:lnRef>
-          <a:fillRef idx="1">
-            <a:schemeClr val="accent1"/>
-          </a:fillRef>
-          <a:effectRef idx="0">
-            <a:schemeClr val="accent1"/>
-          </a:effectRef>
-          <a:fontRef idx="minor">
-            <a:schemeClr val="lt1"/>
-          </a:fontRef>
-        </p:style>
-        <p:txBody>
-          <a:bodyPr rtlCol="0" anchor="ctr"/>
-          <a:lstStyle/>
-          <a:p>
-            <a:pPr>
-              <a:spcAft>
-                <a:spcPts val="300"/>
-              </a:spcAft>
-            </a:pPr>
-            <a:r>
-              <a:rPr lang="en-US" sz="1200" b="1" dirty="0">
-                <a:solidFill>
-                  <a:srgbClr val="C02B43"/>
-                </a:solidFill>
-              </a:rPr>
-              <a:t>STUDY TIP</a:t>
-            </a:r>
-            <a:endParaRPr lang="en-IN" sz="1200" b="1" dirty="0">
-              <a:solidFill>
-                <a:srgbClr val="C02B43"/>
-              </a:solidFill>
-            </a:endParaRPr>
-          </a:p>
-          <a:p>
-            <a:r>
-              <a:rPr lang="en-US" sz="1200" dirty="0">
-                <a:solidFill>
-                  <a:schemeClr val="tx1"/>
-                </a:solidFill>
-              </a:rPr>
-              <a:t>The vertical asymptote(s) are found by setting the denominator of the function equal to zero.</a:t>
-            </a:r>
-          </a:p>
-          <a:p>
-            <a:r>
-              <a:rPr lang="en-US" sz="1200" dirty="0">
-                <a:solidFill>
-                  <a:schemeClr val="tx1"/>
-                </a:solidFill>
-              </a:rPr>
-              <a:t> </a:t>
-            </a:r>
-          </a:p>
-          <a:p>
-            <a:r>
-              <a:rPr lang="en-US" sz="1200" dirty="0">
-                <a:solidFill>
-                  <a:schemeClr val="tx1"/>
-                </a:solidFill>
-              </a:rPr>
-              <a:t>The horizontal asymptote(s) are found using the relationship between the degree of the numerator and the degree of the denominator.</a:t>
-            </a:r>
-            <a:endParaRPr lang="en-IN" sz="1200" dirty="0">
-              <a:solidFill>
-                <a:schemeClr val="tx1"/>
-              </a:solidFill>
-              <a:latin typeface="Arial" panose="020B0604020202020204" pitchFamily="34" charset="0"/>
-              <a:cs typeface="Arial" panose="020B0604020202020204" pitchFamily="34" charset="0"/>
-            </a:endParaRPr>
-          </a:p>
-        </p:txBody>
-      </p:sp>
-    </p:spTree>
-    <p:extLst>
-      <p:ext uri="{BB962C8B-B14F-4D97-AF65-F5344CB8AC3E}">
-        <p14:creationId xmlns:p14="http://schemas.microsoft.com/office/powerpoint/2010/main" val="2240166599"/>
-      </p:ext>
-    </p:extLst>
-  </p:cSld>
-  <p:clrMapOvr>
-    <a:masterClrMapping/>
-  </p:clrMapOvr>
-</p:sld>
-</file>
-
-<file path=ppt/slides/slide7.xml><?xml version="1.0" encoding="utf-8"?>
-<p:sld xmlns:a="http://schemas.openxmlformats.org/drawingml/2006/main" xmlns:r="http://schemas.openxmlformats.org/officeDocument/2006/relationships" xmlns:p="http://schemas.openxmlformats.org/presentationml/2006/main">
-  <p:cSld>
-    <p:spTree>
-      <p:nvGrpSpPr>
-        <p:cNvPr id="1" name="Shape 173"/>
-        <p:cNvGrpSpPr/>
-        <p:nvPr/>
-      </p:nvGrpSpPr>
-      <p:grpSpPr>
-        <a:xfrm>
-          <a:off x="0" y="0"/>
-          <a:ext cx="0" cy="0"/>
-          <a:chOff x="0" y="0"/>
-          <a:chExt cx="0" cy="0"/>
-        </a:xfrm>
-      </p:grpSpPr>
-      <p:sp>
-        <p:nvSpPr>
-          <p:cNvPr id="6" name="Rectangle 5">
-            <a:extLst>
-              <a:ext uri="{FF2B5EF4-FFF2-40B4-BE49-F238E27FC236}">
-                <a16:creationId xmlns:a16="http://schemas.microsoft.com/office/drawing/2014/main" id="{33341DDE-51A7-BB4A-A5D0-B99BDB557C68}"/>
-              </a:ext>
-            </a:extLst>
-          </p:cNvPr>
-          <p:cNvSpPr/>
-          <p:nvPr/>
-        </p:nvSpPr>
-        <p:spPr>
-          <a:xfrm>
-            <a:off x="452746" y="761614"/>
-            <a:ext cx="1480557" cy="295175"/>
-          </a:xfrm>
-          <a:prstGeom prst="rect">
-            <a:avLst/>
-          </a:prstGeom>
-          <a:solidFill>
-            <a:srgbClr val="1A4F8D"/>
-          </a:solidFill>
-          <a:ln>
-            <a:noFill/>
-          </a:ln>
-        </p:spPr>
-        <p:style>
-          <a:lnRef idx="2">
-            <a:schemeClr val="accent1">
-              <a:shade val="50000"/>
-            </a:schemeClr>
-          </a:lnRef>
-          <a:fillRef idx="1">
-            <a:schemeClr val="accent1"/>
-          </a:fillRef>
-          <a:effectRef idx="0">
-            <a:schemeClr val="accent1"/>
-          </a:effectRef>
-          <a:fontRef idx="minor">
-            <a:schemeClr val="lt1"/>
-          </a:fontRef>
-        </p:style>
-        <p:txBody>
-          <a:bodyPr wrap="square" tIns="0" bIns="18000" rtlCol="0" anchor="ctr">
-            <a:spAutoFit/>
-          </a:bodyPr>
-          <a:lstStyle/>
-          <a:p>
-            <a:r>
-              <a:rPr lang="en-IN" sz="1800" b="1" cap="all" dirty="0">
-                <a:solidFill>
-                  <a:schemeClr val="bg1"/>
-                </a:solidFill>
-              </a:rPr>
-              <a:t>Example 3</a:t>
-            </a:r>
-            <a:endParaRPr lang="en-US" sz="1800" cap="all" dirty="0"/>
-          </a:p>
-        </p:txBody>
-      </p:sp>
-      <p:sp>
-        <p:nvSpPr>
-          <p:cNvPr id="4" name="TextBox 3">
-            <a:extLst>
-              <a:ext uri="{FF2B5EF4-FFF2-40B4-BE49-F238E27FC236}">
-                <a16:creationId xmlns:a16="http://schemas.microsoft.com/office/drawing/2014/main" id="{7B6773E5-DD17-5EE5-9D95-732A2DD18303}"/>
-              </a:ext>
-            </a:extLst>
-          </p:cNvPr>
-          <p:cNvSpPr txBox="1"/>
-          <p:nvPr/>
-        </p:nvSpPr>
-        <p:spPr>
-          <a:xfrm>
-            <a:off x="355758" y="351588"/>
-            <a:ext cx="8341433" cy="369332"/>
-          </a:xfrm>
-          <a:prstGeom prst="rect">
-            <a:avLst/>
-          </a:prstGeom>
-          <a:noFill/>
-        </p:spPr>
-        <p:txBody>
-          <a:bodyPr wrap="square" rIns="36000" rtlCol="0">
-            <a:spAutoFit/>
-          </a:bodyPr>
-          <a:lstStyle/>
-          <a:p>
-            <a:r>
-              <a:rPr lang="en-IN" sz="1800" b="1" dirty="0">
-                <a:solidFill>
-                  <a:srgbClr val="137F97"/>
-                </a:solidFill>
-              </a:rPr>
-              <a:t>CONCEPTUAL UNDERSTANDING</a:t>
-            </a:r>
-            <a:endParaRPr lang="en-IN" sz="1800" dirty="0">
-              <a:solidFill>
-                <a:srgbClr val="137F97"/>
-              </a:solidFill>
-            </a:endParaRPr>
-          </a:p>
-        </p:txBody>
-      </p:sp>
-      <p:sp>
-        <p:nvSpPr>
-          <p:cNvPr id="18" name="TextBox 17">
-            <a:extLst>
-              <a:ext uri="{FF2B5EF4-FFF2-40B4-BE49-F238E27FC236}">
-                <a16:creationId xmlns:a16="http://schemas.microsoft.com/office/drawing/2014/main" id="{F886122E-2697-C253-2B68-ED8CC75E8FE3}"/>
-              </a:ext>
-            </a:extLst>
-          </p:cNvPr>
-          <p:cNvSpPr txBox="1"/>
-          <p:nvPr/>
-        </p:nvSpPr>
-        <p:spPr>
-          <a:xfrm>
-            <a:off x="355758" y="728197"/>
-            <a:ext cx="8321209" cy="1636345"/>
-          </a:xfrm>
-          <a:prstGeom prst="rect">
-            <a:avLst/>
-          </a:prstGeom>
-          <a:noFill/>
-        </p:spPr>
-        <p:txBody>
-          <a:bodyPr wrap="square" rIns="36000" rtlCol="0">
-            <a:spAutoFit/>
-          </a:bodyPr>
-          <a:lstStyle/>
-          <a:p>
-            <a:pPr>
-              <a:spcAft>
-                <a:spcPts val="2200"/>
-              </a:spcAft>
-              <a:tabLst>
-                <a:tab pos="1584000" algn="l"/>
-              </a:tabLst>
-            </a:pPr>
-            <a:r>
-              <a:rPr lang="en-IN" sz="1800" b="1" dirty="0">
-                <a:solidFill>
-                  <a:srgbClr val="0078AE"/>
-                </a:solidFill>
-              </a:rPr>
-              <a:t>	</a:t>
-            </a:r>
-            <a:r>
-              <a:rPr lang="en-US" sz="1800" b="1" dirty="0">
-                <a:solidFill>
-                  <a:srgbClr val="58585A"/>
-                </a:solidFill>
-              </a:rPr>
-              <a:t>Find Types of Horizontal Asymptotes</a:t>
-            </a:r>
-            <a:endParaRPr lang="en-IN" sz="1800" b="1" dirty="0">
-              <a:solidFill>
-                <a:srgbClr val="58585A"/>
-              </a:solidFill>
-            </a:endParaRPr>
-          </a:p>
-          <a:p>
-            <a:pPr>
-              <a:spcAft>
-                <a:spcPts val="1200"/>
-              </a:spcAft>
-            </a:pPr>
-            <a:r>
-              <a:rPr lang="en-IN" sz="1600" b="1" dirty="0">
-                <a:solidFill>
-                  <a:schemeClr val="tx1"/>
-                </a:solidFill>
-              </a:rPr>
-              <a:t>​</a:t>
-            </a:r>
-            <a:r>
-              <a:rPr lang="en-US" sz="1600" b="1" dirty="0"/>
-              <a:t>What are the horizontal asymptotes for the graph</a:t>
-            </a:r>
-          </a:p>
-          <a:p>
-            <a:pPr>
-              <a:spcBef>
-                <a:spcPts val="1200"/>
-              </a:spcBef>
-              <a:spcAft>
-                <a:spcPts val="14000"/>
-              </a:spcAft>
-            </a:pPr>
-            <a:r>
-              <a:rPr lang="en-US" b="1" dirty="0"/>
-              <a:t>Case 2:</a:t>
-            </a:r>
-            <a:r>
-              <a:rPr lang="en-US" dirty="0"/>
-              <a:t> When the degree of the numerator is greater than the degree of the denominator,</a:t>
-            </a:r>
-            <a:br>
-              <a:rPr lang="en-US" dirty="0"/>
-            </a:br>
-            <a:r>
-              <a:rPr lang="en-US" dirty="0"/>
-              <a:t>              there is no horizontal asymptote.</a:t>
-            </a:r>
-          </a:p>
-        </p:txBody>
-      </p:sp>
-      <p:pic>
-        <p:nvPicPr>
-          <p:cNvPr id="3" name="Picture 2">
-            <a:extLst>
-              <a:ext uri="{FF2B5EF4-FFF2-40B4-BE49-F238E27FC236}">
-                <a16:creationId xmlns:a16="http://schemas.microsoft.com/office/drawing/2014/main" id="{95D078FA-C962-D78F-A4A1-8356FF60CF46}"/>
-              </a:ext>
-            </a:extLst>
-          </p:cNvPr>
-          <p:cNvPicPr>
-            <a:picLocks noChangeAspect="1"/>
-          </p:cNvPicPr>
-          <p:nvPr/>
-        </p:nvPicPr>
-        <p:blipFill>
-          <a:blip r:embed="rId3"/>
-          <a:stretch>
-            <a:fillRect/>
-          </a:stretch>
-        </p:blipFill>
-        <p:spPr>
-          <a:xfrm>
-            <a:off x="5235798" y="1238459"/>
-            <a:ext cx="1978594" cy="523324"/>
-          </a:xfrm>
-          <a:prstGeom prst="rect">
-            <a:avLst/>
-          </a:prstGeom>
-        </p:spPr>
-      </p:pic>
-      <p:pic>
-        <p:nvPicPr>
-          <p:cNvPr id="5" name="Picture 4">
-            <a:extLst>
-              <a:ext uri="{FF2B5EF4-FFF2-40B4-BE49-F238E27FC236}">
-                <a16:creationId xmlns:a16="http://schemas.microsoft.com/office/drawing/2014/main" id="{3EA894C1-D6CC-C762-AD65-0F80C1F44E7D}"/>
-              </a:ext>
-            </a:extLst>
-          </p:cNvPr>
-          <p:cNvPicPr>
-            <a:picLocks noChangeAspect="1"/>
-          </p:cNvPicPr>
-          <p:nvPr/>
-        </p:nvPicPr>
-        <p:blipFill>
-          <a:blip r:embed="rId4"/>
-          <a:stretch>
-            <a:fillRect/>
-          </a:stretch>
-        </p:blipFill>
-        <p:spPr>
-          <a:xfrm>
-            <a:off x="1042690" y="2484327"/>
-            <a:ext cx="5676816" cy="1656000"/>
+            <a:off x="1193024" y="2165565"/>
+            <a:ext cx="2494749" cy="494649"/>
           </a:xfrm>
           <a:prstGeom prst="rect">
             <a:avLst/>
@@ -13668,7 +10818,7 @@
     </p:spTree>
     <p:extLst>
       <p:ext uri="{BB962C8B-B14F-4D97-AF65-F5344CB8AC3E}">
-        <p14:creationId xmlns:p14="http://schemas.microsoft.com/office/powerpoint/2010/main" val="518758758"/>
+        <p14:creationId xmlns:p14="http://schemas.microsoft.com/office/powerpoint/2010/main" val="2474971815"/>
       </p:ext>
     </p:extLst>
   </p:cSld>
@@ -13815,7 +10965,7 @@
         <p:spPr>
           <a:xfrm>
             <a:off x="355758" y="728197"/>
-            <a:ext cx="8321209" cy="1508105"/>
+            <a:ext cx="8730147" cy="897682"/>
           </a:xfrm>
           <a:prstGeom prst="rect">
             <a:avLst/>
@@ -13830,7 +10980,7 @@
           <a:p>
             <a:pPr>
               <a:spcAft>
-                <a:spcPts val="1200"/>
+                <a:spcPts val="2200"/>
               </a:spcAft>
               <a:tabLst>
                 <a:tab pos="1584000" algn="l"/>
@@ -13865,231 +11015,23 @@
               </a:spcAft>
             </a:pPr>
             <a:r>
-              <a:rPr lang="en-IN" sz="1600" b="1" dirty="0">
+              <a:rPr lang="en-US" sz="1600" b="1" dirty="0">
                 <a:solidFill>
                   <a:schemeClr val="tx1"/>
                 </a:solidFill>
               </a:rPr>
-              <a:t>​</a:t>
-            </a:r>
-            <a:r>
-              <a:rPr lang="en-US" sz="1600" b="1" dirty="0"/>
-              <a:t>What are the horizontal asymptotes for the graph</a:t>
-            </a:r>
-          </a:p>
-          <a:p>
-            <a:pPr>
-              <a:spcBef>
-                <a:spcPts val="1200"/>
-              </a:spcBef>
-              <a:spcAft>
-                <a:spcPts val="14000"/>
-              </a:spcAft>
-            </a:pPr>
-            <a:r>
-              <a:rPr lang="en-US" b="1" dirty="0"/>
-              <a:t>Case 3:</a:t>
-            </a:r>
-            <a:r>
-              <a:rPr lang="en-US" dirty="0"/>
-              <a:t> When the degree of the numerator is equal to the degree of the denominator, the horizontal</a:t>
-            </a:r>
-            <a:br>
-              <a:rPr lang="en-US" dirty="0"/>
-            </a:br>
-            <a:r>
-              <a:rPr lang="en-US" dirty="0"/>
-              <a:t>              asymptote is at           where     is the ratio of the leading coefficients.</a:t>
-            </a:r>
-          </a:p>
-        </p:txBody>
-      </p:sp>
-      <p:sp>
-        <p:nvSpPr>
-          <p:cNvPr id="9" name="Rounded Rectangle 8">
-            <a:extLst>
-              <a:ext uri="{FF2B5EF4-FFF2-40B4-BE49-F238E27FC236}">
-                <a16:creationId xmlns:a16="http://schemas.microsoft.com/office/drawing/2014/main" id="{8B4D9072-65DE-D407-CA83-C2624F3966D2}"/>
-              </a:ext>
-            </a:extLst>
-          </p:cNvPr>
-          <p:cNvSpPr/>
-          <p:nvPr/>
-        </p:nvSpPr>
-        <p:spPr>
-          <a:xfrm>
-            <a:off x="6322496" y="3133886"/>
-            <a:ext cx="2329880" cy="1465465"/>
-          </a:xfrm>
-          <a:prstGeom prst="roundRect">
-            <a:avLst/>
-          </a:prstGeom>
-          <a:noFill/>
-          <a:ln w="12700">
-            <a:solidFill>
-              <a:schemeClr val="tx1">
-                <a:lumMod val="50000"/>
-                <a:lumOff val="50000"/>
-              </a:schemeClr>
-            </a:solidFill>
-          </a:ln>
-        </p:spPr>
-        <p:style>
-          <a:lnRef idx="2">
-            <a:schemeClr val="accent1">
-              <a:shade val="50000"/>
-            </a:schemeClr>
-          </a:lnRef>
-          <a:fillRef idx="1">
-            <a:schemeClr val="accent1"/>
-          </a:fillRef>
-          <a:effectRef idx="0">
-            <a:schemeClr val="accent1"/>
-          </a:effectRef>
-          <a:fontRef idx="minor">
-            <a:schemeClr val="lt1"/>
-          </a:fontRef>
-        </p:style>
-        <p:txBody>
-          <a:bodyPr rtlCol="0" anchor="ctr"/>
-          <a:lstStyle/>
-          <a:p>
-            <a:pPr>
-              <a:spcAft>
-                <a:spcPts val="300"/>
-              </a:spcAft>
-            </a:pPr>
-            <a:r>
-              <a:rPr lang="en-US" sz="1200" b="1" dirty="0">
-                <a:solidFill>
-                  <a:srgbClr val="C02B43"/>
-                </a:solidFill>
-              </a:rPr>
-              <a:t>MAKE SENSE AND</a:t>
-            </a:r>
-            <a:br>
-              <a:rPr lang="en-US" sz="1200" b="1" dirty="0">
-                <a:solidFill>
-                  <a:srgbClr val="C02B43"/>
-                </a:solidFill>
-              </a:rPr>
-            </a:br>
-            <a:r>
-              <a:rPr lang="en-US" sz="1200" b="1" dirty="0">
-                <a:solidFill>
-                  <a:srgbClr val="C02B43"/>
-                </a:solidFill>
-              </a:rPr>
-              <a:t>PRESERVE</a:t>
-            </a:r>
-            <a:endParaRPr lang="en-IN" sz="1200" b="1" dirty="0">
-              <a:solidFill>
-                <a:srgbClr val="C02B43"/>
-              </a:solidFill>
-            </a:endParaRPr>
-          </a:p>
-          <a:p>
-            <a:r>
-              <a:rPr lang="en-US" sz="1200" dirty="0">
-                <a:solidFill>
-                  <a:schemeClr val="tx1"/>
-                </a:solidFill>
-              </a:rPr>
-              <a:t>To show that the horizontal</a:t>
-            </a:r>
-            <a:br>
-              <a:rPr lang="en-US" sz="1200" dirty="0">
-                <a:solidFill>
-                  <a:schemeClr val="tx1"/>
-                </a:solidFill>
-              </a:rPr>
-            </a:br>
-            <a:r>
-              <a:rPr lang="en-US" sz="1200" dirty="0">
-                <a:solidFill>
-                  <a:schemeClr val="tx1"/>
-                </a:solidFill>
-              </a:rPr>
-              <a:t>asymptote is accurate, try</a:t>
-            </a:r>
-            <a:br>
-              <a:rPr lang="en-US" sz="1200" dirty="0">
-                <a:solidFill>
-                  <a:schemeClr val="tx1"/>
-                </a:solidFill>
-              </a:rPr>
-            </a:br>
-            <a:r>
-              <a:rPr lang="en-US" sz="1200" dirty="0">
-                <a:solidFill>
-                  <a:schemeClr val="tx1"/>
-                </a:solidFill>
-              </a:rPr>
-              <a:t>substituting different values</a:t>
-            </a:r>
-            <a:br>
-              <a:rPr lang="en-US" sz="1200" dirty="0">
-                <a:solidFill>
-                  <a:schemeClr val="tx1"/>
-                </a:solidFill>
-              </a:rPr>
-            </a:br>
-            <a:r>
-              <a:rPr lang="en-US" sz="1200" dirty="0">
-                <a:solidFill>
-                  <a:schemeClr val="tx1"/>
-                </a:solidFill>
-              </a:rPr>
-              <a:t>for </a:t>
-            </a:r>
-            <a:r>
-              <a:rPr lang="en-US" sz="1200" i="1" dirty="0">
-                <a:solidFill>
-                  <a:schemeClr val="tx1"/>
-                </a:solidFill>
-              </a:rPr>
-              <a:t>x </a:t>
-            </a:r>
-            <a:r>
-              <a:rPr lang="en-US" sz="1200" dirty="0">
-                <a:solidFill>
-                  <a:schemeClr val="tx1"/>
-                </a:solidFill>
-              </a:rPr>
-              <a:t>and see if the values for</a:t>
-            </a:r>
-            <a:br>
-              <a:rPr lang="en-US" sz="1200" dirty="0">
-                <a:solidFill>
-                  <a:schemeClr val="tx1"/>
-                </a:solidFill>
-              </a:rPr>
-            </a:br>
-            <a:r>
-              <a:rPr lang="en-US" sz="1200" i="1" dirty="0">
-                <a:solidFill>
-                  <a:schemeClr val="tx1"/>
-                </a:solidFill>
-              </a:rPr>
-              <a:t>y</a:t>
-            </a:r>
-            <a:r>
-              <a:rPr lang="en-US" sz="1200" dirty="0">
-                <a:solidFill>
-                  <a:schemeClr val="tx1"/>
-                </a:solidFill>
-              </a:rPr>
-              <a:t> approach the asymptote(s).</a:t>
-            </a:r>
+              <a:t>There are 3 cases to consider, below is case #1</a:t>
+            </a:r>
+            <a:endParaRPr lang="en-US" sz="1600" b="1" dirty="0"/>
           </a:p>
         </p:txBody>
       </p:sp>
       <p:pic>
         <p:nvPicPr>
-          <p:cNvPr id="10" name="Picture 9">
+          <p:cNvPr id="7" name="Picture 6">
             <a:extLst>
               <a:ext uri="{FF2B5EF4-FFF2-40B4-BE49-F238E27FC236}">
-                <a16:creationId xmlns:a16="http://schemas.microsoft.com/office/drawing/2014/main" id="{8CA07B6F-4523-A7F2-B066-39F6BEBC0775}"/>
+                <a16:creationId xmlns:a16="http://schemas.microsoft.com/office/drawing/2014/main" id="{386BD156-ED03-6E3F-01B5-2775699815EF}"/>
               </a:ext>
             </a:extLst>
           </p:cNvPr>
@@ -14106,218 +11048,8 @@
         </p:blipFill>
         <p:spPr>
           <a:xfrm>
-            <a:off x="2335718" y="1928776"/>
-            <a:ext cx="491746" cy="325855"/>
-          </a:xfrm>
-          <a:prstGeom prst="rect">
-            <a:avLst/>
-          </a:prstGeom>
-        </p:spPr>
-      </p:pic>
-      <p:pic>
-        <p:nvPicPr>
-          <p:cNvPr id="12" name="Picture 11">
-            <a:extLst>
-              <a:ext uri="{FF2B5EF4-FFF2-40B4-BE49-F238E27FC236}">
-                <a16:creationId xmlns:a16="http://schemas.microsoft.com/office/drawing/2014/main" id="{D8B30BA7-B696-D4ED-028F-8D33AE8AC369}"/>
-              </a:ext>
-            </a:extLst>
-          </p:cNvPr>
-          <p:cNvPicPr>
-            <a:picLocks noChangeAspect="1"/>
-          </p:cNvPicPr>
-          <p:nvPr/>
-        </p:nvPicPr>
-        <p:blipFill>
-          <a:blip r:embed="rId4"/>
-          <a:stretch>
-            <a:fillRect/>
-          </a:stretch>
-        </p:blipFill>
-        <p:spPr>
-          <a:xfrm>
-            <a:off x="3390265" y="1930196"/>
-            <a:ext cx="171814" cy="337705"/>
-          </a:xfrm>
-          <a:prstGeom prst="rect">
-            <a:avLst/>
-          </a:prstGeom>
-        </p:spPr>
-      </p:pic>
-      <p:pic>
-        <p:nvPicPr>
-          <p:cNvPr id="16" name="Picture 15">
-            <a:extLst>
-              <a:ext uri="{FF2B5EF4-FFF2-40B4-BE49-F238E27FC236}">
-                <a16:creationId xmlns:a16="http://schemas.microsoft.com/office/drawing/2014/main" id="{C9BE4EB8-5DB9-846E-9040-604A490760D3}"/>
-              </a:ext>
-            </a:extLst>
-          </p:cNvPr>
-          <p:cNvPicPr>
-            <a:picLocks noChangeAspect="1"/>
-          </p:cNvPicPr>
-          <p:nvPr/>
-        </p:nvPicPr>
-        <p:blipFill>
-          <a:blip r:embed="rId5"/>
-          <a:stretch>
-            <a:fillRect/>
-          </a:stretch>
-        </p:blipFill>
-        <p:spPr>
-          <a:xfrm>
-            <a:off x="847489" y="2335565"/>
-            <a:ext cx="2435029" cy="2666090"/>
-          </a:xfrm>
-          <a:prstGeom prst="rect">
-            <a:avLst/>
-          </a:prstGeom>
-        </p:spPr>
-      </p:pic>
-      <p:pic>
-        <p:nvPicPr>
-          <p:cNvPr id="19" name="Picture 18">
-            <a:extLst>
-              <a:ext uri="{FF2B5EF4-FFF2-40B4-BE49-F238E27FC236}">
-                <a16:creationId xmlns:a16="http://schemas.microsoft.com/office/drawing/2014/main" id="{A031DF4C-1138-4D22-D687-660556BCDB3E}"/>
-              </a:ext>
-            </a:extLst>
-          </p:cNvPr>
-          <p:cNvPicPr>
-            <a:picLocks noChangeAspect="1"/>
-          </p:cNvPicPr>
-          <p:nvPr/>
-        </p:nvPicPr>
-        <p:blipFill>
-          <a:blip r:embed="rId6"/>
-          <a:stretch>
-            <a:fillRect/>
-          </a:stretch>
-        </p:blipFill>
-        <p:spPr>
-          <a:xfrm>
-            <a:off x="3676882" y="2334506"/>
-            <a:ext cx="2313575" cy="2313575"/>
-          </a:xfrm>
-          <a:prstGeom prst="rect">
-            <a:avLst/>
-          </a:prstGeom>
-        </p:spPr>
-      </p:pic>
-      <p:pic>
-        <p:nvPicPr>
-          <p:cNvPr id="23" name="Picture 22">
-            <a:extLst>
-              <a:ext uri="{FF2B5EF4-FFF2-40B4-BE49-F238E27FC236}">
-                <a16:creationId xmlns:a16="http://schemas.microsoft.com/office/drawing/2014/main" id="{3043536F-1FDB-6D08-8EA0-2871F9855731}"/>
-              </a:ext>
-            </a:extLst>
-          </p:cNvPr>
-          <p:cNvPicPr>
-            <a:picLocks noChangeAspect="1"/>
-          </p:cNvPicPr>
-          <p:nvPr/>
-        </p:nvPicPr>
-        <p:blipFill>
-          <a:blip r:embed="rId7"/>
-          <a:stretch>
-            <a:fillRect/>
-          </a:stretch>
-        </p:blipFill>
-        <p:spPr>
-          <a:xfrm>
-            <a:off x="1074443" y="5071630"/>
-            <a:ext cx="3471841" cy="331780"/>
-          </a:xfrm>
-          <a:prstGeom prst="rect">
-            <a:avLst/>
-          </a:prstGeom>
-        </p:spPr>
-      </p:pic>
-      <p:pic>
-        <p:nvPicPr>
-          <p:cNvPr id="25" name="Picture 24">
-            <a:extLst>
-              <a:ext uri="{FF2B5EF4-FFF2-40B4-BE49-F238E27FC236}">
-                <a16:creationId xmlns:a16="http://schemas.microsoft.com/office/drawing/2014/main" id="{8A8C387C-C9F2-A7C6-3766-4740D3A7EF0F}"/>
-              </a:ext>
-            </a:extLst>
-          </p:cNvPr>
-          <p:cNvPicPr>
-            <a:picLocks noChangeAspect="1"/>
-          </p:cNvPicPr>
-          <p:nvPr/>
-        </p:nvPicPr>
-        <p:blipFill>
-          <a:blip r:embed="rId8"/>
-          <a:stretch>
-            <a:fillRect/>
-          </a:stretch>
-        </p:blipFill>
-        <p:spPr>
-          <a:xfrm>
-            <a:off x="434348" y="5439621"/>
-            <a:ext cx="5677705" cy="612969"/>
-          </a:xfrm>
-          <a:prstGeom prst="rect">
-            <a:avLst/>
-          </a:prstGeom>
-        </p:spPr>
-      </p:pic>
-      <p:pic>
-        <p:nvPicPr>
-          <p:cNvPr id="27" name="Picture 26">
-            <a:extLst>
-              <a:ext uri="{FF2B5EF4-FFF2-40B4-BE49-F238E27FC236}">
-                <a16:creationId xmlns:a16="http://schemas.microsoft.com/office/drawing/2014/main" id="{519246A5-2236-D59B-0143-5EF7B8D4BB3B}"/>
-              </a:ext>
-            </a:extLst>
-          </p:cNvPr>
-          <p:cNvPicPr>
-            <a:picLocks noChangeAspect="1"/>
-          </p:cNvPicPr>
-          <p:nvPr/>
-        </p:nvPicPr>
-        <p:blipFill>
-          <a:blip r:embed="rId9"/>
-          <a:stretch>
-            <a:fillRect/>
-          </a:stretch>
-        </p:blipFill>
-        <p:spPr>
-          <a:xfrm>
-            <a:off x="448592" y="6107727"/>
-            <a:ext cx="3270403" cy="248835"/>
-          </a:xfrm>
-          <a:prstGeom prst="rect">
-            <a:avLst/>
-          </a:prstGeom>
-        </p:spPr>
-      </p:pic>
-      <p:pic>
-        <p:nvPicPr>
-          <p:cNvPr id="14" name="Picture 13">
-            <a:extLst>
-              <a:ext uri="{FF2B5EF4-FFF2-40B4-BE49-F238E27FC236}">
-                <a16:creationId xmlns:a16="http://schemas.microsoft.com/office/drawing/2014/main" id="{E9B17D9B-ADB1-8F51-370A-13D03CF7293C}"/>
-              </a:ext>
-            </a:extLst>
-          </p:cNvPr>
-          <p:cNvPicPr>
-            <a:picLocks noChangeAspect="1"/>
-          </p:cNvPicPr>
-          <p:nvPr/>
-        </p:nvPicPr>
-        <p:blipFill>
-          <a:blip r:embed="rId10"/>
-          <a:stretch>
-            <a:fillRect/>
-          </a:stretch>
-        </p:blipFill>
-        <p:spPr>
-          <a:xfrm>
-            <a:off x="5235798" y="1110994"/>
-            <a:ext cx="1978594" cy="523324"/>
+            <a:off x="-20727" y="2435661"/>
+            <a:ext cx="9094401" cy="2662445"/>
           </a:xfrm>
           <a:prstGeom prst="rect">
             <a:avLst/>
@@ -14327,7 +11059,7 @@
     </p:spTree>
     <p:extLst>
       <p:ext uri="{BB962C8B-B14F-4D97-AF65-F5344CB8AC3E}">
-        <p14:creationId xmlns:p14="http://schemas.microsoft.com/office/powerpoint/2010/main" val="2019329500"/>
+        <p14:creationId xmlns:p14="http://schemas.microsoft.com/office/powerpoint/2010/main" val="2240166599"/>
       </p:ext>
     </p:extLst>
   </p:cSld>
@@ -14356,160 +11088,7 @@
       </p:grpSpPr>
       <p:sp>
         <p:nvSpPr>
-          <p:cNvPr id="8" name="TextBox 7">
-            <a:extLst>
-              <a:ext uri="{FF2B5EF4-FFF2-40B4-BE49-F238E27FC236}">
-                <a16:creationId xmlns:a16="http://schemas.microsoft.com/office/drawing/2014/main" id="{6E8F0502-F26D-4842-97A7-E6A7B55ABA0B}"/>
-              </a:ext>
-            </a:extLst>
-          </p:cNvPr>
-          <p:cNvSpPr txBox="1"/>
-          <p:nvPr/>
-        </p:nvSpPr>
-        <p:spPr>
-          <a:xfrm>
-            <a:off x="355758" y="430002"/>
-            <a:ext cx="8341433" cy="2939266"/>
-          </a:xfrm>
-          <a:prstGeom prst="rect">
-            <a:avLst/>
-          </a:prstGeom>
-          <a:noFill/>
-        </p:spPr>
-        <p:txBody>
-          <a:bodyPr wrap="square" rIns="36000" rtlCol="0">
-            <a:spAutoFit/>
-          </a:bodyPr>
-          <a:lstStyle/>
-          <a:p>
-            <a:pPr>
-              <a:spcAft>
-                <a:spcPts val="2000"/>
-              </a:spcAft>
-              <a:tabLst>
-                <a:tab pos="1584000" algn="l"/>
-              </a:tabLst>
-            </a:pPr>
-            <a:r>
-              <a:rPr lang="en-IN" sz="1800" b="1" dirty="0">
-                <a:solidFill>
-                  <a:srgbClr val="0078AE"/>
-                </a:solidFill>
-              </a:rPr>
-              <a:t>	</a:t>
-            </a:r>
-            <a:r>
-              <a:rPr lang="en-US" sz="1800" b="1" dirty="0">
-                <a:solidFill>
-                  <a:srgbClr val="58585A"/>
-                </a:solidFill>
-              </a:rPr>
-              <a:t>Find Types of Horizontal Asymptotes</a:t>
-            </a:r>
-            <a:endParaRPr lang="en-IN" sz="1800" b="1" dirty="0">
-              <a:solidFill>
-                <a:srgbClr val="58585A"/>
-              </a:solidFill>
-            </a:endParaRPr>
-          </a:p>
-          <a:p>
-            <a:pPr marL="1476375" indent="-1466850">
-              <a:spcAft>
-                <a:spcPts val="600"/>
-              </a:spcAft>
-              <a:tabLst>
-                <a:tab pos="1062038" algn="l"/>
-                <a:tab pos="1465263" algn="l"/>
-              </a:tabLst>
-            </a:pPr>
-            <a:r>
-              <a:rPr lang="en-IN" sz="1800" b="1" dirty="0">
-                <a:solidFill>
-                  <a:srgbClr val="D92B31"/>
-                </a:solidFill>
-              </a:rPr>
-              <a:t>Try It!</a:t>
-            </a:r>
-            <a:endParaRPr lang="en-IN" sz="1800" b="1" dirty="0">
-              <a:solidFill>
-                <a:schemeClr val="tx1"/>
-              </a:solidFill>
-            </a:endParaRPr>
-          </a:p>
-          <a:p>
-            <a:pPr marL="342900" indent="-342900">
-              <a:spcAft>
-                <a:spcPts val="1200"/>
-              </a:spcAft>
-              <a:buFont typeface="+mj-lt"/>
-              <a:buAutoNum type="arabicPeriod" startAt="3"/>
-            </a:pPr>
-            <a:r>
-              <a:rPr lang="en-IN" sz="1600" b="1" dirty="0"/>
-              <a:t>​</a:t>
-            </a:r>
-            <a:r>
-              <a:rPr lang="en-US" sz="1600" dirty="0"/>
-              <a:t>What are the horizontal asymptotes of the graph of each function?</a:t>
-            </a:r>
-          </a:p>
-          <a:p>
-            <a:pPr marL="720000" indent="-360000">
-              <a:spcAft>
-                <a:spcPts val="3200"/>
-              </a:spcAft>
-              <a:buAutoNum type="alphaLcPeriod"/>
-              <a:tabLst>
-                <a:tab pos="1103313" algn="l"/>
-              </a:tabLst>
-            </a:pPr>
-            <a:r>
-              <a:rPr lang="en-IN" sz="1600" b="1" dirty="0"/>
-              <a:t>​</a:t>
-            </a:r>
-          </a:p>
-          <a:p>
-            <a:pPr marL="702900" indent="-342900">
-              <a:spcAft>
-                <a:spcPts val="2700"/>
-              </a:spcAft>
-              <a:buFont typeface="+mj-lt"/>
-              <a:buAutoNum type="alphaLcPeriod"/>
-              <a:tabLst>
-                <a:tab pos="1103313" algn="l"/>
-              </a:tabLst>
-            </a:pPr>
-            <a:r>
-              <a:rPr lang="en-IN" sz="1600" b="1" dirty="0"/>
-              <a:t>​</a:t>
-            </a:r>
-          </a:p>
-          <a:p>
-            <a:pPr marL="702900" indent="-342900">
-              <a:spcAft>
-                <a:spcPts val="15000"/>
-              </a:spcAft>
-              <a:buFont typeface="+mj-lt"/>
-              <a:buAutoNum type="alphaLcPeriod"/>
-              <a:tabLst>
-                <a:tab pos="1103313" algn="l"/>
-              </a:tabLst>
-            </a:pPr>
-            <a:r>
-              <a:rPr lang="en-IN" sz="1600" b="1" dirty="0"/>
-              <a:t>​</a:t>
-            </a:r>
-            <a:endParaRPr lang="en-IN" sz="1600" dirty="0">
-              <a:solidFill>
-                <a:schemeClr val="tx1"/>
-              </a:solidFill>
-            </a:endParaRPr>
-          </a:p>
-        </p:txBody>
-      </p:sp>
-      <p:sp>
-        <p:nvSpPr>
-          <p:cNvPr id="9" name="Rectangle 8">
+          <p:cNvPr id="6" name="Rectangle 5">
             <a:extLst>
               <a:ext uri="{FF2B5EF4-FFF2-40B4-BE49-F238E27FC236}">
                 <a16:creationId xmlns:a16="http://schemas.microsoft.com/office/drawing/2014/main" id="{33341DDE-51A7-BB4A-A5D0-B99BDB557C68}"/>
@@ -14521,7 +11100,7 @@
         </p:nvSpPr>
         <p:spPr>
           <a:xfrm>
-            <a:off x="452746" y="464612"/>
+            <a:off x="452746" y="761614"/>
             <a:ext cx="1480557" cy="295175"/>
           </a:xfrm>
           <a:prstGeom prst="rect">
@@ -14568,54 +11147,167 @@
           </a:p>
         </p:txBody>
       </p:sp>
-      <p:cxnSp>
-        <p:nvCxnSpPr>
-          <p:cNvPr id="10" name="Straight Connector 9">
+      <p:sp>
+        <p:nvSpPr>
+          <p:cNvPr id="4" name="TextBox 3">
             <a:extLst>
               <a:ext uri="{FF2B5EF4-FFF2-40B4-BE49-F238E27FC236}">
-                <a16:creationId xmlns:a16="http://schemas.microsoft.com/office/drawing/2014/main" id="{2D026447-33AB-3446-A23C-AFEA10330B4F}"/>
+                <a16:creationId xmlns:a16="http://schemas.microsoft.com/office/drawing/2014/main" id="{7B6773E5-DD17-5EE5-9D95-732A2DD18303}"/>
               </a:ext>
             </a:extLst>
           </p:cNvPr>
-          <p:cNvCxnSpPr/>
+          <p:cNvSpPr txBox="1"/>
           <p:nvPr/>
-        </p:nvCxnSpPr>
+        </p:nvSpPr>
         <p:spPr>
           <a:xfrm>
-            <a:off x="425301" y="894900"/>
-            <a:ext cx="8304028" cy="0"/>
+            <a:off x="355758" y="351588"/>
+            <a:ext cx="8341433" cy="369332"/>
           </a:xfrm>
-          <a:prstGeom prst="line">
+          <a:prstGeom prst="rect">
             <a:avLst/>
           </a:prstGeom>
-          <a:ln w="25400">
-            <a:solidFill>
-              <a:srgbClr val="0078AE"/>
-            </a:solidFill>
-            <a:prstDash val="dash"/>
-          </a:ln>
+          <a:noFill/>
         </p:spPr>
-        <p:style>
-          <a:lnRef idx="1">
-            <a:schemeClr val="accent1"/>
-          </a:lnRef>
-          <a:fillRef idx="0">
-            <a:schemeClr val="accent1"/>
-          </a:fillRef>
-          <a:effectRef idx="0">
-            <a:schemeClr val="accent1"/>
-          </a:effectRef>
-          <a:fontRef idx="minor">
-            <a:schemeClr val="tx1"/>
-          </a:fontRef>
-        </p:style>
-      </p:cxnSp>
+        <p:txBody>
+          <a:bodyPr wrap="square" rIns="36000" rtlCol="0">
+            <a:spAutoFit/>
+          </a:bodyPr>
+          <a:lstStyle/>
+          <a:p>
+            <a:r>
+              <a:rPr lang="en-IN" sz="1800" b="1" dirty="0">
+                <a:solidFill>
+                  <a:srgbClr val="137F97"/>
+                </a:solidFill>
+              </a:rPr>
+              <a:t>CONCEPTUAL UNDERSTANDING</a:t>
+            </a:r>
+            <a:endParaRPr lang="en-IN" sz="1800" dirty="0">
+              <a:solidFill>
+                <a:srgbClr val="137F97"/>
+              </a:solidFill>
+            </a:endParaRPr>
+          </a:p>
+        </p:txBody>
+      </p:sp>
+      <p:sp>
+        <p:nvSpPr>
+          <p:cNvPr id="18" name="TextBox 17">
+            <a:extLst>
+              <a:ext uri="{FF2B5EF4-FFF2-40B4-BE49-F238E27FC236}">
+                <a16:creationId xmlns:a16="http://schemas.microsoft.com/office/drawing/2014/main" id="{F886122E-2697-C253-2B68-ED8CC75E8FE3}"/>
+              </a:ext>
+            </a:extLst>
+          </p:cNvPr>
+          <p:cNvSpPr txBox="1"/>
+          <p:nvPr/>
+        </p:nvSpPr>
+        <p:spPr>
+          <a:xfrm>
+            <a:off x="355758" y="728197"/>
+            <a:ext cx="8321209" cy="2436564"/>
+          </a:xfrm>
+          <a:prstGeom prst="rect">
+            <a:avLst/>
+          </a:prstGeom>
+          <a:noFill/>
+        </p:spPr>
+        <p:txBody>
+          <a:bodyPr wrap="square" rIns="36000" rtlCol="0">
+            <a:spAutoFit/>
+          </a:bodyPr>
+          <a:lstStyle/>
+          <a:p>
+            <a:pPr>
+              <a:spcAft>
+                <a:spcPts val="2200"/>
+              </a:spcAft>
+              <a:tabLst>
+                <a:tab pos="1584000" algn="l"/>
+              </a:tabLst>
+            </a:pPr>
+            <a:r>
+              <a:rPr lang="en-IN" sz="1800" b="1" dirty="0">
+                <a:solidFill>
+                  <a:srgbClr val="0078AE"/>
+                </a:solidFill>
+              </a:rPr>
+              <a:t>	</a:t>
+            </a:r>
+            <a:r>
+              <a:rPr lang="en-US" sz="1800" b="1" dirty="0">
+                <a:solidFill>
+                  <a:srgbClr val="58585A"/>
+                </a:solidFill>
+              </a:rPr>
+              <a:t>Find Types of Horizontal Asymptotes</a:t>
+            </a:r>
+            <a:endParaRPr lang="en-IN" sz="1800" b="1" dirty="0">
+              <a:solidFill>
+                <a:srgbClr val="58585A"/>
+              </a:solidFill>
+            </a:endParaRPr>
+          </a:p>
+          <a:p>
+            <a:pPr>
+              <a:spcAft>
+                <a:spcPts val="1200"/>
+              </a:spcAft>
+            </a:pPr>
+            <a:r>
+              <a:rPr lang="en-IN" sz="1600" b="1" dirty="0">
+                <a:solidFill>
+                  <a:schemeClr val="tx1"/>
+                </a:solidFill>
+              </a:rPr>
+              <a:t>​</a:t>
+            </a:r>
+            <a:r>
+              <a:rPr lang="en-US" sz="1600" b="1" dirty="0"/>
+              <a:t>What are the horizontal asymptotes for the graph</a:t>
+            </a:r>
+          </a:p>
+          <a:p>
+            <a:pPr>
+              <a:spcBef>
+                <a:spcPts val="1200"/>
+              </a:spcBef>
+              <a:spcAft>
+                <a:spcPts val="14000"/>
+              </a:spcAft>
+            </a:pPr>
+            <a:br>
+              <a:rPr lang="en-US" sz="2000" b="1" dirty="0"/>
+            </a:br>
+            <a:br>
+              <a:rPr lang="en-US" sz="2000" b="1" dirty="0"/>
+            </a:br>
+            <a:r>
+              <a:rPr lang="en-US" sz="2000" b="1" dirty="0"/>
+              <a:t>Case 2: </a:t>
+            </a:r>
+            <a:r>
+              <a:rPr lang="en-US" sz="2000" dirty="0"/>
+              <a:t>When the degree of the numerator is greater than the degree of the </a:t>
+            </a:r>
+            <a:r>
+              <a:rPr lang="en-US" sz="2000" dirty="0" err="1"/>
+              <a:t>denominator,there</a:t>
+            </a:r>
+            <a:r>
+              <a:rPr lang="en-US" sz="2000" dirty="0"/>
+              <a:t> is no horizontal asymptote.</a:t>
+            </a:r>
+          </a:p>
+        </p:txBody>
+      </p:sp>
       <p:pic>
         <p:nvPicPr>
-          <p:cNvPr id="3" name="Picture 2">
+          <p:cNvPr id="5" name="Picture 4">
             <a:extLst>
               <a:ext uri="{FF2B5EF4-FFF2-40B4-BE49-F238E27FC236}">
-                <a16:creationId xmlns:a16="http://schemas.microsoft.com/office/drawing/2014/main" id="{282A635C-7728-729F-0B9F-4C7516C17CAE}"/>
+                <a16:creationId xmlns:a16="http://schemas.microsoft.com/office/drawing/2014/main" id="{3EA894C1-D6CC-C762-AD65-0F80C1F44E7D}"/>
               </a:ext>
             </a:extLst>
           </p:cNvPr>
@@ -14632,68 +11324,8 @@
         </p:blipFill>
         <p:spPr>
           <a:xfrm>
-            <a:off x="1122761" y="2878591"/>
-            <a:ext cx="1845725" cy="603790"/>
-          </a:xfrm>
-          <a:prstGeom prst="rect">
-            <a:avLst/>
-          </a:prstGeom>
-        </p:spPr>
-      </p:pic>
-      <p:pic>
-        <p:nvPicPr>
-          <p:cNvPr id="13" name="Picture 12">
-            <a:extLst>
-              <a:ext uri="{FF2B5EF4-FFF2-40B4-BE49-F238E27FC236}">
-                <a16:creationId xmlns:a16="http://schemas.microsoft.com/office/drawing/2014/main" id="{DAAA24DF-7B7D-F23C-BF7B-485D28BD2099}"/>
-              </a:ext>
-            </a:extLst>
-          </p:cNvPr>
-          <p:cNvPicPr>
-            <a:picLocks noChangeAspect="1"/>
-          </p:cNvPicPr>
-          <p:nvPr/>
-        </p:nvPicPr>
-        <p:blipFill>
-          <a:blip r:embed="rId4"/>
-          <a:stretch>
-            <a:fillRect/>
-          </a:stretch>
-        </p:blipFill>
-        <p:spPr>
-          <a:xfrm>
-            <a:off x="1110985" y="1635588"/>
-            <a:ext cx="1737729" cy="603790"/>
-          </a:xfrm>
-          <a:prstGeom prst="rect">
-            <a:avLst/>
-          </a:prstGeom>
-        </p:spPr>
-      </p:pic>
-      <p:pic>
-        <p:nvPicPr>
-          <p:cNvPr id="15" name="Picture 14">
-            <a:extLst>
-              <a:ext uri="{FF2B5EF4-FFF2-40B4-BE49-F238E27FC236}">
-                <a16:creationId xmlns:a16="http://schemas.microsoft.com/office/drawing/2014/main" id="{47D0226C-5834-270B-A0B4-B8251D4B93BF}"/>
-              </a:ext>
-            </a:extLst>
-          </p:cNvPr>
-          <p:cNvPicPr>
-            <a:picLocks noChangeAspect="1"/>
-          </p:cNvPicPr>
-          <p:nvPr/>
-        </p:nvPicPr>
-        <p:blipFill>
-          <a:blip r:embed="rId5"/>
-          <a:stretch>
-            <a:fillRect/>
-          </a:stretch>
-        </p:blipFill>
-        <p:spPr>
-          <a:xfrm>
-            <a:off x="1140039" y="2290839"/>
-            <a:ext cx="1752457" cy="603790"/>
+            <a:off x="0" y="3338111"/>
+            <a:ext cx="9155589" cy="2670803"/>
           </a:xfrm>
           <a:prstGeom prst="rect">
             <a:avLst/>
@@ -14703,7 +11335,7 @@
     </p:spTree>
     <p:extLst>
       <p:ext uri="{BB962C8B-B14F-4D97-AF65-F5344CB8AC3E}">
-        <p14:creationId xmlns:p14="http://schemas.microsoft.com/office/powerpoint/2010/main" val="3691376732"/>
+        <p14:creationId xmlns:p14="http://schemas.microsoft.com/office/powerpoint/2010/main" val="518758758"/>
       </p:ext>
     </p:extLst>
   </p:cSld>

--- a/l4-2.pptx
+++ b/l4-2.pptx
@@ -11056,6 +11056,48 @@
           </a:prstGeom>
         </p:spPr>
       </p:pic>
+      <p:sp>
+        <p:nvSpPr>
+          <p:cNvPr id="2" name="TextBox 1">
+            <a:extLst>
+              <a:ext uri="{FF2B5EF4-FFF2-40B4-BE49-F238E27FC236}">
+                <a16:creationId xmlns:a16="http://schemas.microsoft.com/office/drawing/2014/main" id="{8CB9EE42-A46D-AE87-8189-AF5EBE37BE21}"/>
+              </a:ext>
+            </a:extLst>
+          </p:cNvPr>
+          <p:cNvSpPr txBox="1"/>
+          <p:nvPr/>
+        </p:nvSpPr>
+        <p:spPr>
+          <a:xfrm>
+            <a:off x="355758" y="1502229"/>
+            <a:ext cx="5881756" cy="707886"/>
+          </a:xfrm>
+          <a:prstGeom prst="rect">
+            <a:avLst/>
+          </a:prstGeom>
+          <a:noFill/>
+        </p:spPr>
+        <p:txBody>
+          <a:bodyPr wrap="square" rtlCol="0">
+            <a:spAutoFit/>
+          </a:bodyPr>
+          <a:lstStyle/>
+          <a:p>
+            <a:r>
+              <a:rPr kumimoji="1" lang="en-US" sz="2000" dirty="0"/>
+              <a:t>Degree of numerator &lt; degree of denominator,</a:t>
+            </a:r>
+            <a:br>
+              <a:rPr kumimoji="1" lang="en-US" sz="2000" dirty="0"/>
+            </a:br>
+            <a:r>
+              <a:rPr kumimoji="1" lang="en-US" sz="2000" dirty="0"/>
+              <a:t>Asymptote at y=0</a:t>
+            </a:r>
+          </a:p>
+        </p:txBody>
+      </p:sp>
     </p:spTree>
     <p:extLst>
       <p:ext uri="{BB962C8B-B14F-4D97-AF65-F5344CB8AC3E}">
